--- a/Project.pptx
+++ b/Project.pptx
@@ -8,13 +8,14 @@
     <p:sldId id="292" r:id="rId5"/>
     <p:sldId id="309" r:id="rId6"/>
     <p:sldId id="310" r:id="rId7"/>
-    <p:sldId id="311" r:id="rId8"/>
-    <p:sldId id="312" r:id="rId9"/>
-    <p:sldId id="313" r:id="rId10"/>
-    <p:sldId id="314" r:id="rId11"/>
-    <p:sldId id="315" r:id="rId12"/>
-    <p:sldId id="316" r:id="rId13"/>
-    <p:sldId id="317" r:id="rId14"/>
+    <p:sldId id="318" r:id="rId8"/>
+    <p:sldId id="311" r:id="rId9"/>
+    <p:sldId id="312" r:id="rId10"/>
+    <p:sldId id="313" r:id="rId11"/>
+    <p:sldId id="314" r:id="rId12"/>
+    <p:sldId id="315" r:id="rId13"/>
+    <p:sldId id="316" r:id="rId14"/>
+    <p:sldId id="317" r:id="rId15"/>
   </p:sldIdLst>
   <p:sldSz cx="12192000" cy="6858000"/>
   <p:notesSz cx="6858000" cy="9144000"/>
@@ -7133,6 +7134,142 @@
           <p:cNvPr id="2" name="Title 1">
             <a:extLst>
               <a:ext uri="{FF2B5EF4-FFF2-40B4-BE49-F238E27FC236}">
+                <a16:creationId xmlns:a16="http://schemas.microsoft.com/office/drawing/2014/main" id="{CCB4DBD1-1605-4CBA-8FC9-F137AE66C24E}"/>
+              </a:ext>
+            </a:extLst>
+          </p:cNvPr>
+          <p:cNvSpPr>
+            <a:spLocks noGrp="1"/>
+          </p:cNvSpPr>
+          <p:nvPr>
+            <p:ph type="title"/>
+          </p:nvPr>
+        </p:nvSpPr>
+        <p:spPr/>
+        <p:txBody>
+          <a:bodyPr/>
+          <a:lstStyle/>
+          <a:p>
+            <a:r>
+              <a:rPr lang="en-US" dirty="0"/>
+              <a:t>Box Plot</a:t>
+            </a:r>
+          </a:p>
+        </p:txBody>
+      </p:sp>
+      <p:sp>
+        <p:nvSpPr>
+          <p:cNvPr id="3" name="Content Placeholder 2">
+            <a:extLst>
+              <a:ext uri="{FF2B5EF4-FFF2-40B4-BE49-F238E27FC236}">
+                <a16:creationId xmlns:a16="http://schemas.microsoft.com/office/drawing/2014/main" id="{325EA30B-0266-4DBB-B77A-7B1946D4EDB7}"/>
+              </a:ext>
+            </a:extLst>
+          </p:cNvPr>
+          <p:cNvSpPr>
+            <a:spLocks noGrp="1"/>
+          </p:cNvSpPr>
+          <p:nvPr>
+            <p:ph sz="half" idx="1"/>
+          </p:nvPr>
+        </p:nvSpPr>
+        <p:spPr/>
+        <p:txBody>
+          <a:bodyPr/>
+          <a:lstStyle/>
+          <a:p>
+            <a:r>
+              <a:rPr lang="en-US" dirty="0"/>
+              <a:t>Is useful for those who want to know the maximum value and minimum value.</a:t>
+            </a:r>
+          </a:p>
+          <a:p>
+            <a:r>
+              <a:rPr lang="en-US" dirty="0"/>
+              <a:t>Also it shows the quartile and it’s values </a:t>
+            </a:r>
+          </a:p>
+          <a:p>
+            <a:r>
+              <a:rPr lang="en-US" dirty="0"/>
+              <a:t>Show the outliers, use it for data wrangling.</a:t>
+            </a:r>
+          </a:p>
+          <a:p>
+            <a:r>
+              <a:rPr lang="en-US" dirty="0"/>
+              <a:t>Shows mean and median, standard deviation.</a:t>
+            </a:r>
+          </a:p>
+          <a:p>
+            <a:endParaRPr lang="en-US" dirty="0"/>
+          </a:p>
+        </p:txBody>
+      </p:sp>
+      <p:pic>
+        <p:nvPicPr>
+          <p:cNvPr id="6" name="Content Placeholder 5">
+            <a:extLst>
+              <a:ext uri="{FF2B5EF4-FFF2-40B4-BE49-F238E27FC236}">
+                <a16:creationId xmlns:a16="http://schemas.microsoft.com/office/drawing/2014/main" id="{AE635328-1FB0-4A91-8954-958A9EF4F4ED}"/>
+              </a:ext>
+            </a:extLst>
+          </p:cNvPr>
+          <p:cNvPicPr>
+            <a:picLocks noGrp="1" noChangeAspect="1"/>
+          </p:cNvPicPr>
+          <p:nvPr>
+            <p:ph sz="half" idx="2"/>
+          </p:nvPr>
+        </p:nvPicPr>
+        <p:blipFill>
+          <a:blip r:embed="rId2"/>
+          <a:stretch>
+            <a:fillRect/>
+          </a:stretch>
+        </p:blipFill>
+        <p:spPr>
+          <a:xfrm>
+            <a:off x="6461125" y="2213505"/>
+            <a:ext cx="4664075" cy="3527953"/>
+          </a:xfrm>
+        </p:spPr>
+      </p:pic>
+    </p:spTree>
+    <p:extLst>
+      <p:ext uri="{BB962C8B-B14F-4D97-AF65-F5344CB8AC3E}">
+        <p14:creationId xmlns:p14="http://schemas.microsoft.com/office/powerpoint/2010/main" val="922199565"/>
+      </p:ext>
+    </p:extLst>
+  </p:cSld>
+  <p:clrMapOvr>
+    <a:masterClrMapping/>
+  </p:clrMapOvr>
+</p:sld>
+</file>
+
+<file path=ppt/slides/slide11.xml><?xml version="1.0" encoding="utf-8"?>
+<p:sld xmlns:a="http://schemas.openxmlformats.org/drawingml/2006/main" xmlns:r="http://schemas.openxmlformats.org/officeDocument/2006/relationships" xmlns:p="http://schemas.openxmlformats.org/presentationml/2006/main">
+  <p:cSld>
+    <p:spTree>
+      <p:nvGrpSpPr>
+        <p:cNvPr id="1" name=""/>
+        <p:cNvGrpSpPr/>
+        <p:nvPr/>
+      </p:nvGrpSpPr>
+      <p:grpSpPr>
+        <a:xfrm>
+          <a:off x="0" y="0"/>
+          <a:ext cx="0" cy="0"/>
+          <a:chOff x="0" y="0"/>
+          <a:chExt cx="0" cy="0"/>
+        </a:xfrm>
+      </p:grpSpPr>
+      <p:sp>
+        <p:nvSpPr>
+          <p:cNvPr id="2" name="Title 1">
+            <a:extLst>
+              <a:ext uri="{FF2B5EF4-FFF2-40B4-BE49-F238E27FC236}">
                 <a16:creationId xmlns:a16="http://schemas.microsoft.com/office/drawing/2014/main" id="{7F27C4B4-CD11-455D-AD97-F7C6B03CAD32}"/>
               </a:ext>
             </a:extLst>
@@ -7177,7 +7314,7 @@
           <a:bodyPr/>
           <a:lstStyle/>
           <a:p>
-            <a:endParaRPr lang="en-US"/>
+            <a:endParaRPr lang="en-US" dirty="0"/>
           </a:p>
         </p:txBody>
       </p:sp>
@@ -7202,7 +7339,7 @@
           <a:bodyPr/>
           <a:lstStyle/>
           <a:p>
-            <a:endParaRPr lang="en-US"/>
+            <a:endParaRPr lang="en-US" dirty="0"/>
           </a:p>
         </p:txBody>
       </p:sp>
@@ -7457,8 +7594,8 @@
           </a:p>
         </p:txBody>
       </p:sp>
-      <mc:AlternateContent xmlns:mc="http://schemas.openxmlformats.org/markup-compatibility/2006">
-        <mc:Choice xmlns:a14="http://schemas.microsoft.com/office/drawing/2010/main" Requires="a14">
+      <mc:AlternateContent xmlns:mc="http://schemas.openxmlformats.org/markup-compatibility/2006" xmlns:a14="http://schemas.microsoft.com/office/drawing/2010/main">
+        <mc:Choice Requires="a14">
           <p:graphicFrame>
             <p:nvGraphicFramePr>
               <p:cNvPr id="4" name="Table 4">
@@ -7475,7 +7612,7 @@
                 <p:ph idx="1"/>
                 <p:extLst>
                   <p:ext uri="{D42A27DB-BD31-4B8C-83A1-F6EECF244321}">
-                    <p14:modId xmlns:p14="http://schemas.microsoft.com/office/powerpoint/2010/main" val="615803647"/>
+                    <p14:modId xmlns:p14="http://schemas.microsoft.com/office/powerpoint/2010/main" val="1163593214"/>
                   </p:ext>
                 </p:extLst>
               </p:nvPr>
@@ -7662,30 +7799,24 @@
                                               </a:rPr>
                                               <m:t>​−</m:t>
                                             </m:r>
-                                            <m:r>
-                                              <m:rPr>
-                                                <m:nor/>
-                                              </m:rPr>
-                                              <a:rPr lang="en-US" b="0" i="1" dirty="0" smtClean="0">
-                                                <a:latin typeface="Cambria Math" panose="02040503050406030204" pitchFamily="18" charset="0"/>
-                                              </a:rPr>
-                                              <m:t>x</m:t>
-                                            </m:r>
-                                            <m:r>
-                                              <m:rPr>
-                                                <m:nor/>
-                                              </m:rPr>
-                                              <a:rPr lang="en-US" sz="1800" b="0" i="0" kern="1200" smtClean="0">
-                                                <a:solidFill>
-                                                  <a:schemeClr val="lt1"/>
-                                                </a:solidFill>
-                                                <a:effectLst/>
-                                                <a:latin typeface="+mn-lt"/>
-                                                <a:ea typeface="+mn-ea"/>
-                                                <a:cs typeface="+mn-cs"/>
-                                              </a:rPr>
-                                              <m:t>ˉ</m:t>
-                                            </m:r>
+                                            <m:acc>
+                                              <m:accPr>
+                                                <m:chr m:val="̃"/>
+                                                <m:ctrlPr>
+                                                  <a:rPr lang="en-US" b="0" i="1" dirty="0" smtClean="0">
+                                                    <a:latin typeface="Cambria Math" panose="02040503050406030204" pitchFamily="18" charset="0"/>
+                                                  </a:rPr>
+                                                </m:ctrlPr>
+                                              </m:accPr>
+                                              <m:e>
+                                                <m:r>
+                                                  <a:rPr lang="en-US" b="0" i="1" dirty="0" smtClean="0">
+                                                    <a:latin typeface="Cambria Math" panose="02040503050406030204" pitchFamily="18" charset="0"/>
+                                                  </a:rPr>
+                                                  <m:t>𝑥</m:t>
+                                                </m:r>
+                                              </m:e>
+                                            </m:acc>
                                           </m:num>
                                           <m:den>
                                             <m:r>
@@ -7737,6 +7868,212 @@
                           <a:pPr algn="ctr"/>
                           <a:endParaRPr lang="en-US" dirty="0"/>
                         </a:p>
+                        <a:p>
+                          <a:pPr algn="ctr"/>
+                          <a14:m>
+                            <m:oMathPara xmlns:m="http://schemas.openxmlformats.org/officeDocument/2006/math">
+                              <m:oMathParaPr>
+                                <m:jc m:val="centerGroup"/>
+                              </m:oMathParaPr>
+                              <m:oMath xmlns:m="http://schemas.openxmlformats.org/officeDocument/2006/math">
+                                <m:f>
+                                  <m:fPr>
+                                    <m:ctrlPr>
+                                      <a:rPr lang="pt-BR" i="1" dirty="0" smtClean="0">
+                                        <a:latin typeface="Cambria Math" panose="02040503050406030204" pitchFamily="18" charset="0"/>
+                                      </a:rPr>
+                                    </m:ctrlPr>
+                                  </m:fPr>
+                                  <m:num>
+                                    <m:r>
+                                      <a:rPr lang="pt-BR" i="1" dirty="0" smtClean="0">
+                                        <a:latin typeface="Cambria Math" panose="02040503050406030204" pitchFamily="18" charset="0"/>
+                                      </a:rPr>
+                                      <m:t>𝑛</m:t>
+                                    </m:r>
+                                    <m:r>
+                                      <a:rPr lang="pt-BR" i="1" dirty="0" smtClean="0">
+                                        <a:latin typeface="Cambria Math" panose="02040503050406030204" pitchFamily="18" charset="0"/>
+                                      </a:rPr>
+                                      <m:t>(</m:t>
+                                    </m:r>
+                                    <m:r>
+                                      <a:rPr lang="pt-BR" i="1" dirty="0" smtClean="0">
+                                        <a:latin typeface="Cambria Math" panose="02040503050406030204" pitchFamily="18" charset="0"/>
+                                      </a:rPr>
+                                      <m:t>𝑛</m:t>
+                                    </m:r>
+                                    <m:r>
+                                      <a:rPr lang="pt-BR" i="1" dirty="0" smtClean="0">
+                                        <a:latin typeface="Cambria Math" panose="02040503050406030204" pitchFamily="18" charset="0"/>
+                                      </a:rPr>
+                                      <m:t>−1)(</m:t>
+                                    </m:r>
+                                    <m:r>
+                                      <a:rPr lang="pt-BR" i="1" dirty="0" smtClean="0">
+                                        <a:latin typeface="Cambria Math" panose="02040503050406030204" pitchFamily="18" charset="0"/>
+                                      </a:rPr>
+                                      <m:t>𝑛</m:t>
+                                    </m:r>
+                                    <m:r>
+                                      <a:rPr lang="pt-BR" i="1" dirty="0" smtClean="0">
+                                        <a:latin typeface="Cambria Math" panose="02040503050406030204" pitchFamily="18" charset="0"/>
+                                      </a:rPr>
+                                      <m:t>−2)</m:t>
+                                    </m:r>
+                                  </m:num>
+                                  <m:den>
+                                    <m:r>
+                                      <a:rPr lang="pt-BR" i="1" dirty="0" smtClean="0">
+                                        <a:latin typeface="Cambria Math" panose="02040503050406030204" pitchFamily="18" charset="0"/>
+                                      </a:rPr>
+                                      <m:t>(</m:t>
+                                    </m:r>
+                                    <m:r>
+                                      <a:rPr lang="pt-BR" i="1" dirty="0" smtClean="0">
+                                        <a:latin typeface="Cambria Math" panose="02040503050406030204" pitchFamily="18" charset="0"/>
+                                      </a:rPr>
+                                      <m:t>𝑛</m:t>
+                                    </m:r>
+                                    <m:r>
+                                      <a:rPr lang="pt-BR" i="1" dirty="0" smtClean="0">
+                                        <a:latin typeface="Cambria Math" panose="02040503050406030204" pitchFamily="18" charset="0"/>
+                                      </a:rPr>
+                                      <m:t>)</m:t>
+                                    </m:r>
+                                    <m:sSup>
+                                      <m:sSupPr>
+                                        <m:ctrlPr>
+                                          <a:rPr lang="pt-BR" i="1" dirty="0" smtClean="0">
+                                            <a:latin typeface="Cambria Math" panose="02040503050406030204" pitchFamily="18" charset="0"/>
+                                          </a:rPr>
+                                        </m:ctrlPr>
+                                      </m:sSupPr>
+                                      <m:e>
+                                        <m:r>
+                                          <a:rPr lang="pt-BR" i="1" dirty="0" smtClean="0">
+                                            <a:latin typeface="Cambria Math" panose="02040503050406030204" pitchFamily="18" charset="0"/>
+                                          </a:rPr>
+                                          <m:t>𝑠</m:t>
+                                        </m:r>
+                                      </m:e>
+                                      <m:sup>
+                                        <m:r>
+                                          <a:rPr lang="pt-BR" i="1" dirty="0" smtClean="0">
+                                            <a:latin typeface="Cambria Math" panose="02040503050406030204" pitchFamily="18" charset="0"/>
+                                          </a:rPr>
+                                          <m:t>4</m:t>
+                                        </m:r>
+                                      </m:sup>
+                                    </m:sSup>
+                                  </m:den>
+                                </m:f>
+                                <m:r>
+                                  <a:rPr lang="pt-BR" i="1" dirty="0" smtClean="0">
+                                    <a:latin typeface="Cambria Math" panose="02040503050406030204" pitchFamily="18" charset="0"/>
+                                  </a:rPr>
+                                  <m:t>​</m:t>
+                                </m:r>
+                                <m:nary>
+                                  <m:naryPr>
+                                    <m:chr m:val="∑"/>
+                                    <m:ctrlPr>
+                                      <a:rPr lang="pt-BR" i="1" dirty="0" smtClean="0">
+                                        <a:latin typeface="Cambria Math" panose="02040503050406030204" pitchFamily="18" charset="0"/>
+                                      </a:rPr>
+                                    </m:ctrlPr>
+                                  </m:naryPr>
+                                  <m:sub>
+                                    <m:r>
+                                      <a:rPr lang="pt-BR" i="1" dirty="0" smtClean="0">
+                                        <a:latin typeface="Cambria Math" panose="02040503050406030204" pitchFamily="18" charset="0"/>
+                                      </a:rPr>
+                                      <m:t>𝑖</m:t>
+                                    </m:r>
+                                    <m:r>
+                                      <a:rPr lang="pt-BR" i="1" dirty="0" smtClean="0">
+                                        <a:latin typeface="Cambria Math" panose="02040503050406030204" pitchFamily="18" charset="0"/>
+                                      </a:rPr>
+                                      <m:t>=1</m:t>
+                                    </m:r>
+                                  </m:sub>
+                                  <m:sup>
+                                    <m:r>
+                                      <a:rPr lang="pt-BR" i="1" dirty="0" smtClean="0">
+                                        <a:latin typeface="Cambria Math" panose="02040503050406030204" pitchFamily="18" charset="0"/>
+                                      </a:rPr>
+                                      <m:t>𝑛</m:t>
+                                    </m:r>
+                                  </m:sup>
+                                  <m:e>
+                                    <m:sSup>
+                                      <m:sSupPr>
+                                        <m:ctrlPr>
+                                          <a:rPr lang="pt-BR" i="1" dirty="0" smtClean="0">
+                                            <a:latin typeface="Cambria Math" panose="02040503050406030204" pitchFamily="18" charset="0"/>
+                                          </a:rPr>
+                                        </m:ctrlPr>
+                                      </m:sSupPr>
+                                      <m:e>
+                                        <m:r>
+                                          <a:rPr lang="pt-BR" i="1" dirty="0" smtClean="0">
+                                            <a:latin typeface="Cambria Math" panose="02040503050406030204" pitchFamily="18" charset="0"/>
+                                          </a:rPr>
+                                          <m:t>(</m:t>
+                                        </m:r>
+                                        <m:r>
+                                          <a:rPr lang="pt-BR" i="1" dirty="0" smtClean="0">
+                                            <a:latin typeface="Cambria Math" panose="02040503050406030204" pitchFamily="18" charset="0"/>
+                                          </a:rPr>
+                                          <m:t>𝑥𝑖</m:t>
+                                        </m:r>
+                                        <m:r>
+                                          <a:rPr lang="pt-BR" i="1" dirty="0" smtClean="0">
+                                            <a:latin typeface="Cambria Math" panose="02040503050406030204" pitchFamily="18" charset="0"/>
+                                          </a:rPr>
+                                          <m:t>​−</m:t>
+                                        </m:r>
+                                        <m:acc>
+                                          <m:accPr>
+                                            <m:chr m:val="̃"/>
+                                            <m:ctrlPr>
+                                              <a:rPr lang="pt-BR" i="1" dirty="0" smtClean="0">
+                                                <a:latin typeface="Cambria Math" panose="02040503050406030204" pitchFamily="18" charset="0"/>
+                                              </a:rPr>
+                                            </m:ctrlPr>
+                                          </m:accPr>
+                                          <m:e>
+                                            <m:r>
+                                              <a:rPr lang="en-US" b="1" i="1" dirty="0" smtClean="0">
+                                                <a:latin typeface="Cambria Math" panose="02040503050406030204" pitchFamily="18" charset="0"/>
+                                              </a:rPr>
+                                              <m:t>𝒙</m:t>
+                                            </m:r>
+                                          </m:e>
+                                        </m:acc>
+                                        <m:r>
+                                          <a:rPr lang="pt-BR" i="1" dirty="0" smtClean="0">
+                                            <a:latin typeface="Cambria Math" panose="02040503050406030204" pitchFamily="18" charset="0"/>
+                                          </a:rPr>
+                                          <m:t>)</m:t>
+                                        </m:r>
+                                      </m:e>
+                                      <m:sup>
+                                        <m:r>
+                                          <a:rPr lang="pt-BR" i="1" dirty="0" smtClean="0">
+                                            <a:latin typeface="Cambria Math" panose="02040503050406030204" pitchFamily="18" charset="0"/>
+                                          </a:rPr>
+                                          <m:t>4</m:t>
+                                        </m:r>
+                                      </m:sup>
+                                    </m:sSup>
+                                  </m:e>
+                                </m:nary>
+                              </m:oMath>
+                            </m:oMathPara>
+                          </a14:m>
+                          <a:endParaRPr lang="en-US" dirty="0"/>
+                        </a:p>
                       </a:txBody>
                       <a:tcPr/>
                     </a:tc>
@@ -7778,7 +8115,7 @@
             </a:graphic>
           </p:graphicFrame>
         </mc:Choice>
-        <mc:Fallback>
+        <mc:Fallback xmlns="">
           <p:graphicFrame>
             <p:nvGraphicFramePr>
               <p:cNvPr id="4" name="Table 4">
@@ -7795,7 +8132,7 @@
                 <p:ph idx="1"/>
                 <p:extLst>
                   <p:ext uri="{D42A27DB-BD31-4B8C-83A1-F6EECF244321}">
-                    <p14:modId xmlns:p14="http://schemas.microsoft.com/office/powerpoint/2010/main" val="615803647"/>
+                    <p14:modId xmlns:p14="http://schemas.microsoft.com/office/powerpoint/2010/main" val="1163593214"/>
                   </p:ext>
                 </p:extLst>
               </p:nvPr>
@@ -7849,18 +8186,17 @@
                         <a:bodyPr/>
                         <a:lstStyle/>
                         <a:p>
-                          <a:pPr algn="ctr"/>
-                          <a:r>
-                            <a:rPr lang="en-US" dirty="0"/>
-                            <a:t>Kurtosis</a:t>
-                          </a:r>
-                        </a:p>
-                        <a:p>
-                          <a:pPr algn="ctr"/>
-                          <a:endParaRPr lang="en-US" dirty="0"/>
+                          <a:endParaRPr lang="en-US"/>
                         </a:p>
                       </a:txBody>
-                      <a:tcPr/>
+                      <a:tcPr>
+                        <a:blipFill>
+                          <a:blip r:embed="rId2"/>
+                          <a:stretch>
+                            <a:fillRect l="-100238" t="-1992" r="-475" b="-100398"/>
+                          </a:stretch>
+                        </a:blipFill>
+                      </a:tcPr>
                     </a:tc>
                     <a:extLst>
                       <a:ext uri="{0D108BD9-81ED-4DB2-BD59-A6C34878D82A}">
@@ -7996,6 +8332,442 @@
           <p:cNvPr id="2" name="Title 1">
             <a:extLst>
               <a:ext uri="{FF2B5EF4-FFF2-40B4-BE49-F238E27FC236}">
+                <a16:creationId xmlns:a16="http://schemas.microsoft.com/office/drawing/2014/main" id="{444A181D-DBAF-447C-8A0B-9FDD082D9A7A}"/>
+              </a:ext>
+            </a:extLst>
+          </p:cNvPr>
+          <p:cNvSpPr>
+            <a:spLocks noGrp="1"/>
+          </p:cNvSpPr>
+          <p:nvPr>
+            <p:ph type="title"/>
+          </p:nvPr>
+        </p:nvSpPr>
+        <p:spPr/>
+        <p:txBody>
+          <a:bodyPr/>
+          <a:lstStyle/>
+          <a:p>
+            <a:r>
+              <a:rPr lang="en-US" dirty="0"/>
+              <a:t>Example for calculating skewness and kurtosis</a:t>
+            </a:r>
+          </a:p>
+        </p:txBody>
+      </p:sp>
+      <mc:AlternateContent xmlns:mc="http://schemas.openxmlformats.org/markup-compatibility/2006" xmlns:a14="http://schemas.microsoft.com/office/drawing/2010/main">
+        <mc:Choice Requires="a14">
+          <p:sp>
+            <p:nvSpPr>
+              <p:cNvPr id="4" name="Content Placeholder 3">
+                <a:extLst>
+                  <a:ext uri="{FF2B5EF4-FFF2-40B4-BE49-F238E27FC236}">
+                    <a16:creationId xmlns:a16="http://schemas.microsoft.com/office/drawing/2014/main" id="{08469298-AC43-402C-AC68-203336027CA3}"/>
+                  </a:ext>
+                </a:extLst>
+              </p:cNvPr>
+              <p:cNvSpPr>
+                <a:spLocks noGrp="1"/>
+              </p:cNvSpPr>
+              <p:nvPr>
+                <p:ph sz="half" idx="1"/>
+              </p:nvPr>
+            </p:nvSpPr>
+            <p:spPr/>
+            <p:txBody>
+              <a:bodyPr/>
+              <a:lstStyle/>
+              <a:p>
+                <a:r>
+                  <a:rPr lang="en-US" dirty="0"/>
+                  <a:t>{2,3,5,7,8,9,10,12,13,15}</a:t>
+                </a:r>
+              </a:p>
+              <a:p>
+                <a:r>
+                  <a:rPr lang="en-US" dirty="0"/>
+                  <a:t>According to this data calculating the mean (</a:t>
+                </a:r>
+                <a14:m>
+                  <m:oMath xmlns:m="http://schemas.openxmlformats.org/officeDocument/2006/math">
+                    <m:acc>
+                      <m:accPr>
+                        <m:chr m:val="̃"/>
+                        <m:ctrlPr>
+                          <a:rPr lang="en-US" i="1" smtClean="0">
+                            <a:latin typeface="Cambria Math" panose="02040503050406030204" pitchFamily="18" charset="0"/>
+                          </a:rPr>
+                        </m:ctrlPr>
+                      </m:accPr>
+                      <m:e>
+                        <m:r>
+                          <a:rPr lang="en-US" b="0" i="1" smtClean="0">
+                            <a:latin typeface="Cambria Math" panose="02040503050406030204" pitchFamily="18" charset="0"/>
+                          </a:rPr>
+                          <m:t>𝑥</m:t>
+                        </m:r>
+                      </m:e>
+                    </m:acc>
+                  </m:oMath>
+                </a14:m>
+                <a:r>
+                  <a:rPr lang="en-US" dirty="0"/>
+                  <a:t>) = </a:t>
+                </a:r>
+                <a14:m>
+                  <m:oMath xmlns:m="http://schemas.openxmlformats.org/officeDocument/2006/math">
+                    <m:f>
+                      <m:fPr>
+                        <m:ctrlPr>
+                          <a:rPr lang="en-US" i="1" smtClean="0">
+                            <a:latin typeface="Cambria Math" panose="02040503050406030204" pitchFamily="18" charset="0"/>
+                          </a:rPr>
+                        </m:ctrlPr>
+                      </m:fPr>
+                      <m:num>
+                        <m:nary>
+                          <m:naryPr>
+                            <m:chr m:val="∑"/>
+                            <m:subHide m:val="on"/>
+                            <m:supHide m:val="on"/>
+                            <m:ctrlPr>
+                              <a:rPr lang="en-US" i="1" smtClean="0">
+                                <a:latin typeface="Cambria Math" panose="02040503050406030204" pitchFamily="18" charset="0"/>
+                              </a:rPr>
+                            </m:ctrlPr>
+                          </m:naryPr>
+                          <m:sub/>
+                          <m:sup/>
+                          <m:e>
+                            <m:r>
+                              <a:rPr lang="en-US" b="0" i="1" smtClean="0">
+                                <a:latin typeface="Cambria Math" panose="02040503050406030204" pitchFamily="18" charset="0"/>
+                              </a:rPr>
+                              <m:t>𝑥𝑖</m:t>
+                            </m:r>
+                          </m:e>
+                        </m:nary>
+                      </m:num>
+                      <m:den>
+                        <m:r>
+                          <a:rPr lang="en-US" b="0" i="1" smtClean="0">
+                            <a:latin typeface="Cambria Math" panose="02040503050406030204" pitchFamily="18" charset="0"/>
+                          </a:rPr>
+                          <m:t>𝑛</m:t>
+                        </m:r>
+                      </m:den>
+                    </m:f>
+                    <m:r>
+                      <a:rPr lang="en-US" b="0" i="1" smtClean="0">
+                        <a:latin typeface="Cambria Math" panose="02040503050406030204" pitchFamily="18" charset="0"/>
+                      </a:rPr>
+                      <m:t>=8.4 ,</m:t>
+                    </m:r>
+                  </m:oMath>
+                </a14:m>
+                <a:r>
+                  <a:rPr lang="en-US" dirty="0"/>
+                  <a:t> S.D (s) = </a:t>
+                </a:r>
+                <a14:m>
+                  <m:oMath xmlns:m="http://schemas.openxmlformats.org/officeDocument/2006/math">
+                    <m:rad>
+                      <m:radPr>
+                        <m:degHide m:val="on"/>
+                        <m:ctrlPr>
+                          <a:rPr lang="en-US" i="1" smtClean="0">
+                            <a:latin typeface="Cambria Math" panose="02040503050406030204" pitchFamily="18" charset="0"/>
+                          </a:rPr>
+                        </m:ctrlPr>
+                      </m:radPr>
+                      <m:deg/>
+                      <m:e>
+                        <m:f>
+                          <m:fPr>
+                            <m:ctrlPr>
+                              <a:rPr lang="en-US" i="1">
+                                <a:latin typeface="Cambria Math" panose="02040503050406030204" pitchFamily="18" charset="0"/>
+                              </a:rPr>
+                            </m:ctrlPr>
+                          </m:fPr>
+                          <m:num>
+                            <m:nary>
+                              <m:naryPr>
+                                <m:chr m:val="∑"/>
+                                <m:subHide m:val="on"/>
+                                <m:supHide m:val="on"/>
+                                <m:ctrlPr>
+                                  <a:rPr lang="en-US" i="1" smtClean="0">
+                                    <a:latin typeface="Cambria Math" panose="02040503050406030204" pitchFamily="18" charset="0"/>
+                                  </a:rPr>
+                                </m:ctrlPr>
+                              </m:naryPr>
+                              <m:sub/>
+                              <m:sup/>
+                              <m:e>
+                                <m:sSup>
+                                  <m:sSupPr>
+                                    <m:ctrlPr>
+                                      <a:rPr lang="en-US" b="0" i="1" smtClean="0">
+                                        <a:latin typeface="Cambria Math" panose="02040503050406030204" pitchFamily="18" charset="0"/>
+                                      </a:rPr>
+                                    </m:ctrlPr>
+                                  </m:sSupPr>
+                                  <m:e>
+                                    <m:r>
+                                      <a:rPr lang="en-US" i="1">
+                                        <a:latin typeface="Cambria Math" panose="02040503050406030204" pitchFamily="18" charset="0"/>
+                                      </a:rPr>
+                                      <m:t>(</m:t>
+                                    </m:r>
+                                    <m:r>
+                                      <a:rPr lang="en-US" b="0" i="1" smtClean="0">
+                                        <a:latin typeface="Cambria Math" panose="02040503050406030204" pitchFamily="18" charset="0"/>
+                                      </a:rPr>
+                                      <m:t>𝑥𝑖</m:t>
+                                    </m:r>
+                                    <m:r>
+                                      <a:rPr lang="en-US" b="0" i="1" smtClean="0">
+                                        <a:latin typeface="Cambria Math" panose="02040503050406030204" pitchFamily="18" charset="0"/>
+                                      </a:rPr>
+                                      <m:t>−</m:t>
+                                    </m:r>
+                                    <m:acc>
+                                      <m:accPr>
+                                        <m:chr m:val="̃"/>
+                                        <m:ctrlPr>
+                                          <a:rPr lang="en-US" b="0" i="1" smtClean="0">
+                                            <a:latin typeface="Cambria Math" panose="02040503050406030204" pitchFamily="18" charset="0"/>
+                                          </a:rPr>
+                                        </m:ctrlPr>
+                                      </m:accPr>
+                                      <m:e>
+                                        <m:r>
+                                          <a:rPr lang="en-US" b="0" i="1" smtClean="0">
+                                            <a:latin typeface="Cambria Math" panose="02040503050406030204" pitchFamily="18" charset="0"/>
+                                          </a:rPr>
+                                          <m:t>𝑥</m:t>
+                                        </m:r>
+                                      </m:e>
+                                    </m:acc>
+                                    <m:r>
+                                      <a:rPr lang="en-US" i="1">
+                                        <a:latin typeface="Cambria Math" panose="02040503050406030204" pitchFamily="18" charset="0"/>
+                                      </a:rPr>
+                                      <m:t>)</m:t>
+                                    </m:r>
+                                  </m:e>
+                                  <m:sup>
+                                    <m:r>
+                                      <a:rPr lang="en-US" b="0" i="1" smtClean="0">
+                                        <a:latin typeface="Cambria Math" panose="02040503050406030204" pitchFamily="18" charset="0"/>
+                                      </a:rPr>
+                                      <m:t>2</m:t>
+                                    </m:r>
+                                  </m:sup>
+                                </m:sSup>
+                              </m:e>
+                            </m:nary>
+                          </m:num>
+                          <m:den>
+                            <m:r>
+                              <a:rPr lang="en-US" b="0" i="1" smtClean="0">
+                                <a:latin typeface="Cambria Math" panose="02040503050406030204" pitchFamily="18" charset="0"/>
+                              </a:rPr>
+                              <m:t>(</m:t>
+                            </m:r>
+                            <m:r>
+                              <a:rPr lang="en-US" b="0" i="1" smtClean="0">
+                                <a:latin typeface="Cambria Math" panose="02040503050406030204" pitchFamily="18" charset="0"/>
+                              </a:rPr>
+                              <m:t>𝑛</m:t>
+                            </m:r>
+                            <m:r>
+                              <a:rPr lang="en-US" b="0" i="1" smtClean="0">
+                                <a:latin typeface="Cambria Math" panose="02040503050406030204" pitchFamily="18" charset="0"/>
+                              </a:rPr>
+                              <m:t>−1)</m:t>
+                            </m:r>
+                          </m:den>
+                        </m:f>
+                      </m:e>
+                    </m:rad>
+                    <m:r>
+                      <a:rPr lang="en-US" b="0" i="1" smtClean="0">
+                        <a:latin typeface="Cambria Math" panose="02040503050406030204" pitchFamily="18" charset="0"/>
+                      </a:rPr>
+                      <m:t>=4.273.</m:t>
+                    </m:r>
+                  </m:oMath>
+                </a14:m>
+                <a:endParaRPr lang="en-US" b="0" dirty="0"/>
+              </a:p>
+              <a:p>
+                <a:r>
+                  <a:rPr lang="en-US" dirty="0"/>
+                  <a:t>According to kurtosis and skewness laws</a:t>
+                </a:r>
+              </a:p>
+              <a:p>
+                <a:r>
+                  <a:rPr lang="en-US" dirty="0"/>
+                  <a:t>Kurtosis = −1.081+3 = 1.919</a:t>
+                </a:r>
+              </a:p>
+              <a:p>
+                <a:r>
+                  <a:rPr lang="en-US" dirty="0"/>
+                  <a:t>Skewness = −0.039</a:t>
+                </a:r>
+              </a:p>
+            </p:txBody>
+          </p:sp>
+        </mc:Choice>
+        <mc:Fallback xmlns="">
+          <p:sp>
+            <p:nvSpPr>
+              <p:cNvPr id="4" name="Content Placeholder 3">
+                <a:extLst>
+                  <a:ext uri="{FF2B5EF4-FFF2-40B4-BE49-F238E27FC236}">
+                    <a16:creationId xmlns:a16="http://schemas.microsoft.com/office/drawing/2014/main" id="{08469298-AC43-402C-AC68-203336027CA3}"/>
+                  </a:ext>
+                </a:extLst>
+              </p:cNvPr>
+              <p:cNvSpPr>
+                <a:spLocks noGrp="1" noRot="1" noChangeAspect="1" noMove="1" noResize="1" noEditPoints="1" noAdjustHandles="1" noChangeArrowheads="1" noChangeShapeType="1" noTextEdit="1"/>
+              </p:cNvSpPr>
+              <p:nvPr>
+                <p:ph sz="half" idx="1"/>
+              </p:nvPr>
+            </p:nvSpPr>
+            <p:spPr>
+              <a:blipFill>
+                <a:blip r:embed="rId2"/>
+                <a:stretch>
+                  <a:fillRect l="-915"/>
+                </a:stretch>
+              </a:blipFill>
+            </p:spPr>
+            <p:txBody>
+              <a:bodyPr/>
+              <a:lstStyle/>
+              <a:p>
+                <a:r>
+                  <a:rPr lang="en-US">
+                    <a:noFill/>
+                  </a:rPr>
+                  <a:t> </a:t>
+                </a:r>
+              </a:p>
+            </p:txBody>
+          </p:sp>
+        </mc:Fallback>
+      </mc:AlternateContent>
+      <p:sp>
+        <p:nvSpPr>
+          <p:cNvPr id="5" name="Content Placeholder 4">
+            <a:extLst>
+              <a:ext uri="{FF2B5EF4-FFF2-40B4-BE49-F238E27FC236}">
+                <a16:creationId xmlns:a16="http://schemas.microsoft.com/office/drawing/2014/main" id="{92F28CC8-3E6B-44C8-94E4-FCBC4D5D916A}"/>
+              </a:ext>
+            </a:extLst>
+          </p:cNvPr>
+          <p:cNvSpPr>
+            <a:spLocks noGrp="1"/>
+          </p:cNvSpPr>
+          <p:nvPr>
+            <p:ph sz="half" idx="2"/>
+          </p:nvPr>
+        </p:nvSpPr>
+        <p:spPr/>
+        <p:txBody>
+          <a:bodyPr/>
+          <a:lstStyle/>
+          <a:p>
+            <a:r>
+              <a:rPr lang="en-US" dirty="0"/>
+              <a:t>We need to now that in denominator in kurtosis law may be you subtract by 3 or not this is for standardization .</a:t>
+            </a:r>
+          </a:p>
+          <a:p>
+            <a:r>
+              <a:rPr lang="en-US" dirty="0"/>
+              <a:t>Also we  add 3 cause in python function it’s subtract by 3 .</a:t>
+            </a:r>
+          </a:p>
+          <a:p>
+            <a:pPr marL="0" indent="0">
+              <a:buNone/>
+            </a:pPr>
+            <a:endParaRPr lang="en-US" dirty="0"/>
+          </a:p>
+        </p:txBody>
+      </p:sp>
+      <p:pic>
+        <p:nvPicPr>
+          <p:cNvPr id="7" name="Picture 6">
+            <a:extLst>
+              <a:ext uri="{FF2B5EF4-FFF2-40B4-BE49-F238E27FC236}">
+                <a16:creationId xmlns:a16="http://schemas.microsoft.com/office/drawing/2014/main" id="{368FE979-BF7E-44B7-8144-C99E9C53ECB9}"/>
+              </a:ext>
+            </a:extLst>
+          </p:cNvPr>
+          <p:cNvPicPr>
+            <a:picLocks noChangeAspect="1"/>
+          </p:cNvPicPr>
+          <p:nvPr/>
+        </p:nvPicPr>
+        <p:blipFill>
+          <a:blip r:embed="rId3"/>
+          <a:stretch>
+            <a:fillRect/>
+          </a:stretch>
+        </p:blipFill>
+        <p:spPr>
+          <a:xfrm>
+            <a:off x="6580770" y="4278143"/>
+            <a:ext cx="4652405" cy="1574017"/>
+          </a:xfrm>
+          <a:prstGeom prst="rect">
+            <a:avLst/>
+          </a:prstGeom>
+        </p:spPr>
+      </p:pic>
+    </p:spTree>
+    <p:extLst>
+      <p:ext uri="{BB962C8B-B14F-4D97-AF65-F5344CB8AC3E}">
+        <p14:creationId xmlns:p14="http://schemas.microsoft.com/office/powerpoint/2010/main" val="1322863776"/>
+      </p:ext>
+    </p:extLst>
+  </p:cSld>
+  <p:clrMapOvr>
+    <a:masterClrMapping/>
+  </p:clrMapOvr>
+</p:sld>
+</file>
+
+<file path=ppt/slides/slide5.xml><?xml version="1.0" encoding="utf-8"?>
+<p:sld xmlns:a="http://schemas.openxmlformats.org/drawingml/2006/main" xmlns:r="http://schemas.openxmlformats.org/officeDocument/2006/relationships" xmlns:p="http://schemas.openxmlformats.org/presentationml/2006/main">
+  <p:cSld>
+    <p:spTree>
+      <p:nvGrpSpPr>
+        <p:cNvPr id="1" name=""/>
+        <p:cNvGrpSpPr/>
+        <p:nvPr/>
+      </p:nvGrpSpPr>
+      <p:grpSpPr>
+        <a:xfrm>
+          <a:off x="0" y="0"/>
+          <a:ext cx="0" cy="0"/>
+          <a:chOff x="0" y="0"/>
+          <a:chExt cx="0" cy="0"/>
+        </a:xfrm>
+      </p:grpSpPr>
+      <p:sp>
+        <p:nvSpPr>
+          <p:cNvPr id="2" name="Title 1">
+            <a:extLst>
+              <a:ext uri="{FF2B5EF4-FFF2-40B4-BE49-F238E27FC236}">
                 <a16:creationId xmlns:a16="http://schemas.microsoft.com/office/drawing/2014/main" id="{C4FFE90E-2FEC-4CDA-8627-D60D1EB16879}"/>
               </a:ext>
             </a:extLst>
@@ -8119,7 +8891,7 @@
 </p:sld>
 </file>
 
-<file path=ppt/slides/slide5.xml><?xml version="1.0" encoding="utf-8"?>
+<file path=ppt/slides/slide6.xml><?xml version="1.0" encoding="utf-8"?>
 <p:sld xmlns:a="http://schemas.openxmlformats.org/drawingml/2006/main" xmlns:r="http://schemas.openxmlformats.org/officeDocument/2006/relationships" xmlns:p="http://schemas.openxmlformats.org/presentationml/2006/main">
   <p:cSld>
     <p:spTree>
@@ -8209,7 +8981,7 @@
 </p:sld>
 </file>
 
-<file path=ppt/slides/slide6.xml><?xml version="1.0" encoding="utf-8"?>
+<file path=ppt/slides/slide7.xml><?xml version="1.0" encoding="utf-8"?>
 <p:sld xmlns:a="http://schemas.openxmlformats.org/drawingml/2006/main" xmlns:r="http://schemas.openxmlformats.org/officeDocument/2006/relationships" xmlns:p="http://schemas.openxmlformats.org/presentationml/2006/main">
   <p:cSld>
     <p:spTree>
@@ -8344,7 +9116,7 @@
 </p:sld>
 </file>
 
-<file path=ppt/slides/slide7.xml><?xml version="1.0" encoding="utf-8"?>
+<file path=ppt/slides/slide8.xml><?xml version="1.0" encoding="utf-8"?>
 <p:sld xmlns:a="http://schemas.openxmlformats.org/drawingml/2006/main" xmlns:r="http://schemas.openxmlformats.org/officeDocument/2006/relationships" xmlns:p="http://schemas.openxmlformats.org/presentationml/2006/main">
   <p:cSld>
     <p:spTree>
@@ -8431,7 +9203,7 @@
 </p:sld>
 </file>
 
-<file path=ppt/slides/slide8.xml><?xml version="1.0" encoding="utf-8"?>
+<file path=ppt/slides/slide9.xml><?xml version="1.0" encoding="utf-8"?>
 <p:sld xmlns:a="http://schemas.openxmlformats.org/drawingml/2006/main" xmlns:r="http://schemas.openxmlformats.org/officeDocument/2006/relationships" xmlns:p="http://schemas.openxmlformats.org/presentationml/2006/main">
   <p:cSld>
     <p:spTree>
@@ -8563,142 +9335,6 @@
     <p:extLst>
       <p:ext uri="{BB962C8B-B14F-4D97-AF65-F5344CB8AC3E}">
         <p14:creationId xmlns:p14="http://schemas.microsoft.com/office/powerpoint/2010/main" val="3516567930"/>
-      </p:ext>
-    </p:extLst>
-  </p:cSld>
-  <p:clrMapOvr>
-    <a:masterClrMapping/>
-  </p:clrMapOvr>
-</p:sld>
-</file>
-
-<file path=ppt/slides/slide9.xml><?xml version="1.0" encoding="utf-8"?>
-<p:sld xmlns:a="http://schemas.openxmlformats.org/drawingml/2006/main" xmlns:r="http://schemas.openxmlformats.org/officeDocument/2006/relationships" xmlns:p="http://schemas.openxmlformats.org/presentationml/2006/main">
-  <p:cSld>
-    <p:spTree>
-      <p:nvGrpSpPr>
-        <p:cNvPr id="1" name=""/>
-        <p:cNvGrpSpPr/>
-        <p:nvPr/>
-      </p:nvGrpSpPr>
-      <p:grpSpPr>
-        <a:xfrm>
-          <a:off x="0" y="0"/>
-          <a:ext cx="0" cy="0"/>
-          <a:chOff x="0" y="0"/>
-          <a:chExt cx="0" cy="0"/>
-        </a:xfrm>
-      </p:grpSpPr>
-      <p:sp>
-        <p:nvSpPr>
-          <p:cNvPr id="2" name="Title 1">
-            <a:extLst>
-              <a:ext uri="{FF2B5EF4-FFF2-40B4-BE49-F238E27FC236}">
-                <a16:creationId xmlns:a16="http://schemas.microsoft.com/office/drawing/2014/main" id="{CCB4DBD1-1605-4CBA-8FC9-F137AE66C24E}"/>
-              </a:ext>
-            </a:extLst>
-          </p:cNvPr>
-          <p:cNvSpPr>
-            <a:spLocks noGrp="1"/>
-          </p:cNvSpPr>
-          <p:nvPr>
-            <p:ph type="title"/>
-          </p:nvPr>
-        </p:nvSpPr>
-        <p:spPr/>
-        <p:txBody>
-          <a:bodyPr/>
-          <a:lstStyle/>
-          <a:p>
-            <a:r>
-              <a:rPr lang="en-US" dirty="0"/>
-              <a:t>Box Plot</a:t>
-            </a:r>
-          </a:p>
-        </p:txBody>
-      </p:sp>
-      <p:sp>
-        <p:nvSpPr>
-          <p:cNvPr id="3" name="Content Placeholder 2">
-            <a:extLst>
-              <a:ext uri="{FF2B5EF4-FFF2-40B4-BE49-F238E27FC236}">
-                <a16:creationId xmlns:a16="http://schemas.microsoft.com/office/drawing/2014/main" id="{325EA30B-0266-4DBB-B77A-7B1946D4EDB7}"/>
-              </a:ext>
-            </a:extLst>
-          </p:cNvPr>
-          <p:cNvSpPr>
-            <a:spLocks noGrp="1"/>
-          </p:cNvSpPr>
-          <p:nvPr>
-            <p:ph sz="half" idx="1"/>
-          </p:nvPr>
-        </p:nvSpPr>
-        <p:spPr/>
-        <p:txBody>
-          <a:bodyPr/>
-          <a:lstStyle/>
-          <a:p>
-            <a:r>
-              <a:rPr lang="en-US" dirty="0"/>
-              <a:t>Is useful for those who want to know the maximum value and minimum value.</a:t>
-            </a:r>
-          </a:p>
-          <a:p>
-            <a:r>
-              <a:rPr lang="en-US" dirty="0"/>
-              <a:t>Also it shows the quartile and it’s values </a:t>
-            </a:r>
-          </a:p>
-          <a:p>
-            <a:r>
-              <a:rPr lang="en-US" dirty="0"/>
-              <a:t>Show the outliers, use it for data wrangling.</a:t>
-            </a:r>
-          </a:p>
-          <a:p>
-            <a:r>
-              <a:rPr lang="en-US" dirty="0"/>
-              <a:t>Shows mean and median, standard deviation.</a:t>
-            </a:r>
-          </a:p>
-          <a:p>
-            <a:endParaRPr lang="en-US" dirty="0"/>
-          </a:p>
-        </p:txBody>
-      </p:sp>
-      <p:pic>
-        <p:nvPicPr>
-          <p:cNvPr id="6" name="Content Placeholder 5">
-            <a:extLst>
-              <a:ext uri="{FF2B5EF4-FFF2-40B4-BE49-F238E27FC236}">
-                <a16:creationId xmlns:a16="http://schemas.microsoft.com/office/drawing/2014/main" id="{AE635328-1FB0-4A91-8954-958A9EF4F4ED}"/>
-              </a:ext>
-            </a:extLst>
-          </p:cNvPr>
-          <p:cNvPicPr>
-            <a:picLocks noGrp="1" noChangeAspect="1"/>
-          </p:cNvPicPr>
-          <p:nvPr>
-            <p:ph sz="half" idx="2"/>
-          </p:nvPr>
-        </p:nvPicPr>
-        <p:blipFill>
-          <a:blip r:embed="rId2"/>
-          <a:stretch>
-            <a:fillRect/>
-          </a:stretch>
-        </p:blipFill>
-        <p:spPr>
-          <a:xfrm>
-            <a:off x="6461125" y="2213505"/>
-            <a:ext cx="4664075" cy="3527953"/>
-          </a:xfrm>
-        </p:spPr>
-      </p:pic>
-    </p:spTree>
-    <p:extLst>
-      <p:ext uri="{BB962C8B-B14F-4D97-AF65-F5344CB8AC3E}">
-        <p14:creationId xmlns:p14="http://schemas.microsoft.com/office/powerpoint/2010/main" val="922199565"/>
       </p:ext>
     </p:extLst>
   </p:cSld>
@@ -9071,15 +9707,6 @@
 </file>
 
 <file path=customXml/item1.xml><?xml version="1.0" encoding="utf-8"?>
-<?mso-contentType ?>
-<FormTemplates xmlns="http://schemas.microsoft.com/sharepoint/v3/contenttype/forms">
-  <Display>DocumentLibraryForm</Display>
-  <Edit>DocumentLibraryForm</Edit>
-  <New>DocumentLibraryForm</New>
-</FormTemplates>
-</file>
-
-<file path=customXml/item2.xml><?xml version="1.0" encoding="utf-8"?>
 <p:properties xmlns:p="http://schemas.microsoft.com/office/2006/metadata/properties" xmlns:xsi="http://www.w3.org/2001/XMLSchema-instance" xmlns:pc="http://schemas.microsoft.com/office/infopath/2007/PartnerControls">
   <documentManagement>
     <Status xmlns="71af3243-3dd4-4a8d-8c0d-dd76da1f02a5">Not started</Status>
@@ -9088,7 +9715,7 @@
 </p:properties>
 </file>
 
-<file path=customXml/item3.xml><?xml version="1.0" encoding="utf-8"?>
+<file path=customXml/item2.xml><?xml version="1.0" encoding="utf-8"?>
 <ct:contentTypeSchema xmlns:ct="http://schemas.microsoft.com/office/2006/metadata/contentType" xmlns:ma="http://schemas.microsoft.com/office/2006/metadata/properties/metaAttributes" ct:_="" ma:_="" ma:contentTypeName="Document" ma:contentTypeID="0x01010079F111ED35F8CC479449609E8A0923A6" ma:contentTypeVersion="12" ma:contentTypeDescription="Create a new document." ma:contentTypeScope="" ma:versionID="a410dd7f93c95333ffa1b60ed6adedd1">
   <xsd:schema xmlns:xsd="http://www.w3.org/2001/XMLSchema" xmlns:xs="http://www.w3.org/2001/XMLSchema" xmlns:p="http://schemas.microsoft.com/office/2006/metadata/properties" xmlns:ns2="71af3243-3dd4-4a8d-8c0d-dd76da1f02a5" xmlns:ns3="16c05727-aa75-4e4a-9b5f-8a80a1165891" targetNamespace="http://schemas.microsoft.com/office/2006/metadata/properties" ma:root="true" ma:fieldsID="a936d9baba76aa3866493feff160faab" ns2:_="" ns3:_="">
     <xsd:import namespace="71af3243-3dd4-4a8d-8c0d-dd76da1f02a5"/>
@@ -9309,15 +9936,16 @@
 </ct:contentTypeSchema>
 </file>
 
-<file path=customXml/itemProps1.xml><?xml version="1.0" encoding="utf-8"?>
-<ds:datastoreItem xmlns:ds="http://schemas.openxmlformats.org/officeDocument/2006/customXml" ds:itemID="{AE2713E1-6312-427E-BFCB-C5A5DA301373}">
-  <ds:schemaRefs>
-    <ds:schemaRef ds:uri="http://schemas.microsoft.com/sharepoint/v3/contenttype/forms"/>
-  </ds:schemaRefs>
-</ds:datastoreItem>
+<file path=customXml/item3.xml><?xml version="1.0" encoding="utf-8"?>
+<?mso-contentType ?>
+<FormTemplates xmlns="http://schemas.microsoft.com/sharepoint/v3/contenttype/forms">
+  <Display>DocumentLibraryForm</Display>
+  <Edit>DocumentLibraryForm</Edit>
+  <New>DocumentLibraryForm</New>
+</FormTemplates>
 </file>
 
-<file path=customXml/itemProps2.xml><?xml version="1.0" encoding="utf-8"?>
+<file path=customXml/itemProps1.xml><?xml version="1.0" encoding="utf-8"?>
 <ds:datastoreItem xmlns:ds="http://schemas.openxmlformats.org/officeDocument/2006/customXml" ds:itemID="{52F3B215-496E-4790-A364-7C1C46DEC771}">
   <ds:schemaRefs>
     <ds:schemaRef ds:uri="http://schemas.microsoft.com/office/2006/metadata/properties"/>
@@ -9327,7 +9955,7 @@
 </ds:datastoreItem>
 </file>
 
-<file path=customXml/itemProps3.xml><?xml version="1.0" encoding="utf-8"?>
+<file path=customXml/itemProps2.xml><?xml version="1.0" encoding="utf-8"?>
 <ds:datastoreItem xmlns:ds="http://schemas.openxmlformats.org/officeDocument/2006/customXml" ds:itemID="{50DB95DD-0319-4EE5-8C5C-9CEDF75E024B}">
   <ds:schemaRefs>
     <ds:schemaRef ds:uri="http://schemas.microsoft.com/office/2006/metadata/contentType"/>
@@ -9344,4 +9972,12 @@
     <ds:schemaRef ds:uri="http://schemas.microsoft.com/internal/obd"/>
   </ds:schemaRefs>
 </ds:datastoreItem>
+</file>
+
+<file path=customXml/itemProps3.xml><?xml version="1.0" encoding="utf-8"?>
+<ds:datastoreItem xmlns:ds="http://schemas.openxmlformats.org/officeDocument/2006/customXml" ds:itemID="{AE2713E1-6312-427E-BFCB-C5A5DA301373}">
+  <ds:schemaRefs>
+    <ds:schemaRef ds:uri="http://schemas.microsoft.com/sharepoint/v3/contenttype/forms"/>
+  </ds:schemaRefs>
+</ds:datastoreItem>
 </file>
--- a/Project.pptx
+++ b/Project.pptx
@@ -16,6 +16,14 @@
     <p:sldId id="315" r:id="rId13"/>
     <p:sldId id="316" r:id="rId14"/>
     <p:sldId id="317" r:id="rId15"/>
+    <p:sldId id="319" r:id="rId16"/>
+    <p:sldId id="322" r:id="rId17"/>
+    <p:sldId id="323" r:id="rId18"/>
+    <p:sldId id="324" r:id="rId19"/>
+    <p:sldId id="325" r:id="rId20"/>
+    <p:sldId id="326" r:id="rId21"/>
+    <p:sldId id="327" r:id="rId22"/>
+    <p:sldId id="328" r:id="rId23"/>
   </p:sldIdLst>
   <p:sldSz cx="12192000" cy="6858000"/>
   <p:notesSz cx="6858000" cy="9144000"/>
@@ -3446,7 +3454,7 @@
           <a:p>
             <a:fld id="{EA0C0817-A112-4847-8014-A94B7D2A4EA3}" type="datetime1">
               <a:rPr lang="en-US" smtClean="0"/>
-              <a:t>22-Dec-24</a:t>
+              <a:t>24-Dec-24</a:t>
             </a:fld>
             <a:endParaRPr lang="en-US" dirty="0"/>
           </a:p>
@@ -3648,7 +3656,7 @@
           <a:p>
             <a:fld id="{7332B432-ACDA-4023-A761-2BAB76577B62}" type="datetime1">
               <a:rPr lang="en-US" smtClean="0"/>
-              <a:t>22-Dec-24</a:t>
+              <a:t>24-Dec-24</a:t>
             </a:fld>
             <a:endParaRPr lang="en-US" dirty="0"/>
           </a:p>
@@ -4247,7 +4255,7 @@
           <a:p>
             <a:fld id="{D9C646AA-F36E-4540-911D-FFFC0A0EF24A}" type="datetime1">
               <a:rPr lang="en-US" smtClean="0"/>
-              <a:t>22-Dec-24</a:t>
+              <a:t>24-Dec-24</a:t>
             </a:fld>
             <a:endParaRPr lang="en-US" dirty="0"/>
           </a:p>
@@ -4567,7 +4575,7 @@
           <a:p>
             <a:fld id="{69186D26-FA5F-4637-B602-B7C2DC34CFD4}" type="datetime1">
               <a:rPr lang="en-US" smtClean="0"/>
-              <a:t>22-Dec-24</a:t>
+              <a:t>24-Dec-24</a:t>
             </a:fld>
             <a:endParaRPr lang="en-US" dirty="0"/>
           </a:p>
@@ -5004,7 +5012,7 @@
           <a:p>
             <a:fld id="{8A7F15D8-96D1-4781-BC50-CA8A088B2FE4}" type="datetime1">
               <a:rPr lang="en-US" smtClean="0"/>
-              <a:t>22-Dec-24</a:t>
+              <a:t>24-Dec-24</a:t>
             </a:fld>
             <a:endParaRPr lang="en-US" dirty="0"/>
           </a:p>
@@ -5122,7 +5130,7 @@
           <a:p>
             <a:fld id="{F9A96C99-B8F8-4528-BD05-0E16E943DC09}" type="datetime1">
               <a:rPr lang="en-US" smtClean="0"/>
-              <a:t>22-Dec-24</a:t>
+              <a:t>24-Dec-24</a:t>
             </a:fld>
             <a:endParaRPr lang="en-US" dirty="0"/>
           </a:p>
@@ -5217,7 +5225,7 @@
           <a:p>
             <a:fld id="{03636942-C211-4B28-8DBD-C953E00AF71B}" type="datetime1">
               <a:rPr lang="en-US" smtClean="0"/>
-              <a:t>22-Dec-24</a:t>
+              <a:t>24-Dec-24</a:t>
             </a:fld>
             <a:endParaRPr lang="en-US" dirty="0"/>
           </a:p>
@@ -5634,7 +5642,7 @@
           <a:p>
             <a:fld id="{7E8D12A6-918A-48BD-8CB9-CA713993B0EA}" type="datetime1">
               <a:rPr lang="en-US" smtClean="0"/>
-              <a:t>22-Dec-24</a:t>
+              <a:t>24-Dec-24</a:t>
             </a:fld>
             <a:endParaRPr lang="en-US" dirty="0"/>
           </a:p>
@@ -5896,7 +5904,7 @@
             <a:fld id="{E778CE86-875F-4587-BCF6-FA054AFC0D53}" type="datetime1">
               <a:rPr lang="en-US" smtClean="0"/>
               <a:pPr/>
-              <a:t>22-Dec-24</a:t>
+              <a:t>24-Dec-24</a:t>
             </a:fld>
             <a:endParaRPr lang="en-US" dirty="0"/>
           </a:p>
@@ -6412,7 +6420,7 @@
           <a:p>
             <a:fld id="{F6FA2B21-3FCD-4721-B95C-427943F61125}" type="datetime1">
               <a:rPr lang="en-US" smtClean="0"/>
-              <a:t>22-Dec-24</a:t>
+              <a:t>24-Dec-24</a:t>
             </a:fld>
             <a:endParaRPr lang="en-US" dirty="0"/>
           </a:p>
@@ -6911,7 +6919,7 @@
         </p:blipFill>
         <p:spPr>
           <a:xfrm>
-            <a:off x="20" y="10"/>
+            <a:off x="-44860" y="10"/>
             <a:ext cx="12191979" cy="6857990"/>
           </a:xfrm>
           <a:prstGeom prst="rect">
@@ -7026,7 +7034,7 @@
         </p:nvSpPr>
         <p:spPr>
           <a:xfrm>
-            <a:off x="1276055" y="2350017"/>
+            <a:off x="1276055" y="2052001"/>
             <a:ext cx="4775075" cy="1630906"/>
           </a:xfrm>
         </p:spPr>
@@ -7065,31 +7073,53 @@
         </p:nvSpPr>
         <p:spPr>
           <a:xfrm>
-            <a:off x="1276055" y="3990546"/>
-            <a:ext cx="4775075" cy="559656"/>
+            <a:off x="1276055" y="3759804"/>
+            <a:ext cx="4947857" cy="957972"/>
           </a:xfrm>
         </p:spPr>
         <p:txBody>
           <a:bodyPr>
-            <a:normAutofit/>
+            <a:normAutofit fontScale="77500" lnSpcReduction="20000"/>
           </a:bodyPr>
           <a:lstStyle/>
           <a:p>
             <a:r>
-              <a:rPr lang="en-US" dirty="0">
+              <a:rPr lang="ar-EG" dirty="0">
                 <a:solidFill>
                   <a:schemeClr val="tx1"/>
                 </a:solidFill>
               </a:rPr>
-              <a:t>Ahmed Nasser </a:t>
+              <a:t>احمد ناصر السيد عبد السيد 23010115</a:t>
             </a:r>
+          </a:p>
+          <a:p>
             <a:r>
-              <a:rPr lang="en-US" dirty="0" err="1">
+              <a:rPr lang="ar-EG" dirty="0">
                 <a:solidFill>
                   <a:schemeClr val="tx1"/>
                 </a:solidFill>
               </a:rPr>
-              <a:t>Elsayed</a:t>
+              <a:t>يوسف احمد محمد فتوحي 23011627</a:t>
+            </a:r>
+          </a:p>
+          <a:p>
+            <a:r>
+              <a:rPr lang="ar-EG" dirty="0">
+                <a:solidFill>
+                  <a:schemeClr val="tx1"/>
+                </a:solidFill>
+              </a:rPr>
+              <a:t>يوسف علاء مصطفى احمد 23011647</a:t>
+            </a:r>
+          </a:p>
+          <a:p>
+            <a:r>
+              <a:rPr lang="ar-EG" dirty="0">
+                <a:solidFill>
+                  <a:schemeClr val="tx1"/>
+                </a:solidFill>
+              </a:rPr>
+              <a:t>يوسف محمد حسن الحداد 23011651</a:t>
             </a:r>
             <a:endParaRPr lang="en-US" dirty="0">
               <a:solidFill>
@@ -7175,7 +7205,9 @@
         </p:nvSpPr>
         <p:spPr/>
         <p:txBody>
-          <a:bodyPr/>
+          <a:bodyPr>
+            <a:normAutofit fontScale="92500" lnSpcReduction="20000"/>
+          </a:bodyPr>
           <a:lstStyle/>
           <a:p>
             <a:r>
@@ -7199,6 +7231,22 @@
             <a:r>
               <a:rPr lang="en-US" dirty="0"/>
               <a:t>Shows mean and median, standard deviation.</a:t>
+            </a:r>
+            <a:r>
+              <a:rPr lang="ar-EG" dirty="0"/>
+              <a:t>   </a:t>
+            </a:r>
+          </a:p>
+          <a:p>
+            <a:r>
+              <a:rPr lang="en-US" dirty="0"/>
+              <a:t>First we need to calculate median and Q1 and inter quartile  also max and min excluding outliers. </a:t>
+            </a:r>
+          </a:p>
+          <a:p>
+            <a:r>
+              <a:rPr lang="en-US" dirty="0"/>
+              <a:t>y-axis is these values.</a:t>
             </a:r>
           </a:p>
           <a:p>
@@ -7311,19 +7359,4700 @@
         </p:nvSpPr>
         <p:spPr/>
         <p:txBody>
+          <a:bodyPr>
+            <a:normAutofit fontScale="92500" lnSpcReduction="20000"/>
+          </a:bodyPr>
+          <a:lstStyle/>
+          <a:p>
+            <a:r>
+              <a:rPr lang="en-US" dirty="0"/>
+              <a:t>Stem and Leaf is way to display the leading digit (stem) and the trailing digit is (tail) </a:t>
+            </a:r>
+          </a:p>
+          <a:p>
+            <a:r>
+              <a:rPr lang="en-US" dirty="0"/>
+              <a:t>{14,21,27,29,33,36,42} here is data in ascending order so we put the leading digit in stem column and last digit in leaf column.</a:t>
+            </a:r>
+          </a:p>
+          <a:p>
+            <a:r>
+              <a:rPr lang="en-US" dirty="0"/>
+              <a:t>To plot it we should put the leading digit in x-axis and leaves (last elements) in y-axis.</a:t>
+            </a:r>
+          </a:p>
+          <a:p>
+            <a:r>
+              <a:rPr lang="en-US" dirty="0"/>
+              <a:t>We can use histogram to show the frequency of digits in this set of data</a:t>
+            </a:r>
+          </a:p>
+        </p:txBody>
+      </p:sp>
+      <p:pic>
+        <p:nvPicPr>
+          <p:cNvPr id="6" name="Content Placeholder 5">
+            <a:extLst>
+              <a:ext uri="{FF2B5EF4-FFF2-40B4-BE49-F238E27FC236}">
+                <a16:creationId xmlns:a16="http://schemas.microsoft.com/office/drawing/2014/main" id="{D4E82C08-0F8C-45A7-8DAC-237ABE2CCEEB}"/>
+              </a:ext>
+            </a:extLst>
+          </p:cNvPr>
+          <p:cNvPicPr>
+            <a:picLocks noGrp="1" noChangeAspect="1"/>
+          </p:cNvPicPr>
+          <p:nvPr>
+            <p:ph sz="half" idx="2"/>
+          </p:nvPr>
+        </p:nvPicPr>
+        <p:blipFill>
+          <a:blip r:embed="rId2"/>
+          <a:stretch>
+            <a:fillRect/>
+          </a:stretch>
+        </p:blipFill>
+        <p:spPr>
+          <a:xfrm>
+            <a:off x="6763111" y="2103120"/>
+            <a:ext cx="4362089" cy="3749039"/>
+          </a:xfrm>
+        </p:spPr>
+      </p:pic>
+    </p:spTree>
+    <p:extLst>
+      <p:ext uri="{BB962C8B-B14F-4D97-AF65-F5344CB8AC3E}">
+        <p14:creationId xmlns:p14="http://schemas.microsoft.com/office/powerpoint/2010/main" val="1785056246"/>
+      </p:ext>
+    </p:extLst>
+  </p:cSld>
+  <p:clrMapOvr>
+    <a:masterClrMapping/>
+  </p:clrMapOvr>
+</p:sld>
+</file>
+
+<file path=ppt/slides/slide12.xml><?xml version="1.0" encoding="utf-8"?>
+<p:sld xmlns:a="http://schemas.openxmlformats.org/drawingml/2006/main" xmlns:r="http://schemas.openxmlformats.org/officeDocument/2006/relationships" xmlns:p="http://schemas.openxmlformats.org/presentationml/2006/main">
+  <p:cSld>
+    <p:spTree>
+      <p:nvGrpSpPr>
+        <p:cNvPr id="1" name=""/>
+        <p:cNvGrpSpPr/>
+        <p:nvPr/>
+      </p:nvGrpSpPr>
+      <p:grpSpPr>
+        <a:xfrm>
+          <a:off x="0" y="0"/>
+          <a:ext cx="0" cy="0"/>
+          <a:chOff x="0" y="0"/>
+          <a:chExt cx="0" cy="0"/>
+        </a:xfrm>
+      </p:grpSpPr>
+      <p:sp>
+        <p:nvSpPr>
+          <p:cNvPr id="2" name="Title 1">
+            <a:extLst>
+              <a:ext uri="{FF2B5EF4-FFF2-40B4-BE49-F238E27FC236}">
+                <a16:creationId xmlns:a16="http://schemas.microsoft.com/office/drawing/2014/main" id="{C11C41FB-BD2D-4082-959D-4E4A6F33B90B}"/>
+              </a:ext>
+            </a:extLst>
+          </p:cNvPr>
+          <p:cNvSpPr>
+            <a:spLocks noGrp="1"/>
+          </p:cNvSpPr>
+          <p:nvPr>
+            <p:ph type="title"/>
+          </p:nvPr>
+        </p:nvSpPr>
+        <p:spPr/>
+        <p:txBody>
           <a:bodyPr/>
           <a:lstStyle/>
           <a:p>
-            <a:endParaRPr lang="en-US" dirty="0"/>
+            <a:r>
+              <a:rPr lang="en-US" dirty="0"/>
+              <a:t>Output</a:t>
+            </a:r>
+          </a:p>
+        </p:txBody>
+      </p:sp>
+      <p:pic>
+        <p:nvPicPr>
+          <p:cNvPr id="9" name="Content Placeholder 8">
+            <a:extLst>
+              <a:ext uri="{FF2B5EF4-FFF2-40B4-BE49-F238E27FC236}">
+                <a16:creationId xmlns:a16="http://schemas.microsoft.com/office/drawing/2014/main" id="{3A27740A-1610-49ED-A6CD-5C1131A11670}"/>
+              </a:ext>
+            </a:extLst>
+          </p:cNvPr>
+          <p:cNvPicPr>
+            <a:picLocks noGrp="1" noChangeAspect="1"/>
+          </p:cNvPicPr>
+          <p:nvPr>
+            <p:ph sz="half" idx="1"/>
+          </p:nvPr>
+        </p:nvPicPr>
+        <p:blipFill>
+          <a:blip r:embed="rId2"/>
+          <a:stretch>
+            <a:fillRect/>
+          </a:stretch>
+        </p:blipFill>
+        <p:spPr>
+          <a:xfrm>
+            <a:off x="1066800" y="2531028"/>
+            <a:ext cx="4664075" cy="2892907"/>
+          </a:xfrm>
+        </p:spPr>
+      </p:pic>
+      <p:pic>
+        <p:nvPicPr>
+          <p:cNvPr id="11" name="Content Placeholder 10">
+            <a:extLst>
+              <a:ext uri="{FF2B5EF4-FFF2-40B4-BE49-F238E27FC236}">
+                <a16:creationId xmlns:a16="http://schemas.microsoft.com/office/drawing/2014/main" id="{8568F17F-550F-41C0-BEB0-363F7084D014}"/>
+              </a:ext>
+            </a:extLst>
+          </p:cNvPr>
+          <p:cNvPicPr>
+            <a:picLocks noGrp="1" noChangeAspect="1"/>
+          </p:cNvPicPr>
+          <p:nvPr>
+            <p:ph sz="half" idx="2"/>
+          </p:nvPr>
+        </p:nvPicPr>
+        <p:blipFill>
+          <a:blip r:embed="rId3"/>
+          <a:stretch>
+            <a:fillRect/>
+          </a:stretch>
+        </p:blipFill>
+        <p:spPr>
+          <a:xfrm>
+            <a:off x="6461125" y="2531028"/>
+            <a:ext cx="4664075" cy="2892907"/>
+          </a:xfrm>
+        </p:spPr>
+      </p:pic>
+    </p:spTree>
+    <p:extLst>
+      <p:ext uri="{BB962C8B-B14F-4D97-AF65-F5344CB8AC3E}">
+        <p14:creationId xmlns:p14="http://schemas.microsoft.com/office/powerpoint/2010/main" val="1493734857"/>
+      </p:ext>
+    </p:extLst>
+  </p:cSld>
+  <p:clrMapOvr>
+    <a:masterClrMapping/>
+  </p:clrMapOvr>
+</p:sld>
+</file>
+
+<file path=ppt/slides/slide13.xml><?xml version="1.0" encoding="utf-8"?>
+<p:sld xmlns:a="http://schemas.openxmlformats.org/drawingml/2006/main" xmlns:r="http://schemas.openxmlformats.org/officeDocument/2006/relationships" xmlns:p="http://schemas.openxmlformats.org/presentationml/2006/main">
+  <p:cSld>
+    <p:spTree>
+      <p:nvGrpSpPr>
+        <p:cNvPr id="1" name=""/>
+        <p:cNvGrpSpPr/>
+        <p:nvPr/>
+      </p:nvGrpSpPr>
+      <p:grpSpPr>
+        <a:xfrm>
+          <a:off x="0" y="0"/>
+          <a:ext cx="0" cy="0"/>
+          <a:chOff x="0" y="0"/>
+          <a:chExt cx="0" cy="0"/>
+        </a:xfrm>
+      </p:grpSpPr>
+      <p:sp>
+        <p:nvSpPr>
+          <p:cNvPr id="2" name="Title 1">
+            <a:extLst>
+              <a:ext uri="{FF2B5EF4-FFF2-40B4-BE49-F238E27FC236}">
+                <a16:creationId xmlns:a16="http://schemas.microsoft.com/office/drawing/2014/main" id="{6A753776-41DE-4978-9BB9-7007B95FD392}"/>
+              </a:ext>
+            </a:extLst>
+          </p:cNvPr>
+          <p:cNvSpPr>
+            <a:spLocks noGrp="1"/>
+          </p:cNvSpPr>
+          <p:nvPr>
+            <p:ph type="title"/>
+          </p:nvPr>
+        </p:nvSpPr>
+        <p:spPr/>
+        <p:txBody>
+          <a:bodyPr/>
+          <a:lstStyle/>
+          <a:p>
+            <a:r>
+              <a:rPr lang="en-US" dirty="0"/>
+              <a:t>What is ANOVA ?</a:t>
+            </a:r>
           </a:p>
         </p:txBody>
       </p:sp>
       <p:sp>
         <p:nvSpPr>
-          <p:cNvPr id="4" name="Content Placeholder 3">
+          <p:cNvPr id="3" name="Content Placeholder 2">
             <a:extLst>
               <a:ext uri="{FF2B5EF4-FFF2-40B4-BE49-F238E27FC236}">
-                <a16:creationId xmlns:a16="http://schemas.microsoft.com/office/drawing/2014/main" id="{1E82C1CA-646F-49E9-A99E-4C74A66D6B0A}"/>
+                <a16:creationId xmlns:a16="http://schemas.microsoft.com/office/drawing/2014/main" id="{720424FE-42E3-4D91-908E-20BDED35BF8F}"/>
+              </a:ext>
+            </a:extLst>
+          </p:cNvPr>
+          <p:cNvSpPr>
+            <a:spLocks noGrp="1"/>
+          </p:cNvSpPr>
+          <p:nvPr>
+            <p:ph idx="1"/>
+          </p:nvPr>
+        </p:nvSpPr>
+        <p:spPr/>
+        <p:txBody>
+          <a:bodyPr>
+            <a:normAutofit fontScale="92500" lnSpcReduction="20000"/>
+          </a:bodyPr>
+          <a:lstStyle/>
+          <a:p>
+            <a:r>
+              <a:rPr lang="en-US" sz="2000" dirty="0"/>
+              <a:t>ANOVA is Analysis of variance when there are more than two sample data </a:t>
+            </a:r>
+          </a:p>
+          <a:p>
+            <a:r>
+              <a:rPr lang="en-US" sz="2000" dirty="0"/>
+              <a:t>There are two models of ANOVA (One Way , Two Way)</a:t>
+            </a:r>
+          </a:p>
+          <a:p>
+            <a:r>
+              <a:rPr lang="en-US" sz="2000" dirty="0"/>
+              <a:t>One way is Analyze one factor or  independent variable (Single factor analysis).</a:t>
+            </a:r>
+          </a:p>
+          <a:p>
+            <a:r>
+              <a:rPr lang="en-US" sz="2000" dirty="0"/>
+              <a:t>Two way is Analyze two or more factors or independent variables.</a:t>
+            </a:r>
+          </a:p>
+          <a:p>
+            <a:r>
+              <a:rPr lang="en-US" sz="2000" dirty="0"/>
+              <a:t>Assumptions of ANOVA:</a:t>
+            </a:r>
+          </a:p>
+          <a:p>
+            <a:pPr marL="617220" lvl="1" indent="-342900">
+              <a:buFont typeface="+mj-lt"/>
+              <a:buAutoNum type="arabicPeriod"/>
+            </a:pPr>
+            <a:r>
+              <a:rPr lang="en-US" sz="1800" dirty="0"/>
+              <a:t>Have same variance </a:t>
+            </a:r>
+          </a:p>
+          <a:p>
+            <a:pPr marL="617220" lvl="1" indent="-342900">
+              <a:buFont typeface="+mj-lt"/>
+              <a:buAutoNum type="arabicPeriod"/>
+            </a:pPr>
+            <a:r>
+              <a:rPr lang="en-US" sz="1800" dirty="0"/>
+              <a:t>Follow normal distribution</a:t>
+            </a:r>
+          </a:p>
+          <a:p>
+            <a:pPr marL="617220" lvl="1" indent="-342900">
+              <a:buFont typeface="+mj-lt"/>
+              <a:buAutoNum type="arabicPeriod"/>
+            </a:pPr>
+            <a:r>
+              <a:rPr lang="en-US" sz="1800" dirty="0"/>
+              <a:t>Data should be randomly and independently selected</a:t>
+            </a:r>
+          </a:p>
+          <a:p>
+            <a:r>
+              <a:rPr lang="en-US" sz="2000" dirty="0"/>
+              <a:t>There are two hypothesis of ANOVA:</a:t>
+            </a:r>
+          </a:p>
+          <a:p>
+            <a:pPr marL="731520" lvl="1" indent="-457200">
+              <a:buFont typeface="+mj-lt"/>
+              <a:buAutoNum type="arabicPeriod"/>
+            </a:pPr>
+            <a:r>
+              <a:rPr lang="en-US" sz="1800" dirty="0"/>
+              <a:t>Null Hypothesis(H): if mean1 = mean2 = ……. = mean(N)</a:t>
+            </a:r>
+          </a:p>
+          <a:p>
+            <a:pPr marL="731520" lvl="1" indent="-457200">
+              <a:buFont typeface="+mj-lt"/>
+              <a:buAutoNum type="arabicPeriod"/>
+            </a:pPr>
+            <a:r>
+              <a:rPr lang="en-US" sz="1800" b="1" dirty="0">
+                <a:latin typeface="+mj-lt"/>
+              </a:rPr>
+              <a:t>Alternative Hypothesis (H₁)</a:t>
+            </a:r>
+            <a:r>
+              <a:rPr lang="en-US" sz="1800" dirty="0">
+                <a:latin typeface="+mj-lt"/>
+              </a:rPr>
+              <a:t>: At least one group mean is different from the others.</a:t>
+            </a:r>
+          </a:p>
+          <a:p>
+            <a:endParaRPr lang="en-US" sz="2000" dirty="0"/>
+          </a:p>
+        </p:txBody>
+      </p:sp>
+    </p:spTree>
+    <p:extLst>
+      <p:ext uri="{BB962C8B-B14F-4D97-AF65-F5344CB8AC3E}">
+        <p14:creationId xmlns:p14="http://schemas.microsoft.com/office/powerpoint/2010/main" val="2719728214"/>
+      </p:ext>
+    </p:extLst>
+  </p:cSld>
+  <p:clrMapOvr>
+    <a:masterClrMapping/>
+  </p:clrMapOvr>
+</p:sld>
+</file>
+
+<file path=ppt/slides/slide14.xml><?xml version="1.0" encoding="utf-8"?>
+<p:sld xmlns:a="http://schemas.openxmlformats.org/drawingml/2006/main" xmlns:r="http://schemas.openxmlformats.org/officeDocument/2006/relationships" xmlns:p="http://schemas.openxmlformats.org/presentationml/2006/main">
+  <p:cSld>
+    <p:spTree>
+      <p:nvGrpSpPr>
+        <p:cNvPr id="1" name=""/>
+        <p:cNvGrpSpPr/>
+        <p:nvPr/>
+      </p:nvGrpSpPr>
+      <p:grpSpPr>
+        <a:xfrm>
+          <a:off x="0" y="0"/>
+          <a:ext cx="0" cy="0"/>
+          <a:chOff x="0" y="0"/>
+          <a:chExt cx="0" cy="0"/>
+        </a:xfrm>
+      </p:grpSpPr>
+      <p:sp>
+        <p:nvSpPr>
+          <p:cNvPr id="2" name="Title 1">
+            <a:extLst>
+              <a:ext uri="{FF2B5EF4-FFF2-40B4-BE49-F238E27FC236}">
+                <a16:creationId xmlns:a16="http://schemas.microsoft.com/office/drawing/2014/main" id="{FE5792D2-0FD8-4971-AC87-83FDEA353E65}"/>
+              </a:ext>
+            </a:extLst>
+          </p:cNvPr>
+          <p:cNvSpPr>
+            <a:spLocks noGrp="1"/>
+          </p:cNvSpPr>
+          <p:nvPr>
+            <p:ph type="title"/>
+          </p:nvPr>
+        </p:nvSpPr>
+        <p:spPr/>
+        <p:txBody>
+          <a:bodyPr/>
+          <a:lstStyle/>
+          <a:p>
+            <a:r>
+              <a:rPr lang="en-US" dirty="0"/>
+              <a:t>ANOVA’S LAW</a:t>
+            </a:r>
+          </a:p>
+        </p:txBody>
+      </p:sp>
+      <mc:AlternateContent xmlns:mc="http://schemas.openxmlformats.org/markup-compatibility/2006">
+        <mc:Choice xmlns:a14="http://schemas.microsoft.com/office/drawing/2010/main" Requires="a14">
+          <p:sp>
+            <p:nvSpPr>
+              <p:cNvPr id="3" name="Content Placeholder 2">
+                <a:extLst>
+                  <a:ext uri="{FF2B5EF4-FFF2-40B4-BE49-F238E27FC236}">
+                    <a16:creationId xmlns:a16="http://schemas.microsoft.com/office/drawing/2014/main" id="{AE61E1CF-2F74-4AB4-AF70-3F487F5A7408}"/>
+                  </a:ext>
+                </a:extLst>
+              </p:cNvPr>
+              <p:cNvSpPr>
+                <a:spLocks noGrp="1"/>
+              </p:cNvSpPr>
+              <p:nvPr>
+                <p:ph idx="1"/>
+              </p:nvPr>
+            </p:nvSpPr>
+            <p:spPr/>
+            <p:txBody>
+              <a:bodyPr>
+                <a:normAutofit lnSpcReduction="10000"/>
+              </a:bodyPr>
+              <a:lstStyle/>
+              <a:p>
+                <a:r>
+                  <a:rPr lang="en-US" sz="2000" dirty="0"/>
+                  <a:t>If we have three sample data K number of data in three samples is n </a:t>
+                </a:r>
+              </a:p>
+              <a:p>
+                <a:r>
+                  <a:rPr lang="en-US" sz="2000" dirty="0"/>
+                  <a:t>Variance between group =</a:t>
+                </a:r>
+                <a14:m>
+                  <m:oMath xmlns:m="http://schemas.openxmlformats.org/officeDocument/2006/math">
+                    <m:nary>
+                      <m:naryPr>
+                        <m:chr m:val="∑"/>
+                        <m:ctrlPr>
+                          <a:rPr lang="en-US" sz="2000" i="1" smtClean="0">
+                            <a:latin typeface="Cambria Math" panose="02040503050406030204" pitchFamily="18" charset="0"/>
+                          </a:rPr>
+                        </m:ctrlPr>
+                      </m:naryPr>
+                      <m:sub>
+                        <m:r>
+                          <m:rPr>
+                            <m:brk m:alnAt="23"/>
+                          </m:rPr>
+                          <a:rPr lang="en-US" sz="2000" b="0" i="1" smtClean="0">
+                            <a:latin typeface="Cambria Math" panose="02040503050406030204" pitchFamily="18" charset="0"/>
+                          </a:rPr>
+                          <m:t>𝑖</m:t>
+                        </m:r>
+                        <m:r>
+                          <a:rPr lang="en-US" sz="2000" b="0" i="1" smtClean="0">
+                            <a:latin typeface="Cambria Math" panose="02040503050406030204" pitchFamily="18" charset="0"/>
+                          </a:rPr>
+                          <m:t>=1</m:t>
+                        </m:r>
+                      </m:sub>
+                      <m:sup>
+                        <m:r>
+                          <a:rPr lang="en-US" sz="2000" b="0" i="1" smtClean="0">
+                            <a:latin typeface="Cambria Math" panose="02040503050406030204" pitchFamily="18" charset="0"/>
+                          </a:rPr>
+                          <m:t>𝐾</m:t>
+                        </m:r>
+                      </m:sup>
+                      <m:e>
+                        <m:r>
+                          <a:rPr lang="en-US" sz="2000" b="0" i="1" smtClean="0">
+                            <a:latin typeface="Cambria Math" panose="02040503050406030204" pitchFamily="18" charset="0"/>
+                          </a:rPr>
+                          <m:t>𝑛𝑖</m:t>
+                        </m:r>
+                        <m:sSup>
+                          <m:sSupPr>
+                            <m:ctrlPr>
+                              <a:rPr lang="en-US" sz="2000" b="0" i="1" smtClean="0">
+                                <a:latin typeface="Cambria Math" panose="02040503050406030204" pitchFamily="18" charset="0"/>
+                              </a:rPr>
+                            </m:ctrlPr>
+                          </m:sSupPr>
+                          <m:e>
+                            <m:r>
+                              <a:rPr lang="en-US" sz="2000" i="1">
+                                <a:latin typeface="Cambria Math" panose="02040503050406030204" pitchFamily="18" charset="0"/>
+                              </a:rPr>
+                              <m:t>(</m:t>
+                            </m:r>
+                            <m:acc>
+                              <m:accPr>
+                                <m:chr m:val="̃"/>
+                                <m:ctrlPr>
+                                  <a:rPr lang="en-US" sz="2000" i="1">
+                                    <a:latin typeface="Cambria Math" panose="02040503050406030204" pitchFamily="18" charset="0"/>
+                                  </a:rPr>
+                                </m:ctrlPr>
+                              </m:accPr>
+                              <m:e>
+                                <m:r>
+                                  <a:rPr lang="en-US" sz="2000" i="1">
+                                    <a:latin typeface="Cambria Math" panose="02040503050406030204" pitchFamily="18" charset="0"/>
+                                  </a:rPr>
+                                  <m:t>𝑥𝑖</m:t>
+                                </m:r>
+                              </m:e>
+                            </m:acc>
+                            <m:r>
+                              <m:rPr>
+                                <m:brk m:alnAt="23"/>
+                              </m:rPr>
+                              <a:rPr lang="en-US" sz="2000" i="1">
+                                <a:latin typeface="Cambria Math" panose="02040503050406030204" pitchFamily="18" charset="0"/>
+                              </a:rPr>
+                              <m:t>−</m:t>
+                            </m:r>
+                            <m:acc>
+                              <m:accPr>
+                                <m:chr m:val="̿"/>
+                                <m:ctrlPr>
+                                  <a:rPr lang="en-US" sz="2000" i="1">
+                                    <a:latin typeface="Cambria Math" panose="02040503050406030204" pitchFamily="18" charset="0"/>
+                                  </a:rPr>
+                                </m:ctrlPr>
+                              </m:accPr>
+                              <m:e>
+                                <m:r>
+                                  <a:rPr lang="en-US" sz="2000" i="1">
+                                    <a:latin typeface="Cambria Math" panose="02040503050406030204" pitchFamily="18" charset="0"/>
+                                  </a:rPr>
+                                  <m:t>𝑥</m:t>
+                                </m:r>
+                              </m:e>
+                            </m:acc>
+                            <m:r>
+                              <a:rPr lang="en-US" sz="2000" i="1">
+                                <a:latin typeface="Cambria Math" panose="02040503050406030204" pitchFamily="18" charset="0"/>
+                              </a:rPr>
+                              <m:t>)</m:t>
+                            </m:r>
+                          </m:e>
+                          <m:sup>
+                            <m:r>
+                              <a:rPr lang="en-US" sz="2000" b="0" i="1" smtClean="0">
+                                <a:latin typeface="Cambria Math" panose="02040503050406030204" pitchFamily="18" charset="0"/>
+                              </a:rPr>
+                              <m:t>2</m:t>
+                            </m:r>
+                          </m:sup>
+                        </m:sSup>
+                      </m:e>
+                    </m:nary>
+                    <m:r>
+                      <a:rPr lang="en-US" sz="2000" b="0" i="1" smtClean="0">
+                        <a:latin typeface="Cambria Math" panose="02040503050406030204" pitchFamily="18" charset="0"/>
+                      </a:rPr>
+                      <m:t> </m:t>
+                    </m:r>
+                    <m:r>
+                      <a:rPr lang="en-US" sz="2000" b="0" i="1" smtClean="0">
+                        <a:latin typeface="Cambria Math" panose="02040503050406030204" pitchFamily="18" charset="0"/>
+                      </a:rPr>
+                      <m:t>𝑤h𝑒𝑟𝑒</m:t>
+                    </m:r>
+                    <m:r>
+                      <a:rPr lang="en-US" sz="2000" b="0" i="1" smtClean="0">
+                        <a:latin typeface="Cambria Math" panose="02040503050406030204" pitchFamily="18" charset="0"/>
+                      </a:rPr>
+                      <m:t> </m:t>
+                    </m:r>
+                    <m:acc>
+                      <m:accPr>
+                        <m:chr m:val="̃"/>
+                        <m:ctrlPr>
+                          <a:rPr lang="en-US" sz="2000" b="0" i="1" smtClean="0">
+                            <a:latin typeface="Cambria Math" panose="02040503050406030204" pitchFamily="18" charset="0"/>
+                          </a:rPr>
+                        </m:ctrlPr>
+                      </m:accPr>
+                      <m:e>
+                        <m:r>
+                          <a:rPr lang="en-US" sz="2000" b="0" i="1" smtClean="0">
+                            <a:latin typeface="Cambria Math" panose="02040503050406030204" pitchFamily="18" charset="0"/>
+                          </a:rPr>
+                          <m:t>𝑥</m:t>
+                        </m:r>
+                      </m:e>
+                    </m:acc>
+                    <m:r>
+                      <a:rPr lang="en-US" sz="2000" b="0" i="1" smtClean="0">
+                        <a:latin typeface="Cambria Math" panose="02040503050406030204" pitchFamily="18" charset="0"/>
+                      </a:rPr>
+                      <m:t> </m:t>
+                    </m:r>
+                    <m:r>
+                      <a:rPr lang="en-US" sz="2000" b="0" i="1" smtClean="0">
+                        <a:latin typeface="Cambria Math" panose="02040503050406030204" pitchFamily="18" charset="0"/>
+                      </a:rPr>
+                      <m:t>𝑖𝑠</m:t>
+                    </m:r>
+                    <m:r>
+                      <a:rPr lang="en-US" sz="2000" b="0" i="1" smtClean="0">
+                        <a:latin typeface="Cambria Math" panose="02040503050406030204" pitchFamily="18" charset="0"/>
+                      </a:rPr>
+                      <m:t> </m:t>
+                    </m:r>
+                    <m:r>
+                      <a:rPr lang="en-US" sz="2000" b="0" i="1" smtClean="0">
+                        <a:latin typeface="Cambria Math" panose="02040503050406030204" pitchFamily="18" charset="0"/>
+                      </a:rPr>
+                      <m:t>𝑠𝑎𝑚𝑝𝑙𝑒</m:t>
+                    </m:r>
+                    <m:r>
+                      <a:rPr lang="en-US" sz="2000" b="0" i="1" smtClean="0">
+                        <a:latin typeface="Cambria Math" panose="02040503050406030204" pitchFamily="18" charset="0"/>
+                      </a:rPr>
+                      <m:t> </m:t>
+                    </m:r>
+                    <m:r>
+                      <a:rPr lang="en-US" sz="2000" b="0" i="1" smtClean="0">
+                        <a:latin typeface="Cambria Math" panose="02040503050406030204" pitchFamily="18" charset="0"/>
+                      </a:rPr>
+                      <m:t>𝑚𝑒𝑎𝑛</m:t>
+                    </m:r>
+                    <m:r>
+                      <a:rPr lang="en-US" sz="2000" b="0" i="1" smtClean="0">
+                        <a:latin typeface="Cambria Math" panose="02040503050406030204" pitchFamily="18" charset="0"/>
+                      </a:rPr>
+                      <m:t> </m:t>
+                    </m:r>
+                    <m:r>
+                      <a:rPr lang="en-US" sz="2000" b="0" i="1" smtClean="0">
+                        <a:latin typeface="Cambria Math" panose="02040503050406030204" pitchFamily="18" charset="0"/>
+                      </a:rPr>
+                      <m:t>𝑜𝑓</m:t>
+                    </m:r>
+                    <m:r>
+                      <a:rPr lang="en-US" sz="2000" b="0" i="1" smtClean="0">
+                        <a:latin typeface="Cambria Math" panose="02040503050406030204" pitchFamily="18" charset="0"/>
+                      </a:rPr>
+                      <m:t> </m:t>
+                    </m:r>
+                    <m:r>
+                      <a:rPr lang="en-US" sz="2000" b="0" i="1" smtClean="0">
+                        <a:latin typeface="Cambria Math" panose="02040503050406030204" pitchFamily="18" charset="0"/>
+                      </a:rPr>
+                      <m:t>𝑘</m:t>
+                    </m:r>
+                    <m:r>
+                      <a:rPr lang="en-US" sz="2000" b="0" i="1" smtClean="0">
+                        <a:latin typeface="Cambria Math" panose="02040503050406030204" pitchFamily="18" charset="0"/>
+                      </a:rPr>
+                      <m:t> </m:t>
+                    </m:r>
+                    <m:r>
+                      <a:rPr lang="en-US" sz="2000" b="0" i="1" smtClean="0">
+                        <a:latin typeface="Cambria Math" panose="02040503050406030204" pitchFamily="18" charset="0"/>
+                      </a:rPr>
+                      <m:t>𝑎𝑛𝑑</m:t>
+                    </m:r>
+                    <m:r>
+                      <a:rPr lang="en-US" sz="2000" b="0" i="1" smtClean="0">
+                        <a:latin typeface="Cambria Math" panose="02040503050406030204" pitchFamily="18" charset="0"/>
+                      </a:rPr>
+                      <m:t> </m:t>
+                    </m:r>
+                    <m:acc>
+                      <m:accPr>
+                        <m:chr m:val="̿"/>
+                        <m:ctrlPr>
+                          <a:rPr lang="en-US" sz="2000" b="0" i="1" smtClean="0">
+                            <a:latin typeface="Cambria Math" panose="02040503050406030204" pitchFamily="18" charset="0"/>
+                          </a:rPr>
+                        </m:ctrlPr>
+                      </m:accPr>
+                      <m:e>
+                        <m:r>
+                          <a:rPr lang="en-US" sz="2000" b="0" i="1" smtClean="0">
+                            <a:latin typeface="Cambria Math" panose="02040503050406030204" pitchFamily="18" charset="0"/>
+                          </a:rPr>
+                          <m:t>𝑥</m:t>
+                        </m:r>
+                        <m:r>
+                          <a:rPr lang="en-US" sz="2000" b="0" i="1" smtClean="0">
+                            <a:latin typeface="Cambria Math" panose="02040503050406030204" pitchFamily="18" charset="0"/>
+                          </a:rPr>
+                          <m:t> </m:t>
+                        </m:r>
+                      </m:e>
+                    </m:acc>
+                    <m:r>
+                      <a:rPr lang="en-US" sz="2000" b="0" i="1" smtClean="0">
+                        <a:latin typeface="Cambria Math" panose="02040503050406030204" pitchFamily="18" charset="0"/>
+                      </a:rPr>
+                      <m:t>𝑖𝑠</m:t>
+                    </m:r>
+                    <m:r>
+                      <a:rPr lang="en-US" sz="2000" b="0" i="1" smtClean="0">
+                        <a:latin typeface="Cambria Math" panose="02040503050406030204" pitchFamily="18" charset="0"/>
+                      </a:rPr>
+                      <m:t> </m:t>
+                    </m:r>
+                    <m:r>
+                      <a:rPr lang="en-US" sz="2000" b="0" i="1" smtClean="0">
+                        <a:latin typeface="Cambria Math" panose="02040503050406030204" pitchFamily="18" charset="0"/>
+                      </a:rPr>
+                      <m:t>𝑚𝑒𝑎𝑛</m:t>
+                    </m:r>
+                    <m:r>
+                      <a:rPr lang="en-US" sz="2000" b="0" i="1" smtClean="0">
+                        <a:latin typeface="Cambria Math" panose="02040503050406030204" pitchFamily="18" charset="0"/>
+                      </a:rPr>
+                      <m:t> </m:t>
+                    </m:r>
+                    <m:r>
+                      <a:rPr lang="en-US" sz="2000" b="0" i="1" smtClean="0">
+                        <a:latin typeface="Cambria Math" panose="02040503050406030204" pitchFamily="18" charset="0"/>
+                      </a:rPr>
+                      <m:t>𝑜𝑓</m:t>
+                    </m:r>
+                    <m:r>
+                      <a:rPr lang="en-US" sz="2000" b="0" i="1" smtClean="0">
+                        <a:latin typeface="Cambria Math" panose="02040503050406030204" pitchFamily="18" charset="0"/>
+                      </a:rPr>
+                      <m:t> </m:t>
+                    </m:r>
+                    <m:acc>
+                      <m:accPr>
+                        <m:chr m:val="̃"/>
+                        <m:ctrlPr>
+                          <a:rPr lang="en-US" sz="2000" i="1">
+                            <a:latin typeface="Cambria Math" panose="02040503050406030204" pitchFamily="18" charset="0"/>
+                          </a:rPr>
+                        </m:ctrlPr>
+                      </m:accPr>
+                      <m:e>
+                        <m:r>
+                          <a:rPr lang="en-US" sz="2000" i="1">
+                            <a:latin typeface="Cambria Math" panose="02040503050406030204" pitchFamily="18" charset="0"/>
+                          </a:rPr>
+                          <m:t>𝑥</m:t>
+                        </m:r>
+                      </m:e>
+                    </m:acc>
+                    <m:r>
+                      <a:rPr lang="en-US" sz="2000" b="0" i="1" smtClean="0">
+                        <a:latin typeface="Cambria Math" panose="02040503050406030204" pitchFamily="18" charset="0"/>
+                      </a:rPr>
+                      <m:t> </m:t>
+                    </m:r>
+                    <m:r>
+                      <a:rPr lang="en-US" sz="2000" b="0" i="1" smtClean="0">
+                        <a:latin typeface="Cambria Math" panose="02040503050406030204" pitchFamily="18" charset="0"/>
+                      </a:rPr>
+                      <m:t>𝑜𝑟</m:t>
+                    </m:r>
+                    <m:r>
+                      <a:rPr lang="en-US" sz="2000" b="0" i="1" smtClean="0">
+                        <a:latin typeface="Cambria Math" panose="02040503050406030204" pitchFamily="18" charset="0"/>
+                      </a:rPr>
+                      <m:t> </m:t>
+                    </m:r>
+                    <m:r>
+                      <a:rPr lang="en-US" sz="2000" b="0" i="1" smtClean="0">
+                        <a:latin typeface="Cambria Math" panose="02040503050406030204" pitchFamily="18" charset="0"/>
+                      </a:rPr>
+                      <m:t>𝑜𝑣𝑒𝑟𝑎𝑙𝑙</m:t>
+                    </m:r>
+                    <m:r>
+                      <a:rPr lang="en-US" sz="2000" b="0" i="1" smtClean="0">
+                        <a:latin typeface="Cambria Math" panose="02040503050406030204" pitchFamily="18" charset="0"/>
+                      </a:rPr>
+                      <m:t> </m:t>
+                    </m:r>
+                    <m:r>
+                      <a:rPr lang="en-US" sz="2000" b="0" i="1" smtClean="0">
+                        <a:latin typeface="Cambria Math" panose="02040503050406030204" pitchFamily="18" charset="0"/>
+                      </a:rPr>
+                      <m:t>𝑚𝑒𝑎𝑛</m:t>
+                    </m:r>
+                  </m:oMath>
+                </a14:m>
+                <a:endParaRPr lang="en-US" sz="2000" dirty="0"/>
+              </a:p>
+              <a:p>
+                <a:r>
+                  <a:rPr lang="en-US" sz="2000" dirty="0"/>
+                  <a:t>Variance within group  =</a:t>
+                </a:r>
+                <a:r>
+                  <a:rPr lang="en-US" sz="2800" dirty="0"/>
+                  <a:t> </a:t>
+                </a:r>
+                <a14:m>
+                  <m:oMath xmlns:m="http://schemas.openxmlformats.org/officeDocument/2006/math">
+                    <m:nary>
+                      <m:naryPr>
+                        <m:chr m:val="∑"/>
+                        <m:subHide m:val="on"/>
+                        <m:supHide m:val="on"/>
+                        <m:ctrlPr>
+                          <a:rPr lang="en-US" sz="2000" i="1" smtClean="0">
+                            <a:latin typeface="Cambria Math" panose="02040503050406030204" pitchFamily="18" charset="0"/>
+                          </a:rPr>
+                        </m:ctrlPr>
+                      </m:naryPr>
+                      <m:sub/>
+                      <m:sup/>
+                      <m:e>
+                        <m:nary>
+                          <m:naryPr>
+                            <m:chr m:val="∑"/>
+                            <m:subHide m:val="on"/>
+                            <m:supHide m:val="on"/>
+                            <m:ctrlPr>
+                              <a:rPr lang="en-US" sz="2000" i="1">
+                                <a:latin typeface="Cambria Math" panose="02040503050406030204" pitchFamily="18" charset="0"/>
+                              </a:rPr>
+                            </m:ctrlPr>
+                          </m:naryPr>
+                          <m:sub/>
+                          <m:sup/>
+                          <m:e>
+                            <m:sSup>
+                              <m:sSupPr>
+                                <m:ctrlPr>
+                                  <a:rPr lang="en-US" sz="2000" i="1">
+                                    <a:latin typeface="Cambria Math" panose="02040503050406030204" pitchFamily="18" charset="0"/>
+                                  </a:rPr>
+                                </m:ctrlPr>
+                              </m:sSupPr>
+                              <m:e>
+                                <m:r>
+                                  <a:rPr lang="en-US" sz="2000" i="1">
+                                    <a:latin typeface="Cambria Math" panose="02040503050406030204" pitchFamily="18" charset="0"/>
+                                  </a:rPr>
+                                  <m:t>(</m:t>
+                                </m:r>
+                                <m:r>
+                                  <a:rPr lang="en-US" sz="2000" i="1">
+                                    <a:latin typeface="Cambria Math" panose="02040503050406030204" pitchFamily="18" charset="0"/>
+                                  </a:rPr>
+                                  <m:t>𝑑𝑎𝑡𝑎</m:t>
+                                </m:r>
+                                <m:r>
+                                  <a:rPr lang="en-US" sz="2000" i="1">
+                                    <a:latin typeface="Cambria Math" panose="02040503050406030204" pitchFamily="18" charset="0"/>
+                                  </a:rPr>
+                                  <m:t> </m:t>
+                                </m:r>
+                                <m:r>
+                                  <a:rPr lang="en-US" sz="2000" i="1">
+                                    <a:latin typeface="Cambria Math" panose="02040503050406030204" pitchFamily="18" charset="0"/>
+                                  </a:rPr>
+                                  <m:t>𝑝𝑜𝑖𝑛𝑡</m:t>
+                                </m:r>
+                                <m:r>
+                                  <a:rPr lang="en-US" sz="2000" i="1">
+                                    <a:latin typeface="Cambria Math" panose="02040503050406030204" pitchFamily="18" charset="0"/>
+                                  </a:rPr>
+                                  <m:t>  −</m:t>
+                                </m:r>
+                                <m:r>
+                                  <a:rPr lang="en-US" sz="2000" i="1">
+                                    <a:latin typeface="Cambria Math" panose="02040503050406030204" pitchFamily="18" charset="0"/>
+                                  </a:rPr>
+                                  <m:t>𝑔𝑟𝑜𝑢𝑝</m:t>
+                                </m:r>
+                                <m:r>
+                                  <a:rPr lang="en-US" sz="2000" i="1">
+                                    <a:latin typeface="Cambria Math" panose="02040503050406030204" pitchFamily="18" charset="0"/>
+                                  </a:rPr>
+                                  <m:t> </m:t>
+                                </m:r>
+                                <m:r>
+                                  <a:rPr lang="en-US" sz="2000" i="1">
+                                    <a:latin typeface="Cambria Math" panose="02040503050406030204" pitchFamily="18" charset="0"/>
+                                  </a:rPr>
+                                  <m:t>𝑚𝑒𝑎𝑛</m:t>
+                                </m:r>
+                                <m:r>
+                                  <a:rPr lang="en-US" sz="2000" i="1">
+                                    <a:latin typeface="Cambria Math" panose="02040503050406030204" pitchFamily="18" charset="0"/>
+                                  </a:rPr>
+                                  <m:t>)</m:t>
+                                </m:r>
+                              </m:e>
+                              <m:sup>
+                                <m:r>
+                                  <a:rPr lang="en-US" sz="2000" i="1">
+                                    <a:latin typeface="Cambria Math" panose="02040503050406030204" pitchFamily="18" charset="0"/>
+                                  </a:rPr>
+                                  <m:t>2</m:t>
+                                </m:r>
+                              </m:sup>
+                            </m:sSup>
+                          </m:e>
+                        </m:nary>
+                      </m:e>
+                    </m:nary>
+                  </m:oMath>
+                </a14:m>
+                <a:endParaRPr lang="en-US" sz="2000" dirty="0"/>
+              </a:p>
+              <a:p>
+                <a:r>
+                  <a:rPr lang="en-US" sz="2000" dirty="0"/>
+                  <a:t>After Calculating this then ANOVA  = </a:t>
+                </a:r>
+                <a14:m>
+                  <m:oMath xmlns:m="http://schemas.openxmlformats.org/officeDocument/2006/math">
+                    <m:f>
+                      <m:fPr>
+                        <m:ctrlPr>
+                          <a:rPr lang="en-US" sz="2500" i="1" smtClean="0">
+                            <a:latin typeface="Cambria Math" panose="02040503050406030204" pitchFamily="18" charset="0"/>
+                          </a:rPr>
+                        </m:ctrlPr>
+                      </m:fPr>
+                      <m:num>
+                        <m:r>
+                          <a:rPr lang="en-US" sz="2500" b="0" i="1" smtClean="0">
+                            <a:latin typeface="Cambria Math" panose="02040503050406030204" pitchFamily="18" charset="0"/>
+                          </a:rPr>
+                          <m:t>𝑣𝑎𝑟𝑖𝑎𝑛𝑐𝑒</m:t>
+                        </m:r>
+                        <m:r>
+                          <a:rPr lang="en-US" sz="2500" b="0" i="1" smtClean="0">
+                            <a:latin typeface="Cambria Math" panose="02040503050406030204" pitchFamily="18" charset="0"/>
+                          </a:rPr>
+                          <m:t> </m:t>
+                        </m:r>
+                        <m:r>
+                          <a:rPr lang="en-US" sz="2500" b="0" i="1" smtClean="0">
+                            <a:latin typeface="Cambria Math" panose="02040503050406030204" pitchFamily="18" charset="0"/>
+                          </a:rPr>
+                          <m:t>𝑏𝑒𝑡𝑤𝑒𝑒𝑛</m:t>
+                        </m:r>
+                        <m:r>
+                          <a:rPr lang="en-US" sz="2500" b="0" i="1" smtClean="0">
+                            <a:latin typeface="Cambria Math" panose="02040503050406030204" pitchFamily="18" charset="0"/>
+                          </a:rPr>
+                          <m:t> </m:t>
+                        </m:r>
+                        <m:r>
+                          <a:rPr lang="en-US" sz="2500" b="0" i="1" smtClean="0">
+                            <a:latin typeface="Cambria Math" panose="02040503050406030204" pitchFamily="18" charset="0"/>
+                          </a:rPr>
+                          <m:t>𝑔𝑟𝑜𝑢𝑝</m:t>
+                        </m:r>
+                      </m:num>
+                      <m:den>
+                        <m:r>
+                          <a:rPr lang="en-US" sz="2500" b="0" i="1" smtClean="0">
+                            <a:latin typeface="Cambria Math" panose="02040503050406030204" pitchFamily="18" charset="0"/>
+                          </a:rPr>
+                          <m:t>𝑣𝑎𝑟𝑖𝑎𝑛𝑐𝑒</m:t>
+                        </m:r>
+                        <m:r>
+                          <a:rPr lang="en-US" sz="2500" b="0" i="1" smtClean="0">
+                            <a:latin typeface="Cambria Math" panose="02040503050406030204" pitchFamily="18" charset="0"/>
+                          </a:rPr>
+                          <m:t> </m:t>
+                        </m:r>
+                        <m:r>
+                          <a:rPr lang="en-US" sz="2500" b="0" i="1" smtClean="0">
+                            <a:latin typeface="Cambria Math" panose="02040503050406030204" pitchFamily="18" charset="0"/>
+                          </a:rPr>
+                          <m:t>𝑤𝑖𝑡h𝑖𝑛</m:t>
+                        </m:r>
+                        <m:r>
+                          <a:rPr lang="en-US" sz="2500" b="0" i="1" smtClean="0">
+                            <a:latin typeface="Cambria Math" panose="02040503050406030204" pitchFamily="18" charset="0"/>
+                          </a:rPr>
+                          <m:t> </m:t>
+                        </m:r>
+                        <m:r>
+                          <a:rPr lang="en-US" sz="2500" b="0" i="1" smtClean="0">
+                            <a:latin typeface="Cambria Math" panose="02040503050406030204" pitchFamily="18" charset="0"/>
+                          </a:rPr>
+                          <m:t>𝑔𝑟𝑜𝑢𝑝</m:t>
+                        </m:r>
+                      </m:den>
+                    </m:f>
+                  </m:oMath>
+                </a14:m>
+                <a:endParaRPr lang="en-US" sz="2500" dirty="0"/>
+              </a:p>
+              <a:p>
+                <a:r>
+                  <a:rPr lang="en-US" sz="2000" dirty="0"/>
+                  <a:t>If value of ANOVA:</a:t>
+                </a:r>
+              </a:p>
+              <a:p>
+                <a:pPr marL="731520" lvl="1" indent="-457200">
+                  <a:buFont typeface="+mj-lt"/>
+                  <a:buAutoNum type="arabicPeriod"/>
+                </a:pPr>
+                <a:r>
+                  <a:rPr lang="en-US" sz="1800" dirty="0"/>
+                  <a:t>Is &gt;1 then Reject Null Hypothesis</a:t>
+                </a:r>
+              </a:p>
+              <a:p>
+                <a:pPr marL="731520" lvl="1" indent="-457200">
+                  <a:buFont typeface="+mj-lt"/>
+                  <a:buAutoNum type="arabicPeriod"/>
+                </a:pPr>
+                <a:r>
+                  <a:rPr lang="en-US" sz="1800" dirty="0"/>
+                  <a:t>Is&lt;= then Fail to Reject Null Hypothesis</a:t>
+                </a:r>
+              </a:p>
+            </p:txBody>
+          </p:sp>
+        </mc:Choice>
+        <mc:Fallback>
+          <p:sp>
+            <p:nvSpPr>
+              <p:cNvPr id="3" name="Content Placeholder 2">
+                <a:extLst>
+                  <a:ext uri="{FF2B5EF4-FFF2-40B4-BE49-F238E27FC236}">
+                    <a16:creationId xmlns:a16="http://schemas.microsoft.com/office/drawing/2014/main" id="{AE61E1CF-2F74-4AB4-AF70-3F487F5A7408}"/>
+                  </a:ext>
+                </a:extLst>
+              </p:cNvPr>
+              <p:cNvSpPr>
+                <a:spLocks noGrp="1" noRot="1" noChangeAspect="1" noMove="1" noResize="1" noEditPoints="1" noAdjustHandles="1" noChangeArrowheads="1" noChangeShapeType="1" noTextEdit="1"/>
+              </p:cNvSpPr>
+              <p:nvPr>
+                <p:ph idx="1"/>
+              </p:nvPr>
+            </p:nvSpPr>
+            <p:spPr>
+              <a:blipFill>
+                <a:blip r:embed="rId2"/>
+                <a:stretch>
+                  <a:fillRect l="-545" t="-633"/>
+                </a:stretch>
+              </a:blipFill>
+            </p:spPr>
+            <p:txBody>
+              <a:bodyPr/>
+              <a:lstStyle/>
+              <a:p>
+                <a:r>
+                  <a:rPr lang="en-US">
+                    <a:noFill/>
+                  </a:rPr>
+                  <a:t> </a:t>
+                </a:r>
+              </a:p>
+            </p:txBody>
+          </p:sp>
+        </mc:Fallback>
+      </mc:AlternateContent>
+    </p:spTree>
+    <p:extLst>
+      <p:ext uri="{BB962C8B-B14F-4D97-AF65-F5344CB8AC3E}">
+        <p14:creationId xmlns:p14="http://schemas.microsoft.com/office/powerpoint/2010/main" val="694641108"/>
+      </p:ext>
+    </p:extLst>
+  </p:cSld>
+  <p:clrMapOvr>
+    <a:masterClrMapping/>
+  </p:clrMapOvr>
+</p:sld>
+</file>
+
+<file path=ppt/slides/slide15.xml><?xml version="1.0" encoding="utf-8"?>
+<p:sld xmlns:a="http://schemas.openxmlformats.org/drawingml/2006/main" xmlns:r="http://schemas.openxmlformats.org/officeDocument/2006/relationships" xmlns:p="http://schemas.openxmlformats.org/presentationml/2006/main">
+  <p:cSld>
+    <p:spTree>
+      <p:nvGrpSpPr>
+        <p:cNvPr id="1" name=""/>
+        <p:cNvGrpSpPr/>
+        <p:nvPr/>
+      </p:nvGrpSpPr>
+      <p:grpSpPr>
+        <a:xfrm>
+          <a:off x="0" y="0"/>
+          <a:ext cx="0" cy="0"/>
+          <a:chOff x="0" y="0"/>
+          <a:chExt cx="0" cy="0"/>
+        </a:xfrm>
+      </p:grpSpPr>
+      <p:sp>
+        <p:nvSpPr>
+          <p:cNvPr id="2" name="Title 1">
+            <a:extLst>
+              <a:ext uri="{FF2B5EF4-FFF2-40B4-BE49-F238E27FC236}">
+                <a16:creationId xmlns:a16="http://schemas.microsoft.com/office/drawing/2014/main" id="{89A294E5-5394-4486-9E6D-11D4EDE49B95}"/>
+              </a:ext>
+            </a:extLst>
+          </p:cNvPr>
+          <p:cNvSpPr>
+            <a:spLocks noGrp="1"/>
+          </p:cNvSpPr>
+          <p:nvPr>
+            <p:ph type="title"/>
+          </p:nvPr>
+        </p:nvSpPr>
+        <p:spPr/>
+        <p:txBody>
+          <a:bodyPr/>
+          <a:lstStyle/>
+          <a:p>
+            <a:r>
+              <a:rPr lang="en-US" dirty="0"/>
+              <a:t>Using F-statistic and F-critical</a:t>
+            </a:r>
+          </a:p>
+        </p:txBody>
+      </p:sp>
+      <mc:AlternateContent xmlns:mc="http://schemas.openxmlformats.org/markup-compatibility/2006">
+        <mc:Choice xmlns:a14="http://schemas.microsoft.com/office/drawing/2010/main" Requires="a14">
+          <p:sp>
+            <p:nvSpPr>
+              <p:cNvPr id="3" name="Content Placeholder 2">
+                <a:extLst>
+                  <a:ext uri="{FF2B5EF4-FFF2-40B4-BE49-F238E27FC236}">
+                    <a16:creationId xmlns:a16="http://schemas.microsoft.com/office/drawing/2014/main" id="{89881018-6676-4ED0-818C-96C3DD170A88}"/>
+                  </a:ext>
+                </a:extLst>
+              </p:cNvPr>
+              <p:cNvSpPr>
+                <a:spLocks noGrp="1"/>
+              </p:cNvSpPr>
+              <p:nvPr>
+                <p:ph sz="half" idx="1"/>
+              </p:nvPr>
+            </p:nvSpPr>
+            <p:spPr/>
+            <p:txBody>
+              <a:bodyPr>
+                <a:normAutofit fontScale="85000" lnSpcReduction="20000"/>
+              </a:bodyPr>
+              <a:lstStyle/>
+              <a:p>
+                <a:r>
+                  <a:rPr lang="en-US" sz="2000" dirty="0"/>
+                  <a:t>Assuming that </a:t>
+                </a:r>
+                <a:r>
+                  <a:rPr lang="el-GR" sz="2000" dirty="0">
+                    <a:latin typeface="Times New Roman" panose="02020603050405020304" pitchFamily="18" charset="0"/>
+                    <a:cs typeface="Times New Roman" panose="02020603050405020304" pitchFamily="18" charset="0"/>
+                  </a:rPr>
+                  <a:t>α</a:t>
+                </a:r>
+                <a:r>
+                  <a:rPr lang="en-US" sz="2000" dirty="0">
+                    <a:latin typeface="Times New Roman" panose="02020603050405020304" pitchFamily="18" charset="0"/>
+                    <a:cs typeface="Times New Roman" panose="02020603050405020304" pitchFamily="18" charset="0"/>
+                  </a:rPr>
+                  <a:t> is 0.05</a:t>
+                </a:r>
+              </a:p>
+              <a:p>
+                <a:r>
+                  <a:rPr lang="en-US" sz="2000" dirty="0">
+                    <a:latin typeface="Times New Roman" panose="02020603050405020304" pitchFamily="18" charset="0"/>
+                    <a:cs typeface="Times New Roman" panose="02020603050405020304" pitchFamily="18" charset="0"/>
+                  </a:rPr>
+                  <a:t>F(stat) =</a:t>
+                </a:r>
+                <a14:m>
+                  <m:oMath xmlns:m="http://schemas.openxmlformats.org/officeDocument/2006/math">
+                    <m:f>
+                      <m:fPr>
+                        <m:ctrlPr>
+                          <a:rPr lang="en-US" sz="2000" i="1" smtClean="0">
+                            <a:latin typeface="Cambria Math" panose="02040503050406030204" pitchFamily="18" charset="0"/>
+                            <a:cs typeface="Times New Roman" panose="02020603050405020304" pitchFamily="18" charset="0"/>
+                          </a:rPr>
+                        </m:ctrlPr>
+                      </m:fPr>
+                      <m:num>
+                        <m:r>
+                          <a:rPr lang="en-US" sz="2000" b="0" i="1" smtClean="0">
+                            <a:latin typeface="Cambria Math" panose="02040503050406030204" pitchFamily="18" charset="0"/>
+                            <a:cs typeface="Times New Roman" panose="02020603050405020304" pitchFamily="18" charset="0"/>
+                          </a:rPr>
+                          <m:t>𝑀𝑆𝐵</m:t>
+                        </m:r>
+                      </m:num>
+                      <m:den>
+                        <m:r>
+                          <a:rPr lang="en-US" sz="2000" b="0" i="1" smtClean="0">
+                            <a:latin typeface="Cambria Math" panose="02040503050406030204" pitchFamily="18" charset="0"/>
+                            <a:cs typeface="Times New Roman" panose="02020603050405020304" pitchFamily="18" charset="0"/>
+                          </a:rPr>
+                          <m:t>𝑀𝑆𝑊</m:t>
+                        </m:r>
+                      </m:den>
+                    </m:f>
+                  </m:oMath>
+                </a14:m>
+                <a:r>
+                  <a:rPr lang="en-US" sz="2000" dirty="0">
+                    <a:latin typeface="Times New Roman" panose="02020603050405020304" pitchFamily="18" charset="0"/>
+                    <a:cs typeface="Times New Roman" panose="02020603050405020304" pitchFamily="18" charset="0"/>
+                  </a:rPr>
+                  <a:t> from the next page</a:t>
+                </a:r>
+              </a:p>
+              <a:p>
+                <a:r>
+                  <a:rPr lang="en-US" sz="2000" dirty="0">
+                    <a:latin typeface="Times New Roman" panose="02020603050405020304" pitchFamily="18" charset="0"/>
+                    <a:cs typeface="Times New Roman" panose="02020603050405020304" pitchFamily="18" charset="0"/>
+                  </a:rPr>
+                  <a:t>F(critical)= </a:t>
+                </a:r>
+                <a14:m>
+                  <m:oMath xmlns:m="http://schemas.openxmlformats.org/officeDocument/2006/math">
+                    <m:f>
+                      <m:fPr>
+                        <m:ctrlPr>
+                          <a:rPr lang="en-US" sz="2000" i="1" smtClean="0">
+                            <a:latin typeface="Cambria Math" panose="02040503050406030204" pitchFamily="18" charset="0"/>
+                            <a:cs typeface="Times New Roman" panose="02020603050405020304" pitchFamily="18" charset="0"/>
+                          </a:rPr>
+                        </m:ctrlPr>
+                      </m:fPr>
+                      <m:num>
+                        <m:r>
+                          <a:rPr lang="en-US" sz="2000" b="0" i="1" smtClean="0">
+                            <a:latin typeface="Cambria Math" panose="02040503050406030204" pitchFamily="18" charset="0"/>
+                            <a:cs typeface="Times New Roman" panose="02020603050405020304" pitchFamily="18" charset="0"/>
+                          </a:rPr>
+                          <m:t>𝑛𝑢𝑚𝑒𝑟𝑎𝑡𝑜𝑟</m:t>
+                        </m:r>
+                        <m:r>
+                          <a:rPr lang="en-US" sz="2000" b="0" i="1" smtClean="0">
+                            <a:latin typeface="Cambria Math" panose="02040503050406030204" pitchFamily="18" charset="0"/>
+                            <a:cs typeface="Times New Roman" panose="02020603050405020304" pitchFamily="18" charset="0"/>
+                          </a:rPr>
+                          <m:t> </m:t>
+                        </m:r>
+                        <m:r>
+                          <a:rPr lang="en-US" sz="2000" b="0" i="1" smtClean="0">
+                            <a:latin typeface="Cambria Math" panose="02040503050406030204" pitchFamily="18" charset="0"/>
+                            <a:cs typeface="Times New Roman" panose="02020603050405020304" pitchFamily="18" charset="0"/>
+                          </a:rPr>
+                          <m:t>𝑑𝑒𝑔𝑟𝑒𝑒</m:t>
+                        </m:r>
+                        <m:r>
+                          <a:rPr lang="en-US" sz="2000" b="0" i="1" smtClean="0">
+                            <a:latin typeface="Cambria Math" panose="02040503050406030204" pitchFamily="18" charset="0"/>
+                            <a:cs typeface="Times New Roman" panose="02020603050405020304" pitchFamily="18" charset="0"/>
+                          </a:rPr>
+                          <m:t> </m:t>
+                        </m:r>
+                        <m:r>
+                          <a:rPr lang="en-US" sz="2000" b="0" i="1" smtClean="0">
+                            <a:latin typeface="Cambria Math" panose="02040503050406030204" pitchFamily="18" charset="0"/>
+                            <a:cs typeface="Times New Roman" panose="02020603050405020304" pitchFamily="18" charset="0"/>
+                          </a:rPr>
+                          <m:t>𝑜𝑓</m:t>
+                        </m:r>
+                        <m:r>
+                          <a:rPr lang="en-US" sz="2000" b="0" i="1" smtClean="0">
+                            <a:latin typeface="Cambria Math" panose="02040503050406030204" pitchFamily="18" charset="0"/>
+                            <a:cs typeface="Times New Roman" panose="02020603050405020304" pitchFamily="18" charset="0"/>
+                          </a:rPr>
+                          <m:t> </m:t>
+                        </m:r>
+                        <m:r>
+                          <a:rPr lang="en-US" sz="2000" b="0" i="1" smtClean="0">
+                            <a:latin typeface="Cambria Math" panose="02040503050406030204" pitchFamily="18" charset="0"/>
+                            <a:cs typeface="Times New Roman" panose="02020603050405020304" pitchFamily="18" charset="0"/>
+                          </a:rPr>
+                          <m:t>𝑓𝑟𝑒𝑒𝑑𝑜𝑚</m:t>
+                        </m:r>
+                      </m:num>
+                      <m:den>
+                        <m:r>
+                          <a:rPr lang="en-US" sz="2000" b="0" i="1" smtClean="0">
+                            <a:latin typeface="Cambria Math" panose="02040503050406030204" pitchFamily="18" charset="0"/>
+                            <a:cs typeface="Times New Roman" panose="02020603050405020304" pitchFamily="18" charset="0"/>
+                          </a:rPr>
+                          <m:t>𝑑𝑒𝑛𝑜𝑚𝑖𝑛𝑎𝑡𝑜𝑟</m:t>
+                        </m:r>
+                        <m:r>
+                          <a:rPr lang="en-US" sz="2000" b="0" i="1" smtClean="0">
+                            <a:latin typeface="Cambria Math" panose="02040503050406030204" pitchFamily="18" charset="0"/>
+                            <a:cs typeface="Times New Roman" panose="02020603050405020304" pitchFamily="18" charset="0"/>
+                          </a:rPr>
+                          <m:t> </m:t>
+                        </m:r>
+                        <m:r>
+                          <a:rPr lang="en-US" sz="2000" b="0" i="1" smtClean="0">
+                            <a:latin typeface="Cambria Math" panose="02040503050406030204" pitchFamily="18" charset="0"/>
+                            <a:cs typeface="Times New Roman" panose="02020603050405020304" pitchFamily="18" charset="0"/>
+                          </a:rPr>
+                          <m:t>𝑑𝑒𝑔𝑟𝑒𝑒</m:t>
+                        </m:r>
+                        <m:r>
+                          <a:rPr lang="en-US" sz="2000" b="0" i="1" smtClean="0">
+                            <a:latin typeface="Cambria Math" panose="02040503050406030204" pitchFamily="18" charset="0"/>
+                            <a:cs typeface="Times New Roman" panose="02020603050405020304" pitchFamily="18" charset="0"/>
+                          </a:rPr>
+                          <m:t> </m:t>
+                        </m:r>
+                        <m:r>
+                          <a:rPr lang="en-US" sz="2000" b="0" i="1" smtClean="0">
+                            <a:latin typeface="Cambria Math" panose="02040503050406030204" pitchFamily="18" charset="0"/>
+                            <a:cs typeface="Times New Roman" panose="02020603050405020304" pitchFamily="18" charset="0"/>
+                          </a:rPr>
+                          <m:t>𝑜𝑓</m:t>
+                        </m:r>
+                        <m:r>
+                          <a:rPr lang="en-US" sz="2000" b="0" i="1" smtClean="0">
+                            <a:latin typeface="Cambria Math" panose="02040503050406030204" pitchFamily="18" charset="0"/>
+                            <a:cs typeface="Times New Roman" panose="02020603050405020304" pitchFamily="18" charset="0"/>
+                          </a:rPr>
+                          <m:t> </m:t>
+                        </m:r>
+                        <m:r>
+                          <a:rPr lang="en-US" sz="2000" b="0" i="1" smtClean="0">
+                            <a:latin typeface="Cambria Math" panose="02040503050406030204" pitchFamily="18" charset="0"/>
+                            <a:cs typeface="Times New Roman" panose="02020603050405020304" pitchFamily="18" charset="0"/>
+                          </a:rPr>
+                          <m:t>𝑓𝑟𝑒𝑒𝑑𝑜𝑚</m:t>
+                        </m:r>
+                      </m:den>
+                    </m:f>
+                  </m:oMath>
+                </a14:m>
+                <a:r>
+                  <a:rPr lang="en-US" sz="2000" dirty="0">
+                    <a:latin typeface="Times New Roman" panose="02020603050405020304" pitchFamily="18" charset="0"/>
+                    <a:cs typeface="Times New Roman" panose="02020603050405020304" pitchFamily="18" charset="0"/>
+                  </a:rPr>
+                  <a:t> or from table F when </a:t>
+                </a:r>
+                <a:r>
+                  <a:rPr lang="el-GR" sz="2000" dirty="0">
+                    <a:latin typeface="Times New Roman" panose="02020603050405020304" pitchFamily="18" charset="0"/>
+                    <a:cs typeface="Times New Roman" panose="02020603050405020304" pitchFamily="18" charset="0"/>
+                  </a:rPr>
+                  <a:t>α</a:t>
+                </a:r>
+                <a:r>
+                  <a:rPr lang="en-US" sz="2000" dirty="0">
+                    <a:latin typeface="Times New Roman" panose="02020603050405020304" pitchFamily="18" charset="0"/>
+                    <a:cs typeface="Times New Roman" panose="02020603050405020304" pitchFamily="18" charset="0"/>
+                  </a:rPr>
+                  <a:t> is 0.05 </a:t>
+                </a:r>
+              </a:p>
+              <a:p>
+                <a14:m>
+                  <m:oMath xmlns:m="http://schemas.openxmlformats.org/officeDocument/2006/math">
+                    <m:r>
+                      <a:rPr lang="en-US" sz="2000" b="0" i="1" smtClean="0">
+                        <a:latin typeface="Cambria Math" panose="02040503050406030204" pitchFamily="18" charset="0"/>
+                      </a:rPr>
+                      <m:t>𝑛𝑢𝑚𝑒𝑟𝑎𝑡𝑜𝑟𝐷𝐹</m:t>
+                    </m:r>
+                    <m:r>
+                      <a:rPr lang="en-US" sz="2000" b="0" i="1" smtClean="0">
+                        <a:latin typeface="Cambria Math" panose="02040503050406030204" pitchFamily="18" charset="0"/>
+                      </a:rPr>
+                      <m:t>=</m:t>
+                    </m:r>
+                    <m:r>
+                      <a:rPr lang="en-US" sz="2000" b="0" i="1" smtClean="0">
+                        <a:latin typeface="Cambria Math" panose="02040503050406030204" pitchFamily="18" charset="0"/>
+                      </a:rPr>
+                      <m:t>𝐾</m:t>
+                    </m:r>
+                    <m:r>
+                      <a:rPr lang="en-US" sz="2000" b="0" i="1" smtClean="0">
+                        <a:latin typeface="Cambria Math" panose="02040503050406030204" pitchFamily="18" charset="0"/>
+                      </a:rPr>
+                      <m:t>−</m:t>
+                    </m:r>
+                    <m:r>
+                      <a:rPr lang="en-US" sz="2000" b="0" i="1" smtClean="0">
+                        <a:latin typeface="Cambria Math" panose="02040503050406030204" pitchFamily="18" charset="0"/>
+                      </a:rPr>
+                      <m:t>1</m:t>
+                    </m:r>
+                  </m:oMath>
+                </a14:m>
+                <a:endParaRPr lang="en-US" sz="2000" b="0" dirty="0"/>
+              </a:p>
+              <a:p>
+                <a14:m>
+                  <m:oMath xmlns:m="http://schemas.openxmlformats.org/officeDocument/2006/math">
+                    <m:r>
+                      <a:rPr lang="en-US" sz="2000" b="0" i="1" smtClean="0">
+                        <a:latin typeface="Cambria Math" panose="02040503050406030204" pitchFamily="18" charset="0"/>
+                      </a:rPr>
+                      <m:t>𝑑𝑒𝑛𝑜𝑚𝑖𝑛𝑎𝑡𝑟𝑜𝐷𝐹</m:t>
+                    </m:r>
+                    <m:r>
+                      <a:rPr lang="en-US" sz="2000" b="0" i="1" smtClean="0">
+                        <a:latin typeface="Cambria Math" panose="02040503050406030204" pitchFamily="18" charset="0"/>
+                      </a:rPr>
+                      <m:t>=</m:t>
+                    </m:r>
+                    <m:r>
+                      <a:rPr lang="en-US" sz="2000" b="0" i="1" smtClean="0">
+                        <a:latin typeface="Cambria Math" panose="02040503050406030204" pitchFamily="18" charset="0"/>
+                      </a:rPr>
+                      <m:t>𝑁</m:t>
+                    </m:r>
+                    <m:r>
+                      <a:rPr lang="en-US" sz="2000" b="0" i="1" smtClean="0">
+                        <a:latin typeface="Cambria Math" panose="02040503050406030204" pitchFamily="18" charset="0"/>
+                      </a:rPr>
+                      <m:t>−</m:t>
+                    </m:r>
+                    <m:r>
+                      <a:rPr lang="en-US" sz="2000" b="0" i="1" smtClean="0">
+                        <a:latin typeface="Cambria Math" panose="02040503050406030204" pitchFamily="18" charset="0"/>
+                      </a:rPr>
+                      <m:t>𝑘</m:t>
+                    </m:r>
+                    <m:r>
+                      <a:rPr lang="en-US" sz="2000" b="0" i="1" smtClean="0">
+                        <a:latin typeface="Cambria Math" panose="02040503050406030204" pitchFamily="18" charset="0"/>
+                      </a:rPr>
+                      <m:t>                </m:t>
+                    </m:r>
+                  </m:oMath>
+                </a14:m>
+                <a:endParaRPr lang="en-US" sz="2000" b="0" i="1" dirty="0">
+                  <a:latin typeface="Cambria Math" panose="02040503050406030204" pitchFamily="18" charset="0"/>
+                </a:endParaRPr>
+              </a:p>
+              <a:p>
+                <a:r>
+                  <a:rPr lang="en-US" sz="2000" dirty="0"/>
+                  <a:t>If :</a:t>
+                </a:r>
+              </a:p>
+              <a:p>
+                <a:pPr marL="617220" lvl="1" indent="-342900">
+                  <a:buFont typeface="+mj-lt"/>
+                  <a:buAutoNum type="arabicPeriod"/>
+                </a:pPr>
+                <a:r>
+                  <a:rPr lang="en-US" sz="1800" dirty="0"/>
+                  <a:t>F(stat) &gt; F(crit) then Reject Null Hypothesis</a:t>
+                </a:r>
+              </a:p>
+              <a:p>
+                <a:pPr marL="617220" lvl="1" indent="-342900">
+                  <a:buFont typeface="+mj-lt"/>
+                  <a:buAutoNum type="arabicPeriod"/>
+                </a:pPr>
+                <a:r>
+                  <a:rPr lang="en-US" sz="1800" dirty="0"/>
+                  <a:t>F(crit) &gt; F(stat) then Fails to Reject Null Hypothesis</a:t>
+                </a:r>
+              </a:p>
+            </p:txBody>
+          </p:sp>
+        </mc:Choice>
+        <mc:Fallback>
+          <p:sp>
+            <p:nvSpPr>
+              <p:cNvPr id="3" name="Content Placeholder 2">
+                <a:extLst>
+                  <a:ext uri="{FF2B5EF4-FFF2-40B4-BE49-F238E27FC236}">
+                    <a16:creationId xmlns:a16="http://schemas.microsoft.com/office/drawing/2014/main" id="{89881018-6676-4ED0-818C-96C3DD170A88}"/>
+                  </a:ext>
+                </a:extLst>
+              </p:cNvPr>
+              <p:cNvSpPr>
+                <a:spLocks noGrp="1" noRot="1" noChangeAspect="1" noMove="1" noResize="1" noEditPoints="1" noAdjustHandles="1" noChangeArrowheads="1" noChangeShapeType="1" noTextEdit="1"/>
+              </p:cNvSpPr>
+              <p:nvPr>
+                <p:ph sz="half" idx="1"/>
+              </p:nvPr>
+            </p:nvSpPr>
+            <p:spPr>
+              <a:blipFill>
+                <a:blip r:embed="rId2"/>
+                <a:stretch>
+                  <a:fillRect l="-654" t="-488" b="-325"/>
+                </a:stretch>
+              </a:blipFill>
+            </p:spPr>
+            <p:txBody>
+              <a:bodyPr/>
+              <a:lstStyle/>
+              <a:p>
+                <a:r>
+                  <a:rPr lang="en-US">
+                    <a:noFill/>
+                  </a:rPr>
+                  <a:t> </a:t>
+                </a:r>
+              </a:p>
+            </p:txBody>
+          </p:sp>
+        </mc:Fallback>
+      </mc:AlternateContent>
+      <mc:AlternateContent xmlns:mc="http://schemas.openxmlformats.org/markup-compatibility/2006">
+        <mc:Choice xmlns:a14="http://schemas.microsoft.com/office/drawing/2010/main" Requires="a14">
+          <p:sp>
+            <p:nvSpPr>
+              <p:cNvPr id="4" name="Content Placeholder 3">
+                <a:extLst>
+                  <a:ext uri="{FF2B5EF4-FFF2-40B4-BE49-F238E27FC236}">
+                    <a16:creationId xmlns:a16="http://schemas.microsoft.com/office/drawing/2014/main" id="{DD785473-6FA6-49CC-B99B-DFCB98E3974A}"/>
+                  </a:ext>
+                </a:extLst>
+              </p:cNvPr>
+              <p:cNvSpPr>
+                <a:spLocks noGrp="1"/>
+              </p:cNvSpPr>
+              <p:nvPr>
+                <p:ph sz="half" idx="2"/>
+              </p:nvPr>
+            </p:nvSpPr>
+            <p:spPr/>
+            <p:txBody>
+              <a:bodyPr>
+                <a:normAutofit fontScale="85000" lnSpcReduction="20000"/>
+              </a:bodyPr>
+              <a:lstStyle/>
+              <a:p>
+                <a:r>
+                  <a:rPr lang="en-US" dirty="0"/>
+                  <a:t>Recall -&gt; </a:t>
+                </a:r>
+                <a:r>
+                  <a:rPr lang="el-GR" sz="1800" dirty="0">
+                    <a:latin typeface="Times New Roman" panose="02020603050405020304" pitchFamily="18" charset="0"/>
+                    <a:cs typeface="Times New Roman" panose="02020603050405020304" pitchFamily="18" charset="0"/>
+                  </a:rPr>
+                  <a:t>α</a:t>
+                </a:r>
+                <a:r>
+                  <a:rPr lang="en-US" sz="1800" dirty="0">
+                    <a:latin typeface="Times New Roman" panose="02020603050405020304" pitchFamily="18" charset="0"/>
+                    <a:cs typeface="Times New Roman" panose="02020603050405020304" pitchFamily="18" charset="0"/>
+                  </a:rPr>
+                  <a:t> is the area under the curve </a:t>
+                </a:r>
+                <a:r>
+                  <a:rPr lang="en-US" dirty="0">
+                    <a:latin typeface="Times New Roman" panose="02020603050405020304" pitchFamily="18" charset="0"/>
+                    <a:cs typeface="Times New Roman" panose="02020603050405020304" pitchFamily="18" charset="0"/>
+                  </a:rPr>
+                  <a:t>of PDF  CDF(F) = 1-</a:t>
+                </a:r>
+                <a:r>
+                  <a:rPr lang="el-GR" sz="1800" dirty="0">
+                    <a:latin typeface="Times New Roman" panose="02020603050405020304" pitchFamily="18" charset="0"/>
+                    <a:cs typeface="Times New Roman" panose="02020603050405020304" pitchFamily="18" charset="0"/>
+                  </a:rPr>
+                  <a:t> α</a:t>
+                </a:r>
+                <a:endParaRPr lang="en-US" sz="1800" dirty="0">
+                  <a:latin typeface="Times New Roman" panose="02020603050405020304" pitchFamily="18" charset="0"/>
+                  <a:cs typeface="Times New Roman" panose="02020603050405020304" pitchFamily="18" charset="0"/>
+                </a:endParaRPr>
+              </a:p>
+              <a:p>
+                <a:r>
+                  <a:rPr lang="en-US" dirty="0"/>
+                  <a:t>N -&gt; is number of data in k samples also N = </a:t>
+                </a:r>
+                <a14:m>
+                  <m:oMath xmlns:m="http://schemas.openxmlformats.org/officeDocument/2006/math">
+                    <m:nary>
+                      <m:naryPr>
+                        <m:chr m:val="∑"/>
+                        <m:ctrlPr>
+                          <a:rPr lang="en-US" i="1" smtClean="0">
+                            <a:latin typeface="Cambria Math" panose="02040503050406030204" pitchFamily="18" charset="0"/>
+                          </a:rPr>
+                        </m:ctrlPr>
+                      </m:naryPr>
+                      <m:sub>
+                        <m:r>
+                          <m:rPr>
+                            <m:brk m:alnAt="23"/>
+                          </m:rPr>
+                          <a:rPr lang="en-US" b="0" i="1" smtClean="0">
+                            <a:latin typeface="Cambria Math" panose="02040503050406030204" pitchFamily="18" charset="0"/>
+                          </a:rPr>
+                          <m:t>𝑖</m:t>
+                        </m:r>
+                        <m:r>
+                          <a:rPr lang="en-US" b="0" i="1" smtClean="0">
+                            <a:latin typeface="Cambria Math" panose="02040503050406030204" pitchFamily="18" charset="0"/>
+                          </a:rPr>
+                          <m:t>=</m:t>
+                        </m:r>
+                        <m:r>
+                          <m:rPr>
+                            <m:brk m:alnAt="23"/>
+                          </m:rPr>
+                          <a:rPr lang="en-US" b="0" i="1" smtClean="0">
+                            <a:latin typeface="Cambria Math" panose="02040503050406030204" pitchFamily="18" charset="0"/>
+                          </a:rPr>
+                          <m:t>1</m:t>
+                        </m:r>
+                      </m:sub>
+                      <m:sup>
+                        <m:r>
+                          <a:rPr lang="en-US" b="0" i="1" smtClean="0">
+                            <a:latin typeface="Cambria Math" panose="02040503050406030204" pitchFamily="18" charset="0"/>
+                          </a:rPr>
+                          <m:t>𝑘</m:t>
+                        </m:r>
+                      </m:sup>
+                      <m:e>
+                        <m:r>
+                          <a:rPr lang="en-US" b="0" i="1" smtClean="0">
+                            <a:latin typeface="Cambria Math" panose="02040503050406030204" pitchFamily="18" charset="0"/>
+                          </a:rPr>
+                          <m:t>(</m:t>
+                        </m:r>
+                        <m:r>
+                          <a:rPr lang="en-US" b="0" i="1" smtClean="0">
+                            <a:latin typeface="Cambria Math" panose="02040503050406030204" pitchFamily="18" charset="0"/>
+                          </a:rPr>
+                          <m:t>𝑛𝑖</m:t>
+                        </m:r>
+                        <m:r>
+                          <a:rPr lang="en-US" b="0" i="1" smtClean="0">
+                            <a:latin typeface="Cambria Math" panose="02040503050406030204" pitchFamily="18" charset="0"/>
+                          </a:rPr>
+                          <m:t>−</m:t>
+                        </m:r>
+                        <m:r>
+                          <a:rPr lang="en-US" b="0" i="1" smtClean="0">
+                            <a:latin typeface="Cambria Math" panose="02040503050406030204" pitchFamily="18" charset="0"/>
+                          </a:rPr>
+                          <m:t>1</m:t>
+                        </m:r>
+                        <m:r>
+                          <a:rPr lang="en-US" b="0" i="1" smtClean="0">
+                            <a:latin typeface="Cambria Math" panose="02040503050406030204" pitchFamily="18" charset="0"/>
+                          </a:rPr>
+                          <m:t>)</m:t>
+                        </m:r>
+                      </m:e>
+                    </m:nary>
+                  </m:oMath>
+                </a14:m>
+                <a:endParaRPr lang="en-US" dirty="0"/>
+              </a:p>
+              <a:p>
+                <a:endParaRPr lang="en-US" dirty="0"/>
+              </a:p>
+            </p:txBody>
+          </p:sp>
+        </mc:Choice>
+        <mc:Fallback>
+          <p:sp>
+            <p:nvSpPr>
+              <p:cNvPr id="4" name="Content Placeholder 3">
+                <a:extLst>
+                  <a:ext uri="{FF2B5EF4-FFF2-40B4-BE49-F238E27FC236}">
+                    <a16:creationId xmlns:a16="http://schemas.microsoft.com/office/drawing/2014/main" id="{DD785473-6FA6-49CC-B99B-DFCB98E3974A}"/>
+                  </a:ext>
+                </a:extLst>
+              </p:cNvPr>
+              <p:cNvSpPr>
+                <a:spLocks noGrp="1" noRot="1" noChangeAspect="1" noMove="1" noResize="1" noEditPoints="1" noAdjustHandles="1" noChangeArrowheads="1" noChangeShapeType="1" noTextEdit="1"/>
+              </p:cNvSpPr>
+              <p:nvPr>
+                <p:ph sz="half" idx="2"/>
+              </p:nvPr>
+            </p:nvSpPr>
+            <p:spPr>
+              <a:blipFill>
+                <a:blip r:embed="rId3"/>
+                <a:stretch>
+                  <a:fillRect l="-1699" t="-325" r="-1307"/>
+                </a:stretch>
+              </a:blipFill>
+            </p:spPr>
+            <p:txBody>
+              <a:bodyPr/>
+              <a:lstStyle/>
+              <a:p>
+                <a:r>
+                  <a:rPr lang="en-US">
+                    <a:noFill/>
+                  </a:rPr>
+                  <a:t> </a:t>
+                </a:r>
+              </a:p>
+            </p:txBody>
+          </p:sp>
+        </mc:Fallback>
+      </mc:AlternateContent>
+      <p:pic>
+        <p:nvPicPr>
+          <p:cNvPr id="6" name="Picture 5">
+            <a:extLst>
+              <a:ext uri="{FF2B5EF4-FFF2-40B4-BE49-F238E27FC236}">
+                <a16:creationId xmlns:a16="http://schemas.microsoft.com/office/drawing/2014/main" id="{5CF95A10-A7B4-4F48-88D1-6D67EF9B7F79}"/>
+              </a:ext>
+            </a:extLst>
+          </p:cNvPr>
+          <p:cNvPicPr>
+            <a:picLocks noChangeAspect="1"/>
+          </p:cNvPicPr>
+          <p:nvPr/>
+        </p:nvPicPr>
+        <p:blipFill>
+          <a:blip r:embed="rId4"/>
+          <a:stretch>
+            <a:fillRect/>
+          </a:stretch>
+        </p:blipFill>
+        <p:spPr>
+          <a:xfrm>
+            <a:off x="6925143" y="3584317"/>
+            <a:ext cx="3736674" cy="2356769"/>
+          </a:xfrm>
+          <a:prstGeom prst="rect">
+            <a:avLst/>
+          </a:prstGeom>
+        </p:spPr>
+      </p:pic>
+    </p:spTree>
+    <p:extLst>
+      <p:ext uri="{BB962C8B-B14F-4D97-AF65-F5344CB8AC3E}">
+        <p14:creationId xmlns:p14="http://schemas.microsoft.com/office/powerpoint/2010/main" val="2216151116"/>
+      </p:ext>
+    </p:extLst>
+  </p:cSld>
+  <p:clrMapOvr>
+    <a:masterClrMapping/>
+  </p:clrMapOvr>
+</p:sld>
+</file>
+
+<file path=ppt/slides/slide16.xml><?xml version="1.0" encoding="utf-8"?>
+<p:sld xmlns:a="http://schemas.openxmlformats.org/drawingml/2006/main" xmlns:r="http://schemas.openxmlformats.org/officeDocument/2006/relationships" xmlns:p="http://schemas.openxmlformats.org/presentationml/2006/main">
+  <p:cSld>
+    <p:spTree>
+      <p:nvGrpSpPr>
+        <p:cNvPr id="1" name=""/>
+        <p:cNvGrpSpPr/>
+        <p:nvPr/>
+      </p:nvGrpSpPr>
+      <p:grpSpPr>
+        <a:xfrm>
+          <a:off x="0" y="0"/>
+          <a:ext cx="0" cy="0"/>
+          <a:chOff x="0" y="0"/>
+          <a:chExt cx="0" cy="0"/>
+        </a:xfrm>
+      </p:grpSpPr>
+      <p:sp>
+        <p:nvSpPr>
+          <p:cNvPr id="2" name="Title 1">
+            <a:extLst>
+              <a:ext uri="{FF2B5EF4-FFF2-40B4-BE49-F238E27FC236}">
+                <a16:creationId xmlns:a16="http://schemas.microsoft.com/office/drawing/2014/main" id="{CDFEB37B-96CE-4566-82DC-37FD0281C7A1}"/>
+              </a:ext>
+            </a:extLst>
+          </p:cNvPr>
+          <p:cNvSpPr>
+            <a:spLocks noGrp="1"/>
+          </p:cNvSpPr>
+          <p:nvPr>
+            <p:ph type="title"/>
+          </p:nvPr>
+        </p:nvSpPr>
+        <p:spPr/>
+        <p:txBody>
+          <a:bodyPr/>
+          <a:lstStyle/>
+          <a:p>
+            <a:r>
+              <a:rPr lang="en-US" dirty="0"/>
+              <a:t>Variances </a:t>
+            </a:r>
+          </a:p>
+        </p:txBody>
+      </p:sp>
+      <mc:AlternateContent xmlns:mc="http://schemas.openxmlformats.org/markup-compatibility/2006">
+        <mc:Choice xmlns:a14="http://schemas.microsoft.com/office/drawing/2010/main" Requires="a14">
+          <p:sp>
+            <p:nvSpPr>
+              <p:cNvPr id="5" name="Content Placeholder 4">
+                <a:extLst>
+                  <a:ext uri="{FF2B5EF4-FFF2-40B4-BE49-F238E27FC236}">
+                    <a16:creationId xmlns:a16="http://schemas.microsoft.com/office/drawing/2014/main" id="{6EC04E61-FB79-46F5-BD04-F9A99F31D9EB}"/>
+                  </a:ext>
+                </a:extLst>
+              </p:cNvPr>
+              <p:cNvSpPr>
+                <a:spLocks noGrp="1"/>
+              </p:cNvSpPr>
+              <p:nvPr>
+                <p:ph idx="1"/>
+              </p:nvPr>
+            </p:nvSpPr>
+            <p:spPr/>
+            <p:txBody>
+              <a:bodyPr>
+                <a:normAutofit fontScale="92500" lnSpcReduction="10000"/>
+              </a:bodyPr>
+              <a:lstStyle/>
+              <a:p>
+                <a:r>
+                  <a:rPr lang="en-US" sz="2000" dirty="0"/>
+                  <a:t>Total variability(SST) = variance between group(SSB) + variance within group(SSW)</a:t>
+                </a:r>
+              </a:p>
+              <a:p>
+                <a:r>
+                  <a:rPr lang="en-US" sz="2000" dirty="0"/>
+                  <a:t>mean squared between group(MSB)  = </a:t>
+                </a:r>
+                <a14:m>
+                  <m:oMath xmlns:m="http://schemas.openxmlformats.org/officeDocument/2006/math">
+                    <m:f>
+                      <m:fPr>
+                        <m:ctrlPr>
+                          <a:rPr lang="en-US" sz="2000" i="1" smtClean="0">
+                            <a:latin typeface="Cambria Math" panose="02040503050406030204" pitchFamily="18" charset="0"/>
+                          </a:rPr>
+                        </m:ctrlPr>
+                      </m:fPr>
+                      <m:num>
+                        <m:r>
+                          <a:rPr lang="en-US" sz="2000" b="0" i="1" smtClean="0">
+                            <a:latin typeface="Cambria Math" panose="02040503050406030204" pitchFamily="18" charset="0"/>
+                          </a:rPr>
+                          <m:t>𝑣𝑎𝑟𝑖𝑎𝑛𝑐𝑒</m:t>
+                        </m:r>
+                        <m:r>
+                          <a:rPr lang="en-US" sz="2000" b="0" i="1" smtClean="0">
+                            <a:latin typeface="Cambria Math" panose="02040503050406030204" pitchFamily="18" charset="0"/>
+                          </a:rPr>
+                          <m:t> </m:t>
+                        </m:r>
+                        <m:r>
+                          <a:rPr lang="en-US" sz="2000" b="0" i="1" smtClean="0">
+                            <a:latin typeface="Cambria Math" panose="02040503050406030204" pitchFamily="18" charset="0"/>
+                          </a:rPr>
+                          <m:t>𝑏𝑒𝑡𝑤𝑒𝑒𝑛</m:t>
+                        </m:r>
+                        <m:r>
+                          <a:rPr lang="en-US" sz="2000" b="0" i="1" smtClean="0">
+                            <a:latin typeface="Cambria Math" panose="02040503050406030204" pitchFamily="18" charset="0"/>
+                          </a:rPr>
+                          <m:t> </m:t>
+                        </m:r>
+                      </m:num>
+                      <m:den>
+                        <m:r>
+                          <a:rPr lang="en-US" sz="2000" b="0" i="1" smtClean="0">
+                            <a:latin typeface="Cambria Math" panose="02040503050406030204" pitchFamily="18" charset="0"/>
+                          </a:rPr>
+                          <m:t>𝐾</m:t>
+                        </m:r>
+                        <m:r>
+                          <a:rPr lang="en-US" sz="2000" b="0" i="1" smtClean="0">
+                            <a:latin typeface="Cambria Math" panose="02040503050406030204" pitchFamily="18" charset="0"/>
+                          </a:rPr>
+                          <m:t>−1</m:t>
+                        </m:r>
+                      </m:den>
+                    </m:f>
+                  </m:oMath>
+                </a14:m>
+                <a:endParaRPr lang="en-US" sz="2000" dirty="0"/>
+              </a:p>
+              <a:p>
+                <a:r>
+                  <a:rPr lang="en-US" sz="2000" dirty="0"/>
+                  <a:t>Mean squared within group (MSW)= </a:t>
+                </a:r>
+                <a14:m>
+                  <m:oMath xmlns:m="http://schemas.openxmlformats.org/officeDocument/2006/math">
+                    <m:f>
+                      <m:fPr>
+                        <m:ctrlPr>
+                          <a:rPr lang="en-US" sz="2000" i="1" smtClean="0">
+                            <a:latin typeface="Cambria Math" panose="02040503050406030204" pitchFamily="18" charset="0"/>
+                          </a:rPr>
+                        </m:ctrlPr>
+                      </m:fPr>
+                      <m:num>
+                        <m:r>
+                          <a:rPr lang="en-US" sz="2000" b="0" i="1" smtClean="0">
+                            <a:latin typeface="Cambria Math" panose="02040503050406030204" pitchFamily="18" charset="0"/>
+                          </a:rPr>
+                          <m:t>𝑣𝑎𝑟𝑖𝑎𝑛𝑐𝑒</m:t>
+                        </m:r>
+                        <m:r>
+                          <a:rPr lang="en-US" sz="2000" b="0" i="1" smtClean="0">
+                            <a:latin typeface="Cambria Math" panose="02040503050406030204" pitchFamily="18" charset="0"/>
+                          </a:rPr>
+                          <m:t> </m:t>
+                        </m:r>
+                        <m:r>
+                          <a:rPr lang="en-US" sz="2000" b="0" i="1" smtClean="0">
+                            <a:latin typeface="Cambria Math" panose="02040503050406030204" pitchFamily="18" charset="0"/>
+                          </a:rPr>
+                          <m:t>𝑤𝑖𝑡h𝑖𝑛</m:t>
+                        </m:r>
+                      </m:num>
+                      <m:den>
+                        <m:r>
+                          <a:rPr lang="en-US" sz="2000" b="0" i="1" smtClean="0">
+                            <a:latin typeface="Cambria Math" panose="02040503050406030204" pitchFamily="18" charset="0"/>
+                          </a:rPr>
+                          <m:t>𝑁</m:t>
+                        </m:r>
+                        <m:r>
+                          <a:rPr lang="en-US" sz="2000" b="0" i="1" smtClean="0">
+                            <a:latin typeface="Cambria Math" panose="02040503050406030204" pitchFamily="18" charset="0"/>
+                          </a:rPr>
+                          <m:t>−</m:t>
+                        </m:r>
+                        <m:r>
+                          <a:rPr lang="en-US" sz="2000" b="0" i="1" smtClean="0">
+                            <a:latin typeface="Cambria Math" panose="02040503050406030204" pitchFamily="18" charset="0"/>
+                          </a:rPr>
+                          <m:t>𝐾</m:t>
+                        </m:r>
+                      </m:den>
+                    </m:f>
+                  </m:oMath>
+                </a14:m>
+                <a:endParaRPr lang="en-US" sz="2000" dirty="0"/>
+              </a:p>
+              <a:p>
+                <a:r>
+                  <a:rPr lang="en-US" sz="2000" dirty="0"/>
+                  <a:t>F-ratio = </a:t>
+                </a:r>
+                <a14:m>
+                  <m:oMath xmlns:m="http://schemas.openxmlformats.org/officeDocument/2006/math">
+                    <m:f>
+                      <m:fPr>
+                        <m:ctrlPr>
+                          <a:rPr lang="en-US" sz="2000" i="1" smtClean="0">
+                            <a:latin typeface="Cambria Math" panose="02040503050406030204" pitchFamily="18" charset="0"/>
+                          </a:rPr>
+                        </m:ctrlPr>
+                      </m:fPr>
+                      <m:num>
+                        <m:r>
+                          <a:rPr lang="en-US" sz="2000" b="0" i="1" smtClean="0">
+                            <a:latin typeface="Cambria Math" panose="02040503050406030204" pitchFamily="18" charset="0"/>
+                          </a:rPr>
+                          <m:t>𝑀𝑆𝐵</m:t>
+                        </m:r>
+                      </m:num>
+                      <m:den>
+                        <m:r>
+                          <a:rPr lang="en-US" sz="2000" b="0" i="1" smtClean="0">
+                            <a:latin typeface="Cambria Math" panose="02040503050406030204" pitchFamily="18" charset="0"/>
+                          </a:rPr>
+                          <m:t>𝑀𝑆𝑊</m:t>
+                        </m:r>
+                      </m:den>
+                    </m:f>
+                    <m:r>
+                      <a:rPr lang="en-US" sz="2000" b="0" i="1" smtClean="0">
+                        <a:latin typeface="Cambria Math" panose="02040503050406030204" pitchFamily="18" charset="0"/>
+                      </a:rPr>
+                      <m:t> </m:t>
+                    </m:r>
+                  </m:oMath>
+                </a14:m>
+                <a:endParaRPr lang="en-US" sz="2000" b="0" dirty="0"/>
+              </a:p>
+              <a:p>
+                <a:r>
+                  <a:rPr lang="en-US" sz="2000" dirty="0"/>
+                  <a:t>F-ratio helps determine if the differences between group means are statistically significant</a:t>
+                </a:r>
+              </a:p>
+              <a:p>
+                <a:r>
+                  <a:rPr lang="en-US" sz="2200" dirty="0"/>
+                  <a:t>A </a:t>
+                </a:r>
+                <a:r>
+                  <a:rPr lang="en-US" sz="2200" b="1" dirty="0"/>
+                  <a:t>large F-ratio</a:t>
+                </a:r>
+                <a:r>
+                  <a:rPr lang="en-US" sz="2200" dirty="0"/>
+                  <a:t> indicates significant differences, while a </a:t>
+                </a:r>
+                <a:r>
+                  <a:rPr lang="en-US" sz="2200" b="1" dirty="0"/>
+                  <a:t>small F-ratio</a:t>
+                </a:r>
+                <a:r>
+                  <a:rPr lang="en-US" sz="2200" dirty="0"/>
+                  <a:t> suggests no significant differences.</a:t>
+                </a:r>
+              </a:p>
+            </p:txBody>
+          </p:sp>
+        </mc:Choice>
+        <mc:Fallback>
+          <p:sp>
+            <p:nvSpPr>
+              <p:cNvPr id="5" name="Content Placeholder 4">
+                <a:extLst>
+                  <a:ext uri="{FF2B5EF4-FFF2-40B4-BE49-F238E27FC236}">
+                    <a16:creationId xmlns:a16="http://schemas.microsoft.com/office/drawing/2014/main" id="{6EC04E61-FB79-46F5-BD04-F9A99F31D9EB}"/>
+                  </a:ext>
+                </a:extLst>
+              </p:cNvPr>
+              <p:cNvSpPr>
+                <a:spLocks noGrp="1" noRot="1" noChangeAspect="1" noMove="1" noResize="1" noEditPoints="1" noAdjustHandles="1" noChangeArrowheads="1" noChangeShapeType="1" noTextEdit="1"/>
+              </p:cNvSpPr>
+              <p:nvPr>
+                <p:ph idx="1"/>
+              </p:nvPr>
+            </p:nvSpPr>
+            <p:spPr>
+              <a:blipFill>
+                <a:blip r:embed="rId2"/>
+                <a:stretch>
+                  <a:fillRect l="-545" t="-791"/>
+                </a:stretch>
+              </a:blipFill>
+            </p:spPr>
+            <p:txBody>
+              <a:bodyPr/>
+              <a:lstStyle/>
+              <a:p>
+                <a:r>
+                  <a:rPr lang="en-US">
+                    <a:noFill/>
+                  </a:rPr>
+                  <a:t> </a:t>
+                </a:r>
+              </a:p>
+            </p:txBody>
+          </p:sp>
+        </mc:Fallback>
+      </mc:AlternateContent>
+    </p:spTree>
+    <p:extLst>
+      <p:ext uri="{BB962C8B-B14F-4D97-AF65-F5344CB8AC3E}">
+        <p14:creationId xmlns:p14="http://schemas.microsoft.com/office/powerpoint/2010/main" val="1823587337"/>
+      </p:ext>
+    </p:extLst>
+  </p:cSld>
+  <p:clrMapOvr>
+    <a:masterClrMapping/>
+  </p:clrMapOvr>
+</p:sld>
+</file>
+
+<file path=ppt/slides/slide17.xml><?xml version="1.0" encoding="utf-8"?>
+<p:sld xmlns:a="http://schemas.openxmlformats.org/drawingml/2006/main" xmlns:r="http://schemas.openxmlformats.org/officeDocument/2006/relationships" xmlns:p="http://schemas.openxmlformats.org/presentationml/2006/main">
+  <p:cSld>
+    <p:spTree>
+      <p:nvGrpSpPr>
+        <p:cNvPr id="1" name=""/>
+        <p:cNvGrpSpPr/>
+        <p:nvPr/>
+      </p:nvGrpSpPr>
+      <p:grpSpPr>
+        <a:xfrm>
+          <a:off x="0" y="0"/>
+          <a:ext cx="0" cy="0"/>
+          <a:chOff x="0" y="0"/>
+          <a:chExt cx="0" cy="0"/>
+        </a:xfrm>
+      </p:grpSpPr>
+      <p:sp>
+        <p:nvSpPr>
+          <p:cNvPr id="2" name="Title 1">
+            <a:extLst>
+              <a:ext uri="{FF2B5EF4-FFF2-40B4-BE49-F238E27FC236}">
+                <a16:creationId xmlns:a16="http://schemas.microsoft.com/office/drawing/2014/main" id="{C48EBC1E-5C23-468B-9AC3-E1D7047FEC85}"/>
+              </a:ext>
+            </a:extLst>
+          </p:cNvPr>
+          <p:cNvSpPr>
+            <a:spLocks noGrp="1"/>
+          </p:cNvSpPr>
+          <p:nvPr>
+            <p:ph type="title"/>
+          </p:nvPr>
+        </p:nvSpPr>
+        <p:spPr/>
+        <p:txBody>
+          <a:bodyPr/>
+          <a:lstStyle/>
+          <a:p>
+            <a:r>
+              <a:rPr lang="en-US" dirty="0"/>
+              <a:t>Example</a:t>
+            </a:r>
+          </a:p>
+        </p:txBody>
+      </p:sp>
+      <mc:AlternateContent xmlns:mc="http://schemas.openxmlformats.org/markup-compatibility/2006">
+        <mc:Choice xmlns:a14="http://schemas.microsoft.com/office/drawing/2010/main" Requires="a14">
+          <p:sp>
+            <p:nvSpPr>
+              <p:cNvPr id="4" name="Content Placeholder 3">
+                <a:extLst>
+                  <a:ext uri="{FF2B5EF4-FFF2-40B4-BE49-F238E27FC236}">
+                    <a16:creationId xmlns:a16="http://schemas.microsoft.com/office/drawing/2014/main" id="{6B4FEF0F-9291-4186-B2A9-79589DB9FF82}"/>
+                  </a:ext>
+                </a:extLst>
+              </p:cNvPr>
+              <p:cNvSpPr>
+                <a:spLocks noGrp="1"/>
+              </p:cNvSpPr>
+              <p:nvPr>
+                <p:ph sz="half" idx="1"/>
+              </p:nvPr>
+            </p:nvSpPr>
+            <p:spPr/>
+            <p:txBody>
+              <a:bodyPr>
+                <a:normAutofit fontScale="92500" lnSpcReduction="10000"/>
+              </a:bodyPr>
+              <a:lstStyle/>
+              <a:p>
+                <a:pPr marL="0" indent="0">
+                  <a:buNone/>
+                </a:pPr>
+                <a14:m>
+                  <m:oMathPara xmlns:m="http://schemas.openxmlformats.org/officeDocument/2006/math">
+                    <m:oMathParaPr>
+                      <m:jc m:val="centerGroup"/>
+                    </m:oMathParaPr>
+                    <m:oMath xmlns:m="http://schemas.openxmlformats.org/officeDocument/2006/math">
+                      <m:acc>
+                        <m:accPr>
+                          <m:chr m:val="̿"/>
+                          <m:ctrlPr>
+                            <a:rPr lang="en-US" i="1" smtClean="0">
+                              <a:latin typeface="Cambria Math" panose="02040503050406030204" pitchFamily="18" charset="0"/>
+                            </a:rPr>
+                          </m:ctrlPr>
+                        </m:accPr>
+                        <m:e>
+                          <m:r>
+                            <a:rPr lang="en-US" b="0" i="1" smtClean="0">
+                              <a:latin typeface="Cambria Math" panose="02040503050406030204" pitchFamily="18" charset="0"/>
+                            </a:rPr>
+                            <m:t>𝑋</m:t>
+                          </m:r>
+                        </m:e>
+                      </m:acc>
+                      <m:d>
+                        <m:dPr>
+                          <m:ctrlPr>
+                            <a:rPr lang="en-US" b="0" i="1" smtClean="0">
+                              <a:latin typeface="Cambria Math" panose="02040503050406030204" pitchFamily="18" charset="0"/>
+                            </a:rPr>
+                          </m:ctrlPr>
+                        </m:dPr>
+                        <m:e>
+                          <m:r>
+                            <a:rPr lang="en-US" b="0" i="1" smtClean="0">
+                              <a:latin typeface="Cambria Math" panose="02040503050406030204" pitchFamily="18" charset="0"/>
+                            </a:rPr>
+                            <m:t>𝑜𝑣𝑒𝑟𝑎𝑙𝑙</m:t>
+                          </m:r>
+                          <m:r>
+                            <a:rPr lang="en-US" b="0" i="1" smtClean="0">
+                              <a:latin typeface="Cambria Math" panose="02040503050406030204" pitchFamily="18" charset="0"/>
+                            </a:rPr>
+                            <m:t> </m:t>
+                          </m:r>
+                          <m:r>
+                            <a:rPr lang="en-US" b="0" i="1" smtClean="0">
+                              <a:latin typeface="Cambria Math" panose="02040503050406030204" pitchFamily="18" charset="0"/>
+                            </a:rPr>
+                            <m:t>𝑚𝑒𝑎𝑛</m:t>
+                          </m:r>
+                        </m:e>
+                      </m:d>
+                      <m:r>
+                        <a:rPr lang="en-US" b="0" i="1" smtClean="0">
+                          <a:latin typeface="Cambria Math" panose="02040503050406030204" pitchFamily="18" charset="0"/>
+                        </a:rPr>
+                        <m:t>=</m:t>
+                      </m:r>
+                      <m:f>
+                        <m:fPr>
+                          <m:ctrlPr>
+                            <a:rPr lang="en-US" b="0" i="1" smtClean="0">
+                              <a:latin typeface="Cambria Math" panose="02040503050406030204" pitchFamily="18" charset="0"/>
+                            </a:rPr>
+                          </m:ctrlPr>
+                        </m:fPr>
+                        <m:num>
+                          <m:r>
+                            <a:rPr lang="en-US" b="0" i="1" smtClean="0">
+                              <a:latin typeface="Cambria Math" panose="02040503050406030204" pitchFamily="18" charset="0"/>
+                            </a:rPr>
+                            <m:t>𝑠𝑢𝑚</m:t>
+                          </m:r>
+                          <m:r>
+                            <a:rPr lang="en-US" b="0" i="1" smtClean="0">
+                              <a:latin typeface="Cambria Math" panose="02040503050406030204" pitchFamily="18" charset="0"/>
+                            </a:rPr>
+                            <m:t> </m:t>
+                          </m:r>
+                          <m:r>
+                            <a:rPr lang="en-US" b="0" i="1" smtClean="0">
+                              <a:latin typeface="Cambria Math" panose="02040503050406030204" pitchFamily="18" charset="0"/>
+                            </a:rPr>
+                            <m:t>𝑜𝑓</m:t>
+                          </m:r>
+                          <m:r>
+                            <a:rPr lang="en-US" b="0" i="1" smtClean="0">
+                              <a:latin typeface="Cambria Math" panose="02040503050406030204" pitchFamily="18" charset="0"/>
+                            </a:rPr>
+                            <m:t> </m:t>
+                          </m:r>
+                          <m:r>
+                            <a:rPr lang="en-US" b="0" i="1" smtClean="0">
+                              <a:latin typeface="Cambria Math" panose="02040503050406030204" pitchFamily="18" charset="0"/>
+                            </a:rPr>
+                            <m:t>𝑜𝑏𝑠𝑒𝑟𝑣𝑎𝑡𝑖𝑜𝑛𝑠</m:t>
+                          </m:r>
+                        </m:num>
+                        <m:den>
+                          <m:r>
+                            <a:rPr lang="en-US" b="0" i="1" smtClean="0">
+                              <a:latin typeface="Cambria Math" panose="02040503050406030204" pitchFamily="18" charset="0"/>
+                            </a:rPr>
+                            <m:t>𝑛𝑢𝑚𝑏𝑒𝑟</m:t>
+                          </m:r>
+                          <m:r>
+                            <a:rPr lang="en-US" b="0" i="1" smtClean="0">
+                              <a:latin typeface="Cambria Math" panose="02040503050406030204" pitchFamily="18" charset="0"/>
+                            </a:rPr>
+                            <m:t> </m:t>
+                          </m:r>
+                          <m:r>
+                            <a:rPr lang="en-US" b="0" i="1" smtClean="0">
+                              <a:latin typeface="Cambria Math" panose="02040503050406030204" pitchFamily="18" charset="0"/>
+                            </a:rPr>
+                            <m:t>𝑜𝑓</m:t>
+                          </m:r>
+                          <m:r>
+                            <a:rPr lang="en-US" b="0" i="1" smtClean="0">
+                              <a:latin typeface="Cambria Math" panose="02040503050406030204" pitchFamily="18" charset="0"/>
+                            </a:rPr>
+                            <m:t> </m:t>
+                          </m:r>
+                          <m:r>
+                            <a:rPr lang="en-US" b="0" i="1" smtClean="0">
+                              <a:latin typeface="Cambria Math" panose="02040503050406030204" pitchFamily="18" charset="0"/>
+                            </a:rPr>
+                            <m:t>𝑜𝑏𝑠𝑒𝑟𝑣𝑎𝑡𝑖𝑜𝑛𝑠</m:t>
+                          </m:r>
+                        </m:den>
+                      </m:f>
+                      <m:r>
+                        <a:rPr lang="en-US" b="0" i="1" dirty="0" smtClean="0">
+                          <a:latin typeface="Cambria Math" panose="02040503050406030204" pitchFamily="18" charset="0"/>
+                        </a:rPr>
+                        <m:t> </m:t>
+                      </m:r>
+                      <m:r>
+                        <a:rPr lang="en-US" b="0" i="1" smtClean="0">
+                          <a:latin typeface="Cambria Math" panose="02040503050406030204" pitchFamily="18" charset="0"/>
+                        </a:rPr>
+                        <m:t>=</m:t>
+                      </m:r>
+                      <m:f>
+                        <m:fPr>
+                          <m:ctrlPr>
+                            <a:rPr lang="en-US" b="0" i="1" smtClean="0">
+                              <a:latin typeface="Cambria Math" panose="02040503050406030204" pitchFamily="18" charset="0"/>
+                            </a:rPr>
+                          </m:ctrlPr>
+                        </m:fPr>
+                        <m:num>
+                          <m:r>
+                            <a:rPr lang="en-US" b="0" i="1" smtClean="0">
+                              <a:latin typeface="Cambria Math" panose="02040503050406030204" pitchFamily="18" charset="0"/>
+                            </a:rPr>
+                            <m:t>805</m:t>
+                          </m:r>
+                          <m:r>
+                            <a:rPr lang="en-US" b="0" i="1" smtClean="0">
+                              <a:latin typeface="Cambria Math" panose="02040503050406030204" pitchFamily="18" charset="0"/>
+                            </a:rPr>
+                            <m:t>+</m:t>
+                          </m:r>
+                          <m:r>
+                            <a:rPr lang="en-US" b="0" i="1" smtClean="0">
+                              <a:latin typeface="Cambria Math" panose="02040503050406030204" pitchFamily="18" charset="0"/>
+                            </a:rPr>
+                            <m:t>785</m:t>
+                          </m:r>
+                          <m:r>
+                            <a:rPr lang="en-US" b="0" i="1" smtClean="0">
+                              <a:latin typeface="Cambria Math" panose="02040503050406030204" pitchFamily="18" charset="0"/>
+                            </a:rPr>
+                            <m:t>+</m:t>
+                          </m:r>
+                          <m:r>
+                            <a:rPr lang="en-US" b="0" i="1" smtClean="0">
+                              <a:latin typeface="Cambria Math" panose="02040503050406030204" pitchFamily="18" charset="0"/>
+                            </a:rPr>
+                            <m:t>905</m:t>
+                          </m:r>
+                        </m:num>
+                        <m:den>
+                          <m:r>
+                            <a:rPr lang="en-US" b="0" i="1" smtClean="0">
+                              <a:latin typeface="Cambria Math" panose="02040503050406030204" pitchFamily="18" charset="0"/>
+                            </a:rPr>
+                            <m:t>3</m:t>
+                          </m:r>
+                        </m:den>
+                      </m:f>
+                      <m:r>
+                        <a:rPr lang="en-US" b="0" i="1" smtClean="0">
+                          <a:latin typeface="Cambria Math" panose="02040503050406030204" pitchFamily="18" charset="0"/>
+                        </a:rPr>
+                        <m:t>=</m:t>
+                      </m:r>
+                      <m:r>
+                        <a:rPr lang="en-US" b="0" i="1" smtClean="0">
+                          <a:latin typeface="Cambria Math" panose="02040503050406030204" pitchFamily="18" charset="0"/>
+                        </a:rPr>
+                        <m:t>84</m:t>
+                      </m:r>
+                      <m:r>
+                        <a:rPr lang="en-US" b="0" i="1" smtClean="0">
+                          <a:latin typeface="Cambria Math" panose="02040503050406030204" pitchFamily="18" charset="0"/>
+                        </a:rPr>
+                        <m:t>.</m:t>
+                      </m:r>
+                      <m:r>
+                        <a:rPr lang="en-US" b="0" i="1" smtClean="0">
+                          <a:latin typeface="Cambria Math" panose="02040503050406030204" pitchFamily="18" charset="0"/>
+                        </a:rPr>
+                        <m:t>67</m:t>
+                      </m:r>
+                    </m:oMath>
+                  </m:oMathPara>
+                </a14:m>
+                <a:endParaRPr lang="en-US" b="0" dirty="0"/>
+              </a:p>
+              <a:p>
+                <a:r>
+                  <a:rPr lang="en-US" b="0" dirty="0"/>
+                  <a:t>Sum of square between (SSB) = 10*(</a:t>
+                </a:r>
+                <a14:m>
+                  <m:oMath xmlns:m="http://schemas.openxmlformats.org/officeDocument/2006/math">
+                    <m:sSup>
+                      <m:sSupPr>
+                        <m:ctrlPr>
+                          <a:rPr lang="en-US" b="0" i="1" smtClean="0">
+                            <a:latin typeface="Cambria Math" panose="02040503050406030204" pitchFamily="18" charset="0"/>
+                          </a:rPr>
+                        </m:ctrlPr>
+                      </m:sSupPr>
+                      <m:e>
+                        <m:r>
+                          <m:rPr>
+                            <m:nor/>
+                          </m:rPr>
+                          <a:rPr lang="en-US" dirty="0"/>
+                          <m:t>85-84.67</m:t>
+                        </m:r>
+                        <m:r>
+                          <m:rPr>
+                            <m:nor/>
+                          </m:rPr>
+                          <a:rPr lang="en-US" dirty="0"/>
+                          <m:t>)</m:t>
+                        </m:r>
+                      </m:e>
+                      <m:sup>
+                        <m:r>
+                          <a:rPr lang="en-US" b="0" i="1" smtClean="0">
+                            <a:latin typeface="Cambria Math" panose="02040503050406030204" pitchFamily="18" charset="0"/>
+                          </a:rPr>
+                          <m:t>2</m:t>
+                        </m:r>
+                      </m:sup>
+                    </m:sSup>
+                    <m:r>
+                      <a:rPr lang="en-US" b="0" i="1" smtClean="0">
+                        <a:latin typeface="Cambria Math" panose="02040503050406030204" pitchFamily="18" charset="0"/>
+                      </a:rPr>
+                      <m:t>+</m:t>
+                    </m:r>
+                    <m:r>
+                      <a:rPr lang="en-US" b="0" i="1" smtClean="0">
+                        <a:latin typeface="Cambria Math" panose="02040503050406030204" pitchFamily="18" charset="0"/>
+                      </a:rPr>
+                      <m:t>10</m:t>
+                    </m:r>
+                    <m:r>
+                      <a:rPr lang="en-US" b="0" i="1" smtClean="0">
+                        <a:latin typeface="Cambria Math" panose="02040503050406030204" pitchFamily="18" charset="0"/>
+                      </a:rPr>
+                      <m:t>∗(</m:t>
+                    </m:r>
+                    <m:sSup>
+                      <m:sSupPr>
+                        <m:ctrlPr>
+                          <a:rPr lang="en-US" i="1">
+                            <a:latin typeface="Cambria Math" panose="02040503050406030204" pitchFamily="18" charset="0"/>
+                          </a:rPr>
+                        </m:ctrlPr>
+                      </m:sSupPr>
+                      <m:e>
+                        <m:r>
+                          <m:rPr>
+                            <m:nor/>
+                          </m:rPr>
+                          <a:rPr lang="en-US" b="0" i="0" smtClean="0">
+                            <a:latin typeface="Cambria Math" panose="02040503050406030204" pitchFamily="18" charset="0"/>
+                          </a:rPr>
+                          <m:t>78.5</m:t>
+                        </m:r>
+                        <m:r>
+                          <m:rPr>
+                            <m:nor/>
+                          </m:rPr>
+                          <a:rPr lang="en-US" dirty="0"/>
+                          <m:t>−</m:t>
+                        </m:r>
+                        <m:r>
+                          <m:rPr>
+                            <m:nor/>
+                          </m:rPr>
+                          <a:rPr lang="en-US" dirty="0"/>
+                          <m:t>84.67</m:t>
+                        </m:r>
+                        <m:r>
+                          <m:rPr>
+                            <m:nor/>
+                          </m:rPr>
+                          <a:rPr lang="en-US" dirty="0"/>
+                          <m:t>)</m:t>
+                        </m:r>
+                      </m:e>
+                      <m:sup>
+                        <m:r>
+                          <a:rPr lang="en-US" i="1">
+                            <a:latin typeface="Cambria Math" panose="02040503050406030204" pitchFamily="18" charset="0"/>
+                          </a:rPr>
+                          <m:t>2</m:t>
+                        </m:r>
+                      </m:sup>
+                    </m:sSup>
+                  </m:oMath>
+                </a14:m>
+                <a:r>
+                  <a:rPr lang="en-US" b="0" dirty="0"/>
+                  <a:t>+10*(</a:t>
+                </a:r>
+                <a14:m>
+                  <m:oMath xmlns:m="http://schemas.openxmlformats.org/officeDocument/2006/math">
+                    <m:sSup>
+                      <m:sSupPr>
+                        <m:ctrlPr>
+                          <a:rPr lang="en-US" i="1">
+                            <a:latin typeface="Cambria Math" panose="02040503050406030204" pitchFamily="18" charset="0"/>
+                          </a:rPr>
+                        </m:ctrlPr>
+                      </m:sSupPr>
+                      <m:e>
+                        <m:r>
+                          <m:rPr>
+                            <m:nor/>
+                          </m:rPr>
+                          <a:rPr lang="en-US" b="0" i="0" smtClean="0">
+                            <a:latin typeface="Cambria Math" panose="02040503050406030204" pitchFamily="18" charset="0"/>
+                          </a:rPr>
+                          <m:t>90.5</m:t>
+                        </m:r>
+                        <m:r>
+                          <m:rPr>
+                            <m:nor/>
+                          </m:rPr>
+                          <a:rPr lang="en-US" dirty="0"/>
+                          <m:t>−</m:t>
+                        </m:r>
+                        <m:r>
+                          <m:rPr>
+                            <m:nor/>
+                          </m:rPr>
+                          <a:rPr lang="en-US" dirty="0"/>
+                          <m:t>84.67</m:t>
+                        </m:r>
+                        <m:r>
+                          <m:rPr>
+                            <m:nor/>
+                          </m:rPr>
+                          <a:rPr lang="en-US" dirty="0"/>
+                          <m:t>)</m:t>
+                        </m:r>
+                      </m:e>
+                      <m:sup>
+                        <m:r>
+                          <a:rPr lang="en-US" i="1">
+                            <a:latin typeface="Cambria Math" panose="02040503050406030204" pitchFamily="18" charset="0"/>
+                          </a:rPr>
+                          <m:t>2</m:t>
+                        </m:r>
+                      </m:sup>
+                    </m:sSup>
+                  </m:oMath>
+                </a14:m>
+                <a:r>
+                  <a:rPr lang="en-US" b="0" dirty="0"/>
+                  <a:t> = 720.2</a:t>
+                </a:r>
+              </a:p>
+              <a:p>
+                <a:r>
+                  <a:rPr lang="en-US" dirty="0"/>
+                  <a:t>Sum of square within (SSW) =</a:t>
+                </a:r>
+                <a14:m>
+                  <m:oMath xmlns:m="http://schemas.openxmlformats.org/officeDocument/2006/math">
+                    <m:nary>
+                      <m:naryPr>
+                        <m:chr m:val="∑"/>
+                        <m:subHide m:val="on"/>
+                        <m:supHide m:val="on"/>
+                        <m:ctrlPr>
+                          <a:rPr lang="en-US" i="1" smtClean="0">
+                            <a:latin typeface="Cambria Math" panose="02040503050406030204" pitchFamily="18" charset="0"/>
+                          </a:rPr>
+                        </m:ctrlPr>
+                      </m:naryPr>
+                      <m:sub/>
+                      <m:sup/>
+                      <m:e>
+                        <m:sSup>
+                          <m:sSupPr>
+                            <m:ctrlPr>
+                              <a:rPr lang="en-US" i="1">
+                                <a:latin typeface="Cambria Math" panose="02040503050406030204" pitchFamily="18" charset="0"/>
+                              </a:rPr>
+                            </m:ctrlPr>
+                          </m:sSupPr>
+                          <m:e>
+                            <m:r>
+                              <a:rPr lang="en-US" i="1">
+                                <a:latin typeface="Cambria Math" panose="02040503050406030204" pitchFamily="18" charset="0"/>
+                              </a:rPr>
+                              <m:t>(</m:t>
+                            </m:r>
+                            <m:r>
+                              <a:rPr lang="en-US" b="0" i="1" smtClean="0">
+                                <a:latin typeface="Cambria Math" panose="02040503050406030204" pitchFamily="18" charset="0"/>
+                              </a:rPr>
+                              <m:t>𝑑𝑎𝑡𝑎</m:t>
+                            </m:r>
+                            <m:r>
+                              <a:rPr lang="en-US" b="0" i="1" smtClean="0">
+                                <a:latin typeface="Cambria Math" panose="02040503050406030204" pitchFamily="18" charset="0"/>
+                              </a:rPr>
+                              <m:t> </m:t>
+                            </m:r>
+                            <m:r>
+                              <a:rPr lang="en-US" b="0" i="1" smtClean="0">
+                                <a:latin typeface="Cambria Math" panose="02040503050406030204" pitchFamily="18" charset="0"/>
+                              </a:rPr>
+                              <m:t>𝑝𝑜𝑖𝑛𝑡</m:t>
+                            </m:r>
+                            <m:r>
+                              <a:rPr lang="en-US" b="0" i="1" smtClean="0">
+                                <a:latin typeface="Cambria Math" panose="02040503050406030204" pitchFamily="18" charset="0"/>
+                              </a:rPr>
+                              <m:t>  −</m:t>
+                            </m:r>
+                            <m:r>
+                              <a:rPr lang="en-US" b="0" i="1" smtClean="0">
+                                <a:latin typeface="Cambria Math" panose="02040503050406030204" pitchFamily="18" charset="0"/>
+                              </a:rPr>
+                              <m:t>𝑔𝑟𝑜𝑢𝑝</m:t>
+                            </m:r>
+                            <m:r>
+                              <a:rPr lang="en-US" b="0" i="1" smtClean="0">
+                                <a:latin typeface="Cambria Math" panose="02040503050406030204" pitchFamily="18" charset="0"/>
+                              </a:rPr>
+                              <m:t> </m:t>
+                            </m:r>
+                            <m:r>
+                              <a:rPr lang="en-US" b="0" i="1" smtClean="0">
+                                <a:latin typeface="Cambria Math" panose="02040503050406030204" pitchFamily="18" charset="0"/>
+                              </a:rPr>
+                              <m:t>𝑚𝑒𝑎𝑛</m:t>
+                            </m:r>
+                            <m:r>
+                              <a:rPr lang="en-US" i="1">
+                                <a:latin typeface="Cambria Math" panose="02040503050406030204" pitchFamily="18" charset="0"/>
+                              </a:rPr>
+                              <m:t>)</m:t>
+                            </m:r>
+                          </m:e>
+                          <m:sup>
+                            <m:r>
+                              <a:rPr lang="en-US" b="0" i="1" smtClean="0">
+                                <a:latin typeface="Cambria Math" panose="02040503050406030204" pitchFamily="18" charset="0"/>
+                              </a:rPr>
+                              <m:t>2</m:t>
+                            </m:r>
+                          </m:sup>
+                        </m:sSup>
+                      </m:e>
+                    </m:nary>
+                  </m:oMath>
+                </a14:m>
+                <a:r>
+                  <a:rPr lang="en-US" dirty="0"/>
+                  <a:t> = 114+82.5+96.5 = 293 </a:t>
+                </a:r>
+              </a:p>
+              <a:p>
+                <a:r>
+                  <a:rPr lang="en-US" dirty="0"/>
+                  <a:t>SST = 720.2+293 = 1013.2</a:t>
+                </a:r>
+              </a:p>
+            </p:txBody>
+          </p:sp>
+        </mc:Choice>
+        <mc:Fallback>
+          <p:sp>
+            <p:nvSpPr>
+              <p:cNvPr id="4" name="Content Placeholder 3">
+                <a:extLst>
+                  <a:ext uri="{FF2B5EF4-FFF2-40B4-BE49-F238E27FC236}">
+                    <a16:creationId xmlns:a16="http://schemas.microsoft.com/office/drawing/2014/main" id="{6B4FEF0F-9291-4186-B2A9-79589DB9FF82}"/>
+                  </a:ext>
+                </a:extLst>
+              </p:cNvPr>
+              <p:cNvSpPr>
+                <a:spLocks noGrp="1" noRot="1" noChangeAspect="1" noMove="1" noResize="1" noEditPoints="1" noAdjustHandles="1" noChangeArrowheads="1" noChangeShapeType="1" noTextEdit="1"/>
+              </p:cNvSpPr>
+              <p:nvPr>
+                <p:ph sz="half" idx="1"/>
+              </p:nvPr>
+            </p:nvSpPr>
+            <p:spPr>
+              <a:blipFill>
+                <a:blip r:embed="rId2"/>
+                <a:stretch>
+                  <a:fillRect l="-654"/>
+                </a:stretch>
+              </a:blipFill>
+            </p:spPr>
+            <p:txBody>
+              <a:bodyPr/>
+              <a:lstStyle/>
+              <a:p>
+                <a:r>
+                  <a:rPr lang="en-US">
+                    <a:noFill/>
+                  </a:rPr>
+                  <a:t> </a:t>
+                </a:r>
+              </a:p>
+            </p:txBody>
+          </p:sp>
+        </mc:Fallback>
+      </mc:AlternateContent>
+      <mc:AlternateContent xmlns:mc="http://schemas.openxmlformats.org/markup-compatibility/2006">
+        <mc:Choice xmlns:a14="http://schemas.microsoft.com/office/drawing/2010/main" Requires="a14">
+          <p:graphicFrame>
+            <p:nvGraphicFramePr>
+              <p:cNvPr id="6" name="Table 6">
+                <a:extLst>
+                  <a:ext uri="{FF2B5EF4-FFF2-40B4-BE49-F238E27FC236}">
+                    <a16:creationId xmlns:a16="http://schemas.microsoft.com/office/drawing/2014/main" id="{7D3A6F4C-8631-47FC-A79D-FB03BC5013D1}"/>
+                  </a:ext>
+                </a:extLst>
+              </p:cNvPr>
+              <p:cNvGraphicFramePr>
+                <a:graphicFrameLocks noGrp="1"/>
+              </p:cNvGraphicFramePr>
+              <p:nvPr>
+                <p:ph sz="half" idx="2"/>
+                <p:extLst>
+                  <p:ext uri="{D42A27DB-BD31-4B8C-83A1-F6EECF244321}">
+                    <p14:modId xmlns:p14="http://schemas.microsoft.com/office/powerpoint/2010/main" val="458723937"/>
+                  </p:ext>
+                </p:extLst>
+              </p:nvPr>
+            </p:nvGraphicFramePr>
+            <p:xfrm>
+              <a:off x="7627620" y="1686800"/>
+              <a:ext cx="3497580" cy="4866097"/>
+            </p:xfrm>
+            <a:graphic>
+              <a:graphicData uri="http://schemas.openxmlformats.org/drawingml/2006/table">
+                <a:tbl>
+                  <a:tblPr firstRow="1" bandRow="1">
+                    <a:tableStyleId>{93296810-A885-4BE3-A3E7-6D5BEEA58F35}</a:tableStyleId>
+                  </a:tblPr>
+                  <a:tblGrid>
+                    <a:gridCol w="1165860">
+                      <a:extLst>
+                        <a:ext uri="{9D8B030D-6E8A-4147-A177-3AD203B41FA5}">
+                          <a16:colId xmlns:a16="http://schemas.microsoft.com/office/drawing/2014/main" val="2965305959"/>
+                        </a:ext>
+                      </a:extLst>
+                    </a:gridCol>
+                    <a:gridCol w="1165860">
+                      <a:extLst>
+                        <a:ext uri="{9D8B030D-6E8A-4147-A177-3AD203B41FA5}">
+                          <a16:colId xmlns:a16="http://schemas.microsoft.com/office/drawing/2014/main" val="2807795024"/>
+                        </a:ext>
+                      </a:extLst>
+                    </a:gridCol>
+                    <a:gridCol w="1165860">
+                      <a:extLst>
+                        <a:ext uri="{9D8B030D-6E8A-4147-A177-3AD203B41FA5}">
+                          <a16:colId xmlns:a16="http://schemas.microsoft.com/office/drawing/2014/main" val="444325880"/>
+                        </a:ext>
+                      </a:extLst>
+                    </a:gridCol>
+                  </a:tblGrid>
+                  <a:tr h="558320">
+                    <a:tc>
+                      <a:txBody>
+                        <a:bodyPr/>
+                        <a:lstStyle/>
+                        <a:p>
+                          <a:pPr algn="ctr"/>
+                          <a:r>
+                            <a:rPr lang="en-US" dirty="0"/>
+                            <a:t>A</a:t>
+                          </a:r>
+                        </a:p>
+                      </a:txBody>
+                      <a:tcPr/>
+                    </a:tc>
+                    <a:tc>
+                      <a:txBody>
+                        <a:bodyPr/>
+                        <a:lstStyle/>
+                        <a:p>
+                          <a:pPr algn="ctr"/>
+                          <a:r>
+                            <a:rPr lang="en-US" dirty="0"/>
+                            <a:t>B</a:t>
+                          </a:r>
+                        </a:p>
+                      </a:txBody>
+                      <a:tcPr/>
+                    </a:tc>
+                    <a:tc>
+                      <a:txBody>
+                        <a:bodyPr/>
+                        <a:lstStyle/>
+                        <a:p>
+                          <a:pPr algn="ctr"/>
+                          <a:r>
+                            <a:rPr lang="en-US" dirty="0"/>
+                            <a:t>C</a:t>
+                          </a:r>
+                        </a:p>
+                      </a:txBody>
+                      <a:tcPr/>
+                    </a:tc>
+                    <a:extLst>
+                      <a:ext uri="{0D108BD9-81ED-4DB2-BD59-A6C34878D82A}">
+                        <a16:rowId xmlns:a16="http://schemas.microsoft.com/office/drawing/2014/main" val="2586032492"/>
+                      </a:ext>
+                    </a:extLst>
+                  </a:tr>
+                  <a:tr h="319040">
+                    <a:tc>
+                      <a:txBody>
+                        <a:bodyPr/>
+                        <a:lstStyle/>
+                        <a:p>
+                          <a:pPr algn="ctr"/>
+                          <a:r>
+                            <a:rPr lang="en-US" dirty="0"/>
+                            <a:t>85</a:t>
+                          </a:r>
+                        </a:p>
+                      </a:txBody>
+                      <a:tcPr/>
+                    </a:tc>
+                    <a:tc>
+                      <a:txBody>
+                        <a:bodyPr/>
+                        <a:lstStyle/>
+                        <a:p>
+                          <a:pPr algn="ctr"/>
+                          <a:r>
+                            <a:rPr lang="en-US" dirty="0"/>
+                            <a:t>75</a:t>
+                          </a:r>
+                        </a:p>
+                      </a:txBody>
+                      <a:tcPr/>
+                    </a:tc>
+                    <a:tc>
+                      <a:txBody>
+                        <a:bodyPr/>
+                        <a:lstStyle/>
+                        <a:p>
+                          <a:pPr algn="ctr"/>
+                          <a:r>
+                            <a:rPr lang="en-US" dirty="0"/>
+                            <a:t>92</a:t>
+                          </a:r>
+                        </a:p>
+                      </a:txBody>
+                      <a:tcPr/>
+                    </a:tc>
+                    <a:extLst>
+                      <a:ext uri="{0D108BD9-81ED-4DB2-BD59-A6C34878D82A}">
+                        <a16:rowId xmlns:a16="http://schemas.microsoft.com/office/drawing/2014/main" val="3931144938"/>
+                      </a:ext>
+                    </a:extLst>
+                  </a:tr>
+                  <a:tr h="319040">
+                    <a:tc>
+                      <a:txBody>
+                        <a:bodyPr/>
+                        <a:lstStyle/>
+                        <a:p>
+                          <a:pPr algn="ctr"/>
+                          <a:r>
+                            <a:rPr lang="en-US" dirty="0"/>
+                            <a:t>78</a:t>
+                          </a:r>
+                        </a:p>
+                      </a:txBody>
+                      <a:tcPr/>
+                    </a:tc>
+                    <a:tc>
+                      <a:txBody>
+                        <a:bodyPr/>
+                        <a:lstStyle/>
+                        <a:p>
+                          <a:pPr algn="ctr"/>
+                          <a:r>
+                            <a:rPr lang="en-US" dirty="0"/>
+                            <a:t>82</a:t>
+                          </a:r>
+                        </a:p>
+                      </a:txBody>
+                      <a:tcPr/>
+                    </a:tc>
+                    <a:tc>
+                      <a:txBody>
+                        <a:bodyPr/>
+                        <a:lstStyle/>
+                        <a:p>
+                          <a:pPr algn="ctr"/>
+                          <a:r>
+                            <a:rPr lang="en-US" dirty="0"/>
+                            <a:t>94</a:t>
+                          </a:r>
+                        </a:p>
+                      </a:txBody>
+                      <a:tcPr/>
+                    </a:tc>
+                    <a:extLst>
+                      <a:ext uri="{0D108BD9-81ED-4DB2-BD59-A6C34878D82A}">
+                        <a16:rowId xmlns:a16="http://schemas.microsoft.com/office/drawing/2014/main" val="1353062501"/>
+                      </a:ext>
+                    </a:extLst>
+                  </a:tr>
+                  <a:tr h="319040">
+                    <a:tc>
+                      <a:txBody>
+                        <a:bodyPr/>
+                        <a:lstStyle/>
+                        <a:p>
+                          <a:pPr algn="ctr"/>
+                          <a:r>
+                            <a:rPr lang="en-US" dirty="0"/>
+                            <a:t>90</a:t>
+                          </a:r>
+                        </a:p>
+                      </a:txBody>
+                      <a:tcPr/>
+                    </a:tc>
+                    <a:tc>
+                      <a:txBody>
+                        <a:bodyPr/>
+                        <a:lstStyle/>
+                        <a:p>
+                          <a:pPr algn="ctr"/>
+                          <a:r>
+                            <a:rPr lang="en-US" dirty="0"/>
+                            <a:t>79</a:t>
+                          </a:r>
+                        </a:p>
+                      </a:txBody>
+                      <a:tcPr/>
+                    </a:tc>
+                    <a:tc>
+                      <a:txBody>
+                        <a:bodyPr/>
+                        <a:lstStyle/>
+                        <a:p>
+                          <a:pPr algn="ctr"/>
+                          <a:r>
+                            <a:rPr lang="en-US" dirty="0"/>
+                            <a:t>88</a:t>
+                          </a:r>
+                        </a:p>
+                      </a:txBody>
+                      <a:tcPr/>
+                    </a:tc>
+                    <a:extLst>
+                      <a:ext uri="{0D108BD9-81ED-4DB2-BD59-A6C34878D82A}">
+                        <a16:rowId xmlns:a16="http://schemas.microsoft.com/office/drawing/2014/main" val="419885695"/>
+                      </a:ext>
+                    </a:extLst>
+                  </a:tr>
+                  <a:tr h="319040">
+                    <a:tc>
+                      <a:txBody>
+                        <a:bodyPr/>
+                        <a:lstStyle/>
+                        <a:p>
+                          <a:pPr algn="ctr"/>
+                          <a:r>
+                            <a:rPr lang="en-US" dirty="0"/>
+                            <a:t>88</a:t>
+                          </a:r>
+                        </a:p>
+                      </a:txBody>
+                      <a:tcPr/>
+                    </a:tc>
+                    <a:tc>
+                      <a:txBody>
+                        <a:bodyPr/>
+                        <a:lstStyle/>
+                        <a:p>
+                          <a:pPr algn="ctr"/>
+                          <a:r>
+                            <a:rPr lang="en-US" dirty="0"/>
+                            <a:t>77</a:t>
+                          </a:r>
+                        </a:p>
+                      </a:txBody>
+                      <a:tcPr/>
+                    </a:tc>
+                    <a:tc>
+                      <a:txBody>
+                        <a:bodyPr/>
+                        <a:lstStyle/>
+                        <a:p>
+                          <a:pPr algn="ctr"/>
+                          <a:r>
+                            <a:rPr lang="en-US" dirty="0"/>
+                            <a:t>96</a:t>
+                          </a:r>
+                        </a:p>
+                      </a:txBody>
+                      <a:tcPr/>
+                    </a:tc>
+                    <a:extLst>
+                      <a:ext uri="{0D108BD9-81ED-4DB2-BD59-A6C34878D82A}">
+                        <a16:rowId xmlns:a16="http://schemas.microsoft.com/office/drawing/2014/main" val="1285820856"/>
+                      </a:ext>
+                    </a:extLst>
+                  </a:tr>
+                  <a:tr h="319040">
+                    <a:tc>
+                      <a:txBody>
+                        <a:bodyPr/>
+                        <a:lstStyle/>
+                        <a:p>
+                          <a:pPr algn="ctr"/>
+                          <a:r>
+                            <a:rPr lang="en-US" dirty="0"/>
+                            <a:t>76</a:t>
+                          </a:r>
+                        </a:p>
+                      </a:txBody>
+                      <a:tcPr/>
+                    </a:tc>
+                    <a:tc>
+                      <a:txBody>
+                        <a:bodyPr/>
+                        <a:lstStyle/>
+                        <a:p>
+                          <a:pPr algn="ctr"/>
+                          <a:r>
+                            <a:rPr lang="en-US" dirty="0"/>
+                            <a:t>80</a:t>
+                          </a:r>
+                        </a:p>
+                      </a:txBody>
+                      <a:tcPr/>
+                    </a:tc>
+                    <a:tc>
+                      <a:txBody>
+                        <a:bodyPr/>
+                        <a:lstStyle/>
+                        <a:p>
+                          <a:pPr algn="ctr"/>
+                          <a:r>
+                            <a:rPr lang="en-US" dirty="0"/>
+                            <a:t>90</a:t>
+                          </a:r>
+                        </a:p>
+                      </a:txBody>
+                      <a:tcPr/>
+                    </a:tc>
+                    <a:extLst>
+                      <a:ext uri="{0D108BD9-81ED-4DB2-BD59-A6C34878D82A}">
+                        <a16:rowId xmlns:a16="http://schemas.microsoft.com/office/drawing/2014/main" val="1393781780"/>
+                      </a:ext>
+                    </a:extLst>
+                  </a:tr>
+                  <a:tr h="319040">
+                    <a:tc>
+                      <a:txBody>
+                        <a:bodyPr/>
+                        <a:lstStyle/>
+                        <a:p>
+                          <a:pPr algn="ctr"/>
+                          <a:r>
+                            <a:rPr lang="en-US" dirty="0"/>
+                            <a:t>92</a:t>
+                          </a:r>
+                        </a:p>
+                      </a:txBody>
+                      <a:tcPr/>
+                    </a:tc>
+                    <a:tc>
+                      <a:txBody>
+                        <a:bodyPr/>
+                        <a:lstStyle/>
+                        <a:p>
+                          <a:pPr algn="ctr"/>
+                          <a:r>
+                            <a:rPr lang="en-US" dirty="0"/>
+                            <a:t>83</a:t>
+                          </a:r>
+                        </a:p>
+                      </a:txBody>
+                      <a:tcPr/>
+                    </a:tc>
+                    <a:tc>
+                      <a:txBody>
+                        <a:bodyPr/>
+                        <a:lstStyle/>
+                        <a:p>
+                          <a:pPr algn="ctr"/>
+                          <a:r>
+                            <a:rPr lang="en-US" dirty="0"/>
+                            <a:t>89</a:t>
+                          </a:r>
+                        </a:p>
+                      </a:txBody>
+                      <a:tcPr/>
+                    </a:tc>
+                    <a:extLst>
+                      <a:ext uri="{0D108BD9-81ED-4DB2-BD59-A6C34878D82A}">
+                        <a16:rowId xmlns:a16="http://schemas.microsoft.com/office/drawing/2014/main" val="113027551"/>
+                      </a:ext>
+                    </a:extLst>
+                  </a:tr>
+                  <a:tr h="319040">
+                    <a:tc>
+                      <a:txBody>
+                        <a:bodyPr/>
+                        <a:lstStyle/>
+                        <a:p>
+                          <a:pPr algn="ctr"/>
+                          <a:r>
+                            <a:rPr lang="en-US" dirty="0"/>
+                            <a:t>89</a:t>
+                          </a:r>
+                        </a:p>
+                      </a:txBody>
+                      <a:tcPr/>
+                    </a:tc>
+                    <a:tc>
+                      <a:txBody>
+                        <a:bodyPr/>
+                        <a:lstStyle/>
+                        <a:p>
+                          <a:pPr algn="ctr"/>
+                          <a:r>
+                            <a:rPr lang="en-US" dirty="0"/>
+                            <a:t>78</a:t>
+                          </a:r>
+                        </a:p>
+                      </a:txBody>
+                      <a:tcPr/>
+                    </a:tc>
+                    <a:tc>
+                      <a:txBody>
+                        <a:bodyPr/>
+                        <a:lstStyle/>
+                        <a:p>
+                          <a:pPr algn="ctr"/>
+                          <a:r>
+                            <a:rPr lang="en-US" dirty="0"/>
+                            <a:t>91</a:t>
+                          </a:r>
+                        </a:p>
+                      </a:txBody>
+                      <a:tcPr/>
+                    </a:tc>
+                    <a:extLst>
+                      <a:ext uri="{0D108BD9-81ED-4DB2-BD59-A6C34878D82A}">
+                        <a16:rowId xmlns:a16="http://schemas.microsoft.com/office/drawing/2014/main" val="1717241140"/>
+                      </a:ext>
+                    </a:extLst>
+                  </a:tr>
+                  <a:tr h="319040">
+                    <a:tc>
+                      <a:txBody>
+                        <a:bodyPr/>
+                        <a:lstStyle/>
+                        <a:p>
+                          <a:pPr algn="ctr"/>
+                          <a:r>
+                            <a:rPr lang="en-US" dirty="0"/>
+                            <a:t>81</a:t>
+                          </a:r>
+                        </a:p>
+                      </a:txBody>
+                      <a:tcPr/>
+                    </a:tc>
+                    <a:tc>
+                      <a:txBody>
+                        <a:bodyPr/>
+                        <a:lstStyle/>
+                        <a:p>
+                          <a:pPr algn="ctr"/>
+                          <a:r>
+                            <a:rPr lang="en-US" dirty="0"/>
+                            <a:t>76</a:t>
+                          </a:r>
+                        </a:p>
+                      </a:txBody>
+                      <a:tcPr/>
+                    </a:tc>
+                    <a:tc>
+                      <a:txBody>
+                        <a:bodyPr/>
+                        <a:lstStyle/>
+                        <a:p>
+                          <a:pPr algn="ctr"/>
+                          <a:r>
+                            <a:rPr lang="en-US" dirty="0"/>
+                            <a:t>93</a:t>
+                          </a:r>
+                        </a:p>
+                      </a:txBody>
+                      <a:tcPr/>
+                    </a:tc>
+                    <a:extLst>
+                      <a:ext uri="{0D108BD9-81ED-4DB2-BD59-A6C34878D82A}">
+                        <a16:rowId xmlns:a16="http://schemas.microsoft.com/office/drawing/2014/main" val="1886857676"/>
+                      </a:ext>
+                    </a:extLst>
+                  </a:tr>
+                  <a:tr h="319040">
+                    <a:tc>
+                      <a:txBody>
+                        <a:bodyPr/>
+                        <a:lstStyle/>
+                        <a:p>
+                          <a:pPr algn="ctr"/>
+                          <a:r>
+                            <a:rPr lang="en-US" dirty="0"/>
+                            <a:t>84</a:t>
+                          </a:r>
+                        </a:p>
+                      </a:txBody>
+                      <a:tcPr/>
+                    </a:tc>
+                    <a:tc>
+                      <a:txBody>
+                        <a:bodyPr/>
+                        <a:lstStyle/>
+                        <a:p>
+                          <a:pPr algn="ctr"/>
+                          <a:r>
+                            <a:rPr lang="en-US" dirty="0"/>
+                            <a:t>81</a:t>
+                          </a:r>
+                        </a:p>
+                      </a:txBody>
+                      <a:tcPr/>
+                    </a:tc>
+                    <a:tc>
+                      <a:txBody>
+                        <a:bodyPr/>
+                        <a:lstStyle/>
+                        <a:p>
+                          <a:pPr algn="ctr"/>
+                          <a:r>
+                            <a:rPr lang="en-US" dirty="0"/>
+                            <a:t>95</a:t>
+                          </a:r>
+                        </a:p>
+                      </a:txBody>
+                      <a:tcPr/>
+                    </a:tc>
+                    <a:extLst>
+                      <a:ext uri="{0D108BD9-81ED-4DB2-BD59-A6C34878D82A}">
+                        <a16:rowId xmlns:a16="http://schemas.microsoft.com/office/drawing/2014/main" val="2306947748"/>
+                      </a:ext>
+                    </a:extLst>
+                  </a:tr>
+                  <a:tr h="319040">
+                    <a:tc>
+                      <a:txBody>
+                        <a:bodyPr/>
+                        <a:lstStyle/>
+                        <a:p>
+                          <a:pPr algn="ctr"/>
+                          <a:r>
+                            <a:rPr lang="en-US" dirty="0"/>
+                            <a:t>87</a:t>
+                          </a:r>
+                        </a:p>
+                      </a:txBody>
+                      <a:tcPr/>
+                    </a:tc>
+                    <a:tc>
+                      <a:txBody>
+                        <a:bodyPr/>
+                        <a:lstStyle/>
+                        <a:p>
+                          <a:pPr algn="ctr"/>
+                          <a:r>
+                            <a:rPr lang="en-US" dirty="0"/>
+                            <a:t>74</a:t>
+                          </a:r>
+                        </a:p>
+                      </a:txBody>
+                      <a:tcPr/>
+                    </a:tc>
+                    <a:tc>
+                      <a:txBody>
+                        <a:bodyPr/>
+                        <a:lstStyle/>
+                        <a:p>
+                          <a:pPr algn="ctr"/>
+                          <a:r>
+                            <a:rPr lang="en-US" dirty="0"/>
+                            <a:t>87</a:t>
+                          </a:r>
+                        </a:p>
+                      </a:txBody>
+                      <a:tcPr/>
+                    </a:tc>
+                    <a:extLst>
+                      <a:ext uri="{0D108BD9-81ED-4DB2-BD59-A6C34878D82A}">
+                        <a16:rowId xmlns:a16="http://schemas.microsoft.com/office/drawing/2014/main" val="441711329"/>
+                      </a:ext>
+                    </a:extLst>
+                  </a:tr>
+                  <a:tr h="319040">
+                    <a:tc>
+                      <a:txBody>
+                        <a:bodyPr/>
+                        <a:lstStyle/>
+                        <a:p>
+                          <a:pPr algn="ctr"/>
+                          <a14:m>
+                            <m:oMathPara xmlns:m="http://schemas.openxmlformats.org/officeDocument/2006/math">
+                              <m:oMathParaPr>
+                                <m:jc m:val="centerGroup"/>
+                              </m:oMathParaPr>
+                              <m:oMath xmlns:m="http://schemas.openxmlformats.org/officeDocument/2006/math">
+                                <m:acc>
+                                  <m:accPr>
+                                    <m:chr m:val="̃"/>
+                                    <m:ctrlPr>
+                                      <a:rPr lang="en-US" i="1" smtClean="0">
+                                        <a:latin typeface="Cambria Math" panose="02040503050406030204" pitchFamily="18" charset="0"/>
+                                      </a:rPr>
+                                    </m:ctrlPr>
+                                  </m:accPr>
+                                  <m:e>
+                                    <m:r>
+                                      <a:rPr lang="en-US" b="0" i="1" smtClean="0">
+                                        <a:latin typeface="Cambria Math" panose="02040503050406030204" pitchFamily="18" charset="0"/>
+                                      </a:rPr>
+                                      <m:t>𝑥𝐴</m:t>
+                                    </m:r>
+                                  </m:e>
+                                </m:acc>
+                                <m:r>
+                                  <a:rPr lang="en-US" b="0" i="1" smtClean="0">
+                                    <a:latin typeface="Cambria Math" panose="02040503050406030204" pitchFamily="18" charset="0"/>
+                                  </a:rPr>
+                                  <m:t>=</m:t>
+                                </m:r>
+                                <m:r>
+                                  <a:rPr lang="en-US" b="0" i="1" smtClean="0">
+                                    <a:latin typeface="Cambria Math" panose="02040503050406030204" pitchFamily="18" charset="0"/>
+                                  </a:rPr>
+                                  <m:t>85</m:t>
+                                </m:r>
+                              </m:oMath>
+                            </m:oMathPara>
+                          </a14:m>
+                          <a:endParaRPr lang="en-US" dirty="0"/>
+                        </a:p>
+                      </a:txBody>
+                      <a:tcPr/>
+                    </a:tc>
+                    <a:tc>
+                      <a:txBody>
+                        <a:bodyPr/>
+                        <a:lstStyle/>
+                        <a:p>
+                          <a:pPr algn="ctr"/>
+                          <a14:m>
+                            <m:oMathPara xmlns:m="http://schemas.openxmlformats.org/officeDocument/2006/math">
+                              <m:oMathParaPr>
+                                <m:jc m:val="centerGroup"/>
+                              </m:oMathParaPr>
+                              <m:oMath xmlns:m="http://schemas.openxmlformats.org/officeDocument/2006/math">
+                                <m:acc>
+                                  <m:accPr>
+                                    <m:chr m:val="̃"/>
+                                    <m:ctrlPr>
+                                      <a:rPr lang="en-US" i="1" smtClean="0">
+                                        <a:latin typeface="Cambria Math" panose="02040503050406030204" pitchFamily="18" charset="0"/>
+                                      </a:rPr>
+                                    </m:ctrlPr>
+                                  </m:accPr>
+                                  <m:e>
+                                    <m:r>
+                                      <a:rPr lang="en-US" b="0" i="1" smtClean="0">
+                                        <a:latin typeface="Cambria Math" panose="02040503050406030204" pitchFamily="18" charset="0"/>
+                                      </a:rPr>
+                                      <m:t>𝑥𝐵</m:t>
+                                    </m:r>
+                                  </m:e>
+                                </m:acc>
+                                <m:r>
+                                  <a:rPr lang="en-US" b="0" i="1" smtClean="0">
+                                    <a:latin typeface="Cambria Math" panose="02040503050406030204" pitchFamily="18" charset="0"/>
+                                  </a:rPr>
+                                  <m:t>=</m:t>
+                                </m:r>
+                                <m:r>
+                                  <a:rPr lang="en-US" b="0" i="1" smtClean="0">
+                                    <a:latin typeface="Cambria Math" panose="02040503050406030204" pitchFamily="18" charset="0"/>
+                                  </a:rPr>
+                                  <m:t>78</m:t>
+                                </m:r>
+                                <m:r>
+                                  <a:rPr lang="en-US" b="0" i="1" smtClean="0">
+                                    <a:latin typeface="Cambria Math" panose="02040503050406030204" pitchFamily="18" charset="0"/>
+                                  </a:rPr>
+                                  <m:t>.</m:t>
+                                </m:r>
+                                <m:r>
+                                  <a:rPr lang="en-US" b="0" i="1" smtClean="0">
+                                    <a:latin typeface="Cambria Math" panose="02040503050406030204" pitchFamily="18" charset="0"/>
+                                  </a:rPr>
+                                  <m:t>5</m:t>
+                                </m:r>
+                              </m:oMath>
+                            </m:oMathPara>
+                          </a14:m>
+                          <a:endParaRPr lang="en-US" dirty="0"/>
+                        </a:p>
+                      </a:txBody>
+                      <a:tcPr/>
+                    </a:tc>
+                    <a:tc>
+                      <a:txBody>
+                        <a:bodyPr/>
+                        <a:lstStyle/>
+                        <a:p>
+                          <a:pPr algn="ctr"/>
+                          <a14:m>
+                            <m:oMathPara xmlns:m="http://schemas.openxmlformats.org/officeDocument/2006/math">
+                              <m:oMathParaPr>
+                                <m:jc m:val="centerGroup"/>
+                              </m:oMathParaPr>
+                              <m:oMath xmlns:m="http://schemas.openxmlformats.org/officeDocument/2006/math">
+                                <m:acc>
+                                  <m:accPr>
+                                    <m:chr m:val="̃"/>
+                                    <m:ctrlPr>
+                                      <a:rPr lang="en-US" i="1" smtClean="0">
+                                        <a:latin typeface="Cambria Math" panose="02040503050406030204" pitchFamily="18" charset="0"/>
+                                      </a:rPr>
+                                    </m:ctrlPr>
+                                  </m:accPr>
+                                  <m:e>
+                                    <m:r>
+                                      <a:rPr lang="en-US" b="0" i="1" smtClean="0">
+                                        <a:latin typeface="Cambria Math" panose="02040503050406030204" pitchFamily="18" charset="0"/>
+                                      </a:rPr>
+                                      <m:t>𝑥𝐶</m:t>
+                                    </m:r>
+                                  </m:e>
+                                </m:acc>
+                                <m:r>
+                                  <a:rPr lang="en-US" b="0" i="1" smtClean="0">
+                                    <a:latin typeface="Cambria Math" panose="02040503050406030204" pitchFamily="18" charset="0"/>
+                                  </a:rPr>
+                                  <m:t>=</m:t>
+                                </m:r>
+                                <m:r>
+                                  <a:rPr lang="en-US" b="0" i="1" smtClean="0">
+                                    <a:latin typeface="Cambria Math" panose="02040503050406030204" pitchFamily="18" charset="0"/>
+                                  </a:rPr>
+                                  <m:t>90</m:t>
+                                </m:r>
+                                <m:r>
+                                  <a:rPr lang="en-US" b="0" i="1" smtClean="0">
+                                    <a:latin typeface="Cambria Math" panose="02040503050406030204" pitchFamily="18" charset="0"/>
+                                  </a:rPr>
+                                  <m:t>.</m:t>
+                                </m:r>
+                                <m:r>
+                                  <a:rPr lang="en-US" b="0" i="1" smtClean="0">
+                                    <a:latin typeface="Cambria Math" panose="02040503050406030204" pitchFamily="18" charset="0"/>
+                                  </a:rPr>
+                                  <m:t>5</m:t>
+                                </m:r>
+                              </m:oMath>
+                            </m:oMathPara>
+                          </a14:m>
+                          <a:endParaRPr lang="en-US" dirty="0"/>
+                        </a:p>
+                      </a:txBody>
+                      <a:tcPr/>
+                    </a:tc>
+                    <a:extLst>
+                      <a:ext uri="{0D108BD9-81ED-4DB2-BD59-A6C34878D82A}">
+                        <a16:rowId xmlns:a16="http://schemas.microsoft.com/office/drawing/2014/main" val="265463276"/>
+                      </a:ext>
+                    </a:extLst>
+                  </a:tr>
+                </a:tbl>
+              </a:graphicData>
+            </a:graphic>
+          </p:graphicFrame>
+        </mc:Choice>
+        <mc:Fallback>
+          <p:graphicFrame>
+            <p:nvGraphicFramePr>
+              <p:cNvPr id="6" name="Table 6">
+                <a:extLst>
+                  <a:ext uri="{FF2B5EF4-FFF2-40B4-BE49-F238E27FC236}">
+                    <a16:creationId xmlns:a16="http://schemas.microsoft.com/office/drawing/2014/main" id="{7D3A6F4C-8631-47FC-A79D-FB03BC5013D1}"/>
+                  </a:ext>
+                </a:extLst>
+              </p:cNvPr>
+              <p:cNvGraphicFramePr>
+                <a:graphicFrameLocks noGrp="1"/>
+              </p:cNvGraphicFramePr>
+              <p:nvPr>
+                <p:ph sz="half" idx="2"/>
+                <p:extLst>
+                  <p:ext uri="{D42A27DB-BD31-4B8C-83A1-F6EECF244321}">
+                    <p14:modId xmlns:p14="http://schemas.microsoft.com/office/powerpoint/2010/main" val="458723937"/>
+                  </p:ext>
+                </p:extLst>
+              </p:nvPr>
+            </p:nvGraphicFramePr>
+            <p:xfrm>
+              <a:off x="7627620" y="1686800"/>
+              <a:ext cx="3497580" cy="4866097"/>
+            </p:xfrm>
+            <a:graphic>
+              <a:graphicData uri="http://schemas.openxmlformats.org/drawingml/2006/table">
+                <a:tbl>
+                  <a:tblPr firstRow="1" bandRow="1">
+                    <a:tableStyleId>{93296810-A885-4BE3-A3E7-6D5BEEA58F35}</a:tableStyleId>
+                  </a:tblPr>
+                  <a:tblGrid>
+                    <a:gridCol w="1165860">
+                      <a:extLst>
+                        <a:ext uri="{9D8B030D-6E8A-4147-A177-3AD203B41FA5}">
+                          <a16:colId xmlns:a16="http://schemas.microsoft.com/office/drawing/2014/main" val="2965305959"/>
+                        </a:ext>
+                      </a:extLst>
+                    </a:gridCol>
+                    <a:gridCol w="1165860">
+                      <a:extLst>
+                        <a:ext uri="{9D8B030D-6E8A-4147-A177-3AD203B41FA5}">
+                          <a16:colId xmlns:a16="http://schemas.microsoft.com/office/drawing/2014/main" val="2807795024"/>
+                        </a:ext>
+                      </a:extLst>
+                    </a:gridCol>
+                    <a:gridCol w="1165860">
+                      <a:extLst>
+                        <a:ext uri="{9D8B030D-6E8A-4147-A177-3AD203B41FA5}">
+                          <a16:colId xmlns:a16="http://schemas.microsoft.com/office/drawing/2014/main" val="444325880"/>
+                        </a:ext>
+                      </a:extLst>
+                    </a:gridCol>
+                  </a:tblGrid>
+                  <a:tr h="558320">
+                    <a:tc>
+                      <a:txBody>
+                        <a:bodyPr/>
+                        <a:lstStyle/>
+                        <a:p>
+                          <a:pPr algn="ctr"/>
+                          <a:r>
+                            <a:rPr lang="en-US" dirty="0"/>
+                            <a:t>A</a:t>
+                          </a:r>
+                        </a:p>
+                      </a:txBody>
+                      <a:tcPr/>
+                    </a:tc>
+                    <a:tc>
+                      <a:txBody>
+                        <a:bodyPr/>
+                        <a:lstStyle/>
+                        <a:p>
+                          <a:pPr algn="ctr"/>
+                          <a:r>
+                            <a:rPr lang="en-US" dirty="0"/>
+                            <a:t>B</a:t>
+                          </a:r>
+                        </a:p>
+                      </a:txBody>
+                      <a:tcPr/>
+                    </a:tc>
+                    <a:tc>
+                      <a:txBody>
+                        <a:bodyPr/>
+                        <a:lstStyle/>
+                        <a:p>
+                          <a:pPr algn="ctr"/>
+                          <a:r>
+                            <a:rPr lang="en-US" dirty="0"/>
+                            <a:t>C</a:t>
+                          </a:r>
+                        </a:p>
+                      </a:txBody>
+                      <a:tcPr/>
+                    </a:tc>
+                    <a:extLst>
+                      <a:ext uri="{0D108BD9-81ED-4DB2-BD59-A6C34878D82A}">
+                        <a16:rowId xmlns:a16="http://schemas.microsoft.com/office/drawing/2014/main" val="2586032492"/>
+                      </a:ext>
+                    </a:extLst>
+                  </a:tr>
+                  <a:tr h="365760">
+                    <a:tc>
+                      <a:txBody>
+                        <a:bodyPr/>
+                        <a:lstStyle/>
+                        <a:p>
+                          <a:pPr algn="ctr"/>
+                          <a:r>
+                            <a:rPr lang="en-US" dirty="0"/>
+                            <a:t>85</a:t>
+                          </a:r>
+                        </a:p>
+                      </a:txBody>
+                      <a:tcPr/>
+                    </a:tc>
+                    <a:tc>
+                      <a:txBody>
+                        <a:bodyPr/>
+                        <a:lstStyle/>
+                        <a:p>
+                          <a:pPr algn="ctr"/>
+                          <a:r>
+                            <a:rPr lang="en-US" dirty="0"/>
+                            <a:t>75</a:t>
+                          </a:r>
+                        </a:p>
+                      </a:txBody>
+                      <a:tcPr/>
+                    </a:tc>
+                    <a:tc>
+                      <a:txBody>
+                        <a:bodyPr/>
+                        <a:lstStyle/>
+                        <a:p>
+                          <a:pPr algn="ctr"/>
+                          <a:r>
+                            <a:rPr lang="en-US" dirty="0"/>
+                            <a:t>92</a:t>
+                          </a:r>
+                        </a:p>
+                      </a:txBody>
+                      <a:tcPr/>
+                    </a:tc>
+                    <a:extLst>
+                      <a:ext uri="{0D108BD9-81ED-4DB2-BD59-A6C34878D82A}">
+                        <a16:rowId xmlns:a16="http://schemas.microsoft.com/office/drawing/2014/main" val="3931144938"/>
+                      </a:ext>
+                    </a:extLst>
+                  </a:tr>
+                  <a:tr h="365760">
+                    <a:tc>
+                      <a:txBody>
+                        <a:bodyPr/>
+                        <a:lstStyle/>
+                        <a:p>
+                          <a:pPr algn="ctr"/>
+                          <a:r>
+                            <a:rPr lang="en-US" dirty="0"/>
+                            <a:t>78</a:t>
+                          </a:r>
+                        </a:p>
+                      </a:txBody>
+                      <a:tcPr/>
+                    </a:tc>
+                    <a:tc>
+                      <a:txBody>
+                        <a:bodyPr/>
+                        <a:lstStyle/>
+                        <a:p>
+                          <a:pPr algn="ctr"/>
+                          <a:r>
+                            <a:rPr lang="en-US" dirty="0"/>
+                            <a:t>82</a:t>
+                          </a:r>
+                        </a:p>
+                      </a:txBody>
+                      <a:tcPr/>
+                    </a:tc>
+                    <a:tc>
+                      <a:txBody>
+                        <a:bodyPr/>
+                        <a:lstStyle/>
+                        <a:p>
+                          <a:pPr algn="ctr"/>
+                          <a:r>
+                            <a:rPr lang="en-US" dirty="0"/>
+                            <a:t>94</a:t>
+                          </a:r>
+                        </a:p>
+                      </a:txBody>
+                      <a:tcPr/>
+                    </a:tc>
+                    <a:extLst>
+                      <a:ext uri="{0D108BD9-81ED-4DB2-BD59-A6C34878D82A}">
+                        <a16:rowId xmlns:a16="http://schemas.microsoft.com/office/drawing/2014/main" val="1353062501"/>
+                      </a:ext>
+                    </a:extLst>
+                  </a:tr>
+                  <a:tr h="365760">
+                    <a:tc>
+                      <a:txBody>
+                        <a:bodyPr/>
+                        <a:lstStyle/>
+                        <a:p>
+                          <a:pPr algn="ctr"/>
+                          <a:r>
+                            <a:rPr lang="en-US" dirty="0"/>
+                            <a:t>90</a:t>
+                          </a:r>
+                        </a:p>
+                      </a:txBody>
+                      <a:tcPr/>
+                    </a:tc>
+                    <a:tc>
+                      <a:txBody>
+                        <a:bodyPr/>
+                        <a:lstStyle/>
+                        <a:p>
+                          <a:pPr algn="ctr"/>
+                          <a:r>
+                            <a:rPr lang="en-US" dirty="0"/>
+                            <a:t>79</a:t>
+                          </a:r>
+                        </a:p>
+                      </a:txBody>
+                      <a:tcPr/>
+                    </a:tc>
+                    <a:tc>
+                      <a:txBody>
+                        <a:bodyPr/>
+                        <a:lstStyle/>
+                        <a:p>
+                          <a:pPr algn="ctr"/>
+                          <a:r>
+                            <a:rPr lang="en-US" dirty="0"/>
+                            <a:t>88</a:t>
+                          </a:r>
+                        </a:p>
+                      </a:txBody>
+                      <a:tcPr/>
+                    </a:tc>
+                    <a:extLst>
+                      <a:ext uri="{0D108BD9-81ED-4DB2-BD59-A6C34878D82A}">
+                        <a16:rowId xmlns:a16="http://schemas.microsoft.com/office/drawing/2014/main" val="419885695"/>
+                      </a:ext>
+                    </a:extLst>
+                  </a:tr>
+                  <a:tr h="365760">
+                    <a:tc>
+                      <a:txBody>
+                        <a:bodyPr/>
+                        <a:lstStyle/>
+                        <a:p>
+                          <a:pPr algn="ctr"/>
+                          <a:r>
+                            <a:rPr lang="en-US" dirty="0"/>
+                            <a:t>88</a:t>
+                          </a:r>
+                        </a:p>
+                      </a:txBody>
+                      <a:tcPr/>
+                    </a:tc>
+                    <a:tc>
+                      <a:txBody>
+                        <a:bodyPr/>
+                        <a:lstStyle/>
+                        <a:p>
+                          <a:pPr algn="ctr"/>
+                          <a:r>
+                            <a:rPr lang="en-US" dirty="0"/>
+                            <a:t>77</a:t>
+                          </a:r>
+                        </a:p>
+                      </a:txBody>
+                      <a:tcPr/>
+                    </a:tc>
+                    <a:tc>
+                      <a:txBody>
+                        <a:bodyPr/>
+                        <a:lstStyle/>
+                        <a:p>
+                          <a:pPr algn="ctr"/>
+                          <a:r>
+                            <a:rPr lang="en-US" dirty="0"/>
+                            <a:t>96</a:t>
+                          </a:r>
+                        </a:p>
+                      </a:txBody>
+                      <a:tcPr/>
+                    </a:tc>
+                    <a:extLst>
+                      <a:ext uri="{0D108BD9-81ED-4DB2-BD59-A6C34878D82A}">
+                        <a16:rowId xmlns:a16="http://schemas.microsoft.com/office/drawing/2014/main" val="1285820856"/>
+                      </a:ext>
+                    </a:extLst>
+                  </a:tr>
+                  <a:tr h="365760">
+                    <a:tc>
+                      <a:txBody>
+                        <a:bodyPr/>
+                        <a:lstStyle/>
+                        <a:p>
+                          <a:pPr algn="ctr"/>
+                          <a:r>
+                            <a:rPr lang="en-US" dirty="0"/>
+                            <a:t>76</a:t>
+                          </a:r>
+                        </a:p>
+                      </a:txBody>
+                      <a:tcPr/>
+                    </a:tc>
+                    <a:tc>
+                      <a:txBody>
+                        <a:bodyPr/>
+                        <a:lstStyle/>
+                        <a:p>
+                          <a:pPr algn="ctr"/>
+                          <a:r>
+                            <a:rPr lang="en-US" dirty="0"/>
+                            <a:t>80</a:t>
+                          </a:r>
+                        </a:p>
+                      </a:txBody>
+                      <a:tcPr/>
+                    </a:tc>
+                    <a:tc>
+                      <a:txBody>
+                        <a:bodyPr/>
+                        <a:lstStyle/>
+                        <a:p>
+                          <a:pPr algn="ctr"/>
+                          <a:r>
+                            <a:rPr lang="en-US" dirty="0"/>
+                            <a:t>90</a:t>
+                          </a:r>
+                        </a:p>
+                      </a:txBody>
+                      <a:tcPr/>
+                    </a:tc>
+                    <a:extLst>
+                      <a:ext uri="{0D108BD9-81ED-4DB2-BD59-A6C34878D82A}">
+                        <a16:rowId xmlns:a16="http://schemas.microsoft.com/office/drawing/2014/main" val="1393781780"/>
+                      </a:ext>
+                    </a:extLst>
+                  </a:tr>
+                  <a:tr h="365760">
+                    <a:tc>
+                      <a:txBody>
+                        <a:bodyPr/>
+                        <a:lstStyle/>
+                        <a:p>
+                          <a:pPr algn="ctr"/>
+                          <a:r>
+                            <a:rPr lang="en-US" dirty="0"/>
+                            <a:t>92</a:t>
+                          </a:r>
+                        </a:p>
+                      </a:txBody>
+                      <a:tcPr/>
+                    </a:tc>
+                    <a:tc>
+                      <a:txBody>
+                        <a:bodyPr/>
+                        <a:lstStyle/>
+                        <a:p>
+                          <a:pPr algn="ctr"/>
+                          <a:r>
+                            <a:rPr lang="en-US" dirty="0"/>
+                            <a:t>83</a:t>
+                          </a:r>
+                        </a:p>
+                      </a:txBody>
+                      <a:tcPr/>
+                    </a:tc>
+                    <a:tc>
+                      <a:txBody>
+                        <a:bodyPr/>
+                        <a:lstStyle/>
+                        <a:p>
+                          <a:pPr algn="ctr"/>
+                          <a:r>
+                            <a:rPr lang="en-US" dirty="0"/>
+                            <a:t>89</a:t>
+                          </a:r>
+                        </a:p>
+                      </a:txBody>
+                      <a:tcPr/>
+                    </a:tc>
+                    <a:extLst>
+                      <a:ext uri="{0D108BD9-81ED-4DB2-BD59-A6C34878D82A}">
+                        <a16:rowId xmlns:a16="http://schemas.microsoft.com/office/drawing/2014/main" val="113027551"/>
+                      </a:ext>
+                    </a:extLst>
+                  </a:tr>
+                  <a:tr h="365760">
+                    <a:tc>
+                      <a:txBody>
+                        <a:bodyPr/>
+                        <a:lstStyle/>
+                        <a:p>
+                          <a:pPr algn="ctr"/>
+                          <a:r>
+                            <a:rPr lang="en-US" dirty="0"/>
+                            <a:t>89</a:t>
+                          </a:r>
+                        </a:p>
+                      </a:txBody>
+                      <a:tcPr/>
+                    </a:tc>
+                    <a:tc>
+                      <a:txBody>
+                        <a:bodyPr/>
+                        <a:lstStyle/>
+                        <a:p>
+                          <a:pPr algn="ctr"/>
+                          <a:r>
+                            <a:rPr lang="en-US" dirty="0"/>
+                            <a:t>78</a:t>
+                          </a:r>
+                        </a:p>
+                      </a:txBody>
+                      <a:tcPr/>
+                    </a:tc>
+                    <a:tc>
+                      <a:txBody>
+                        <a:bodyPr/>
+                        <a:lstStyle/>
+                        <a:p>
+                          <a:pPr algn="ctr"/>
+                          <a:r>
+                            <a:rPr lang="en-US" dirty="0"/>
+                            <a:t>91</a:t>
+                          </a:r>
+                        </a:p>
+                      </a:txBody>
+                      <a:tcPr/>
+                    </a:tc>
+                    <a:extLst>
+                      <a:ext uri="{0D108BD9-81ED-4DB2-BD59-A6C34878D82A}">
+                        <a16:rowId xmlns:a16="http://schemas.microsoft.com/office/drawing/2014/main" val="1717241140"/>
+                      </a:ext>
+                    </a:extLst>
+                  </a:tr>
+                  <a:tr h="365760">
+                    <a:tc>
+                      <a:txBody>
+                        <a:bodyPr/>
+                        <a:lstStyle/>
+                        <a:p>
+                          <a:pPr algn="ctr"/>
+                          <a:r>
+                            <a:rPr lang="en-US" dirty="0"/>
+                            <a:t>81</a:t>
+                          </a:r>
+                        </a:p>
+                      </a:txBody>
+                      <a:tcPr/>
+                    </a:tc>
+                    <a:tc>
+                      <a:txBody>
+                        <a:bodyPr/>
+                        <a:lstStyle/>
+                        <a:p>
+                          <a:pPr algn="ctr"/>
+                          <a:r>
+                            <a:rPr lang="en-US" dirty="0"/>
+                            <a:t>76</a:t>
+                          </a:r>
+                        </a:p>
+                      </a:txBody>
+                      <a:tcPr/>
+                    </a:tc>
+                    <a:tc>
+                      <a:txBody>
+                        <a:bodyPr/>
+                        <a:lstStyle/>
+                        <a:p>
+                          <a:pPr algn="ctr"/>
+                          <a:r>
+                            <a:rPr lang="en-US" dirty="0"/>
+                            <a:t>93</a:t>
+                          </a:r>
+                        </a:p>
+                      </a:txBody>
+                      <a:tcPr/>
+                    </a:tc>
+                    <a:extLst>
+                      <a:ext uri="{0D108BD9-81ED-4DB2-BD59-A6C34878D82A}">
+                        <a16:rowId xmlns:a16="http://schemas.microsoft.com/office/drawing/2014/main" val="1886857676"/>
+                      </a:ext>
+                    </a:extLst>
+                  </a:tr>
+                  <a:tr h="365760">
+                    <a:tc>
+                      <a:txBody>
+                        <a:bodyPr/>
+                        <a:lstStyle/>
+                        <a:p>
+                          <a:pPr algn="ctr"/>
+                          <a:r>
+                            <a:rPr lang="en-US" dirty="0"/>
+                            <a:t>84</a:t>
+                          </a:r>
+                        </a:p>
+                      </a:txBody>
+                      <a:tcPr/>
+                    </a:tc>
+                    <a:tc>
+                      <a:txBody>
+                        <a:bodyPr/>
+                        <a:lstStyle/>
+                        <a:p>
+                          <a:pPr algn="ctr"/>
+                          <a:r>
+                            <a:rPr lang="en-US" dirty="0"/>
+                            <a:t>81</a:t>
+                          </a:r>
+                        </a:p>
+                      </a:txBody>
+                      <a:tcPr/>
+                    </a:tc>
+                    <a:tc>
+                      <a:txBody>
+                        <a:bodyPr/>
+                        <a:lstStyle/>
+                        <a:p>
+                          <a:pPr algn="ctr"/>
+                          <a:r>
+                            <a:rPr lang="en-US" dirty="0"/>
+                            <a:t>95</a:t>
+                          </a:r>
+                        </a:p>
+                      </a:txBody>
+                      <a:tcPr/>
+                    </a:tc>
+                    <a:extLst>
+                      <a:ext uri="{0D108BD9-81ED-4DB2-BD59-A6C34878D82A}">
+                        <a16:rowId xmlns:a16="http://schemas.microsoft.com/office/drawing/2014/main" val="2306947748"/>
+                      </a:ext>
+                    </a:extLst>
+                  </a:tr>
+                  <a:tr h="365760">
+                    <a:tc>
+                      <a:txBody>
+                        <a:bodyPr/>
+                        <a:lstStyle/>
+                        <a:p>
+                          <a:pPr algn="ctr"/>
+                          <a:r>
+                            <a:rPr lang="en-US" dirty="0"/>
+                            <a:t>87</a:t>
+                          </a:r>
+                        </a:p>
+                      </a:txBody>
+                      <a:tcPr/>
+                    </a:tc>
+                    <a:tc>
+                      <a:txBody>
+                        <a:bodyPr/>
+                        <a:lstStyle/>
+                        <a:p>
+                          <a:pPr algn="ctr"/>
+                          <a:r>
+                            <a:rPr lang="en-US" dirty="0"/>
+                            <a:t>74</a:t>
+                          </a:r>
+                        </a:p>
+                      </a:txBody>
+                      <a:tcPr/>
+                    </a:tc>
+                    <a:tc>
+                      <a:txBody>
+                        <a:bodyPr/>
+                        <a:lstStyle/>
+                        <a:p>
+                          <a:pPr algn="ctr"/>
+                          <a:r>
+                            <a:rPr lang="en-US" dirty="0"/>
+                            <a:t>87</a:t>
+                          </a:r>
+                        </a:p>
+                      </a:txBody>
+                      <a:tcPr/>
+                    </a:tc>
+                    <a:extLst>
+                      <a:ext uri="{0D108BD9-81ED-4DB2-BD59-A6C34878D82A}">
+                        <a16:rowId xmlns:a16="http://schemas.microsoft.com/office/drawing/2014/main" val="441711329"/>
+                      </a:ext>
+                    </a:extLst>
+                  </a:tr>
+                  <a:tr h="650177">
+                    <a:tc>
+                      <a:txBody>
+                        <a:bodyPr/>
+                        <a:lstStyle/>
+                        <a:p>
+                          <a:endParaRPr lang="en-US"/>
+                        </a:p>
+                      </a:txBody>
+                      <a:tcPr>
+                        <a:blipFill>
+                          <a:blip r:embed="rId3"/>
+                          <a:stretch>
+                            <a:fillRect l="-524" t="-651402" r="-203141" b="-2804"/>
+                          </a:stretch>
+                        </a:blipFill>
+                      </a:tcPr>
+                    </a:tc>
+                    <a:tc>
+                      <a:txBody>
+                        <a:bodyPr/>
+                        <a:lstStyle/>
+                        <a:p>
+                          <a:endParaRPr lang="en-US"/>
+                        </a:p>
+                      </a:txBody>
+                      <a:tcPr>
+                        <a:blipFill>
+                          <a:blip r:embed="rId3"/>
+                          <a:stretch>
+                            <a:fillRect l="-100000" t="-651402" r="-102083" b="-2804"/>
+                          </a:stretch>
+                        </a:blipFill>
+                      </a:tcPr>
+                    </a:tc>
+                    <a:tc>
+                      <a:txBody>
+                        <a:bodyPr/>
+                        <a:lstStyle/>
+                        <a:p>
+                          <a:endParaRPr lang="en-US"/>
+                        </a:p>
+                      </a:txBody>
+                      <a:tcPr>
+                        <a:blipFill>
+                          <a:blip r:embed="rId3"/>
+                          <a:stretch>
+                            <a:fillRect l="-201047" t="-651402" r="-2618" b="-2804"/>
+                          </a:stretch>
+                        </a:blipFill>
+                      </a:tcPr>
+                    </a:tc>
+                    <a:extLst>
+                      <a:ext uri="{0D108BD9-81ED-4DB2-BD59-A6C34878D82A}">
+                        <a16:rowId xmlns:a16="http://schemas.microsoft.com/office/drawing/2014/main" val="265463276"/>
+                      </a:ext>
+                    </a:extLst>
+                  </a:tr>
+                </a:tbl>
+              </a:graphicData>
+            </a:graphic>
+          </p:graphicFrame>
+        </mc:Fallback>
+      </mc:AlternateContent>
+    </p:spTree>
+    <p:extLst>
+      <p:ext uri="{BB962C8B-B14F-4D97-AF65-F5344CB8AC3E}">
+        <p14:creationId xmlns:p14="http://schemas.microsoft.com/office/powerpoint/2010/main" val="406374831"/>
+      </p:ext>
+    </p:extLst>
+  </p:cSld>
+  <p:clrMapOvr>
+    <a:masterClrMapping/>
+  </p:clrMapOvr>
+</p:sld>
+</file>
+
+<file path=ppt/slides/slide18.xml><?xml version="1.0" encoding="utf-8"?>
+<p:sld xmlns:a="http://schemas.openxmlformats.org/drawingml/2006/main" xmlns:r="http://schemas.openxmlformats.org/officeDocument/2006/relationships" xmlns:p="http://schemas.openxmlformats.org/presentationml/2006/main">
+  <p:cSld>
+    <p:spTree>
+      <p:nvGrpSpPr>
+        <p:cNvPr id="1" name=""/>
+        <p:cNvGrpSpPr/>
+        <p:nvPr/>
+      </p:nvGrpSpPr>
+      <p:grpSpPr>
+        <a:xfrm>
+          <a:off x="0" y="0"/>
+          <a:ext cx="0" cy="0"/>
+          <a:chOff x="0" y="0"/>
+          <a:chExt cx="0" cy="0"/>
+        </a:xfrm>
+      </p:grpSpPr>
+      <p:sp>
+        <p:nvSpPr>
+          <p:cNvPr id="2" name="Title 1">
+            <a:extLst>
+              <a:ext uri="{FF2B5EF4-FFF2-40B4-BE49-F238E27FC236}">
+                <a16:creationId xmlns:a16="http://schemas.microsoft.com/office/drawing/2014/main" id="{8F1E1590-026C-46EB-B004-5C4A6FF9302D}"/>
+              </a:ext>
+            </a:extLst>
+          </p:cNvPr>
+          <p:cNvSpPr>
+            <a:spLocks noGrp="1"/>
+          </p:cNvSpPr>
+          <p:nvPr>
+            <p:ph type="title"/>
+          </p:nvPr>
+        </p:nvSpPr>
+        <p:spPr/>
+        <p:txBody>
+          <a:bodyPr/>
+          <a:lstStyle/>
+          <a:p>
+            <a:r>
+              <a:rPr lang="en-US" dirty="0"/>
+              <a:t>Test</a:t>
+            </a:r>
+          </a:p>
+        </p:txBody>
+      </p:sp>
+      <mc:AlternateContent xmlns:mc="http://schemas.openxmlformats.org/markup-compatibility/2006">
+        <mc:Choice xmlns:a14="http://schemas.microsoft.com/office/drawing/2010/main" Requires="a14">
+          <p:sp>
+            <p:nvSpPr>
+              <p:cNvPr id="3" name="Content Placeholder 2">
+                <a:extLst>
+                  <a:ext uri="{FF2B5EF4-FFF2-40B4-BE49-F238E27FC236}">
+                    <a16:creationId xmlns:a16="http://schemas.microsoft.com/office/drawing/2014/main" id="{1286958B-21EE-40B4-B72E-B18A8AC4D357}"/>
+                  </a:ext>
+                </a:extLst>
+              </p:cNvPr>
+              <p:cNvSpPr>
+                <a:spLocks noGrp="1"/>
+              </p:cNvSpPr>
+              <p:nvPr>
+                <p:ph sz="half" idx="1"/>
+              </p:nvPr>
+            </p:nvSpPr>
+            <p:spPr/>
+            <p:txBody>
+              <a:bodyPr>
+                <a:normAutofit fontScale="85000" lnSpcReduction="10000"/>
+              </a:bodyPr>
+              <a:lstStyle/>
+              <a:p>
+                <a:r>
+                  <a:rPr lang="en-US" dirty="0"/>
+                  <a:t>ANOVA = </a:t>
+                </a:r>
+                <a14:m>
+                  <m:oMath xmlns:m="http://schemas.openxmlformats.org/officeDocument/2006/math">
+                    <m:f>
+                      <m:fPr>
+                        <m:ctrlPr>
+                          <a:rPr lang="en-US" i="1" smtClean="0">
+                            <a:latin typeface="Cambria Math" panose="02040503050406030204" pitchFamily="18" charset="0"/>
+                          </a:rPr>
+                        </m:ctrlPr>
+                      </m:fPr>
+                      <m:num>
+                        <m:r>
+                          <a:rPr lang="en-US" b="0" i="1" smtClean="0">
+                            <a:latin typeface="Cambria Math" panose="02040503050406030204" pitchFamily="18" charset="0"/>
+                          </a:rPr>
+                          <m:t>𝑆𝑆𝐵</m:t>
+                        </m:r>
+                      </m:num>
+                      <m:den>
+                        <m:r>
+                          <a:rPr lang="en-US" b="0" i="1" smtClean="0">
+                            <a:latin typeface="Cambria Math" panose="02040503050406030204" pitchFamily="18" charset="0"/>
+                          </a:rPr>
+                          <m:t>𝑆𝑆𝑊</m:t>
+                        </m:r>
+                      </m:den>
+                    </m:f>
+                    <m:r>
+                      <a:rPr lang="en-US" b="0" i="1" smtClean="0">
+                        <a:latin typeface="Cambria Math" panose="02040503050406030204" pitchFamily="18" charset="0"/>
+                      </a:rPr>
+                      <m:t>= </m:t>
+                    </m:r>
+                  </m:oMath>
+                </a14:m>
+                <a:r>
+                  <a:rPr lang="en-US" dirty="0"/>
+                  <a:t> </a:t>
+                </a:r>
+                <a14:m>
+                  <m:oMath xmlns:m="http://schemas.openxmlformats.org/officeDocument/2006/math">
+                    <m:f>
+                      <m:fPr>
+                        <m:ctrlPr>
+                          <a:rPr lang="en-US" i="1" dirty="0" smtClean="0">
+                            <a:latin typeface="Cambria Math" panose="02040503050406030204" pitchFamily="18" charset="0"/>
+                          </a:rPr>
+                        </m:ctrlPr>
+                      </m:fPr>
+                      <m:num>
+                        <m:r>
+                          <a:rPr lang="en-US" b="0" i="1" dirty="0" smtClean="0">
+                            <a:latin typeface="Cambria Math" panose="02040503050406030204" pitchFamily="18" charset="0"/>
+                          </a:rPr>
+                          <m:t>720.2</m:t>
+                        </m:r>
+                      </m:num>
+                      <m:den>
+                        <m:r>
+                          <a:rPr lang="en-US" b="0" i="1" dirty="0" smtClean="0">
+                            <a:latin typeface="Cambria Math" panose="02040503050406030204" pitchFamily="18" charset="0"/>
+                          </a:rPr>
+                          <m:t>293</m:t>
+                        </m:r>
+                      </m:den>
+                    </m:f>
+                  </m:oMath>
+                </a14:m>
+                <a:r>
+                  <a:rPr lang="en-US" dirty="0"/>
+                  <a:t> = 2.457 </a:t>
+                </a:r>
+              </a:p>
+              <a:p>
+                <a:r>
+                  <a:rPr lang="en-US" dirty="0"/>
+                  <a:t>So ANOVA&gt;1  then Reject to null hypothesis </a:t>
+                </a:r>
+              </a:p>
+              <a:p>
+                <a:r>
+                  <a:rPr lang="en-US" dirty="0"/>
+                  <a:t>MSB = 360.1 and MSW = 10.85</a:t>
+                </a:r>
+              </a:p>
+              <a:p>
+                <a:r>
+                  <a:rPr lang="en-US" dirty="0"/>
+                  <a:t>F-stat = </a:t>
+                </a:r>
+                <a14:m>
+                  <m:oMath xmlns:m="http://schemas.openxmlformats.org/officeDocument/2006/math">
+                    <m:f>
+                      <m:fPr>
+                        <m:ctrlPr>
+                          <a:rPr lang="en-US" i="1" smtClean="0">
+                            <a:latin typeface="Cambria Math" panose="02040503050406030204" pitchFamily="18" charset="0"/>
+                          </a:rPr>
+                        </m:ctrlPr>
+                      </m:fPr>
+                      <m:num>
+                        <m:r>
+                          <a:rPr lang="en-US" b="0" i="1" smtClean="0">
+                            <a:latin typeface="Cambria Math" panose="02040503050406030204" pitchFamily="18" charset="0"/>
+                          </a:rPr>
+                          <m:t>𝑀𝑆𝐵</m:t>
+                        </m:r>
+                      </m:num>
+                      <m:den>
+                        <m:r>
+                          <a:rPr lang="en-US" b="0" i="1" smtClean="0">
+                            <a:latin typeface="Cambria Math" panose="02040503050406030204" pitchFamily="18" charset="0"/>
+                          </a:rPr>
+                          <m:t>𝑀𝑆𝑊</m:t>
+                        </m:r>
+                      </m:den>
+                    </m:f>
+                  </m:oMath>
+                </a14:m>
+                <a:r>
+                  <a:rPr lang="en-US" dirty="0"/>
+                  <a:t> = </a:t>
+                </a:r>
+                <a14:m>
+                  <m:oMath xmlns:m="http://schemas.openxmlformats.org/officeDocument/2006/math">
+                    <m:f>
+                      <m:fPr>
+                        <m:ctrlPr>
+                          <a:rPr lang="en-US" i="1" smtClean="0">
+                            <a:latin typeface="Cambria Math" panose="02040503050406030204" pitchFamily="18" charset="0"/>
+                          </a:rPr>
+                        </m:ctrlPr>
+                      </m:fPr>
+                      <m:num>
+                        <m:r>
+                          <a:rPr lang="en-US" b="0" i="1" smtClean="0">
+                            <a:latin typeface="Cambria Math" panose="02040503050406030204" pitchFamily="18" charset="0"/>
+                          </a:rPr>
+                          <m:t>360.1</m:t>
+                        </m:r>
+                      </m:num>
+                      <m:den>
+                        <m:r>
+                          <a:rPr lang="en-US" b="0" i="1" smtClean="0">
+                            <a:latin typeface="Cambria Math" panose="02040503050406030204" pitchFamily="18" charset="0"/>
+                          </a:rPr>
+                          <m:t>10.85</m:t>
+                        </m:r>
+                      </m:den>
+                    </m:f>
+                  </m:oMath>
+                </a14:m>
+                <a:r>
+                  <a:rPr lang="en-US" dirty="0"/>
+                  <a:t> = 33.18</a:t>
+                </a:r>
+              </a:p>
+              <a:p>
+                <a:r>
+                  <a:rPr lang="en-US" dirty="0"/>
+                  <a:t>F-Critical when </a:t>
+                </a:r>
+                <a:r>
+                  <a:rPr lang="el-GR" sz="1800" dirty="0">
+                    <a:latin typeface="Times New Roman" panose="02020603050405020304" pitchFamily="18" charset="0"/>
+                    <a:cs typeface="Times New Roman" panose="02020603050405020304" pitchFamily="18" charset="0"/>
+                  </a:rPr>
+                  <a:t>α</a:t>
+                </a:r>
+                <a:r>
+                  <a:rPr lang="en-US" sz="1800" dirty="0">
+                    <a:latin typeface="Times New Roman" panose="02020603050405020304" pitchFamily="18" charset="0"/>
+                    <a:cs typeface="Times New Roman" panose="02020603050405020304" pitchFamily="18" charset="0"/>
+                  </a:rPr>
+                  <a:t> is 0.05 and </a:t>
+                </a:r>
+                <a:r>
+                  <a:rPr lang="en-US" sz="1800" dirty="0" err="1">
+                    <a:latin typeface="Times New Roman" panose="02020603050405020304" pitchFamily="18" charset="0"/>
+                    <a:cs typeface="Times New Roman" panose="02020603050405020304" pitchFamily="18" charset="0"/>
+                  </a:rPr>
+                  <a:t>numeratorDF</a:t>
+                </a:r>
+                <a:r>
+                  <a:rPr lang="en-US" sz="1800" dirty="0">
+                    <a:latin typeface="Times New Roman" panose="02020603050405020304" pitchFamily="18" charset="0"/>
+                    <a:cs typeface="Times New Roman" panose="02020603050405020304" pitchFamily="18" charset="0"/>
+                  </a:rPr>
+                  <a:t> = 3-1 = 2 and </a:t>
+                </a:r>
+                <a:r>
+                  <a:rPr lang="en-US" sz="1800" dirty="0" err="1">
+                    <a:latin typeface="Times New Roman" panose="02020603050405020304" pitchFamily="18" charset="0"/>
+                    <a:cs typeface="Times New Roman" panose="02020603050405020304" pitchFamily="18" charset="0"/>
+                  </a:rPr>
+                  <a:t>denominatorDF</a:t>
+                </a:r>
+                <a:r>
+                  <a:rPr lang="en-US" dirty="0">
+                    <a:latin typeface="Times New Roman" panose="02020603050405020304" pitchFamily="18" charset="0"/>
+                    <a:cs typeface="Times New Roman" panose="02020603050405020304" pitchFamily="18" charset="0"/>
+                  </a:rPr>
+                  <a:t>  = 30-3 = 27</a:t>
+                </a:r>
+              </a:p>
+              <a:p>
+                <a:r>
+                  <a:rPr lang="en-US" sz="1800" dirty="0">
+                    <a:latin typeface="Times New Roman" panose="02020603050405020304" pitchFamily="18" charset="0"/>
+                    <a:cs typeface="Times New Roman" panose="02020603050405020304" pitchFamily="18" charset="0"/>
+                  </a:rPr>
+                  <a:t>From table F-critical = 3.35 </a:t>
+                </a:r>
+              </a:p>
+              <a:p>
+                <a:r>
+                  <a:rPr lang="en-US" sz="1800" dirty="0">
+                    <a:latin typeface="Times New Roman" panose="02020603050405020304" pitchFamily="18" charset="0"/>
+                    <a:cs typeface="Times New Roman" panose="02020603050405020304" pitchFamily="18" charset="0"/>
+                  </a:rPr>
+                  <a:t>F-stat&gt;F-critical then reject to null hypothesis </a:t>
+                </a:r>
+              </a:p>
+              <a:p>
+                <a:r>
+                  <a:rPr lang="en-US" dirty="0">
+                    <a:latin typeface="Times New Roman" panose="02020603050405020304" pitchFamily="18" charset="0"/>
+                    <a:cs typeface="Times New Roman" panose="02020603050405020304" pitchFamily="18" charset="0"/>
+                  </a:rPr>
+                  <a:t>We notice that f-ratio is f-stat and it’s big value so mean of  three groups are not equal. </a:t>
+                </a:r>
+                <a:endParaRPr lang="en-US" sz="1800" dirty="0">
+                  <a:latin typeface="Times New Roman" panose="02020603050405020304" pitchFamily="18" charset="0"/>
+                  <a:cs typeface="Times New Roman" panose="02020603050405020304" pitchFamily="18" charset="0"/>
+                </a:endParaRPr>
+              </a:p>
+              <a:p>
+                <a:endParaRPr lang="en-US" dirty="0"/>
+              </a:p>
+            </p:txBody>
+          </p:sp>
+        </mc:Choice>
+        <mc:Fallback>
+          <p:sp>
+            <p:nvSpPr>
+              <p:cNvPr id="3" name="Content Placeholder 2">
+                <a:extLst>
+                  <a:ext uri="{FF2B5EF4-FFF2-40B4-BE49-F238E27FC236}">
+                    <a16:creationId xmlns:a16="http://schemas.microsoft.com/office/drawing/2014/main" id="{1286958B-21EE-40B4-B72E-B18A8AC4D357}"/>
+                  </a:ext>
+                </a:extLst>
+              </p:cNvPr>
+              <p:cNvSpPr>
+                <a:spLocks noGrp="1" noRot="1" noChangeAspect="1" noMove="1" noResize="1" noEditPoints="1" noAdjustHandles="1" noChangeArrowheads="1" noChangeShapeType="1" noTextEdit="1"/>
+              </p:cNvSpPr>
+              <p:nvPr>
+                <p:ph sz="half" idx="1"/>
+              </p:nvPr>
+            </p:nvSpPr>
+            <p:spPr>
+              <a:blipFill>
+                <a:blip r:embed="rId2"/>
+                <a:stretch>
+                  <a:fillRect l="-392" r="-1307"/>
+                </a:stretch>
+              </a:blipFill>
+            </p:spPr>
+            <p:txBody>
+              <a:bodyPr/>
+              <a:lstStyle/>
+              <a:p>
+                <a:r>
+                  <a:rPr lang="en-US">
+                    <a:noFill/>
+                  </a:rPr>
+                  <a:t> </a:t>
+                </a:r>
+              </a:p>
+            </p:txBody>
+          </p:sp>
+        </mc:Fallback>
+      </mc:AlternateContent>
+      <p:pic>
+        <p:nvPicPr>
+          <p:cNvPr id="6" name="Content Placeholder 5">
+            <a:extLst>
+              <a:ext uri="{FF2B5EF4-FFF2-40B4-BE49-F238E27FC236}">
+                <a16:creationId xmlns:a16="http://schemas.microsoft.com/office/drawing/2014/main" id="{1C16C485-066C-4639-8924-119A74DFEEAC}"/>
+              </a:ext>
+            </a:extLst>
+          </p:cNvPr>
+          <p:cNvPicPr>
+            <a:picLocks noGrp="1" noChangeAspect="1"/>
+          </p:cNvPicPr>
+          <p:nvPr>
+            <p:ph sz="half" idx="2"/>
+          </p:nvPr>
+        </p:nvPicPr>
+        <p:blipFill>
+          <a:blip r:embed="rId3"/>
+          <a:stretch>
+            <a:fillRect/>
+          </a:stretch>
+        </p:blipFill>
+        <p:spPr>
+          <a:xfrm>
+            <a:off x="6714071" y="2103438"/>
+            <a:ext cx="4158182" cy="3748087"/>
+          </a:xfrm>
+        </p:spPr>
+      </p:pic>
+    </p:spTree>
+    <p:extLst>
+      <p:ext uri="{BB962C8B-B14F-4D97-AF65-F5344CB8AC3E}">
+        <p14:creationId xmlns:p14="http://schemas.microsoft.com/office/powerpoint/2010/main" val="3744739582"/>
+      </p:ext>
+    </p:extLst>
+  </p:cSld>
+  <p:clrMapOvr>
+    <a:masterClrMapping/>
+  </p:clrMapOvr>
+</p:sld>
+</file>
+
+<file path=ppt/slides/slide19.xml><?xml version="1.0" encoding="utf-8"?>
+<p:sld xmlns:a="http://schemas.openxmlformats.org/drawingml/2006/main" xmlns:r="http://schemas.openxmlformats.org/officeDocument/2006/relationships" xmlns:p="http://schemas.openxmlformats.org/presentationml/2006/main">
+  <p:cSld>
+    <p:spTree>
+      <p:nvGrpSpPr>
+        <p:cNvPr id="1" name=""/>
+        <p:cNvGrpSpPr/>
+        <p:nvPr/>
+      </p:nvGrpSpPr>
+      <p:grpSpPr>
+        <a:xfrm>
+          <a:off x="0" y="0"/>
+          <a:ext cx="0" cy="0"/>
+          <a:chOff x="0" y="0"/>
+          <a:chExt cx="0" cy="0"/>
+        </a:xfrm>
+      </p:grpSpPr>
+      <p:sp>
+        <p:nvSpPr>
+          <p:cNvPr id="2" name="Title 1">
+            <a:extLst>
+              <a:ext uri="{FF2B5EF4-FFF2-40B4-BE49-F238E27FC236}">
+                <a16:creationId xmlns:a16="http://schemas.microsoft.com/office/drawing/2014/main" id="{4E3C6362-FF08-4633-933E-ECA5AEEC5AB5}"/>
+              </a:ext>
+            </a:extLst>
+          </p:cNvPr>
+          <p:cNvSpPr>
+            <a:spLocks noGrp="1"/>
+          </p:cNvSpPr>
+          <p:nvPr>
+            <p:ph type="title"/>
+          </p:nvPr>
+        </p:nvSpPr>
+        <p:spPr/>
+        <p:txBody>
+          <a:bodyPr/>
+          <a:lstStyle/>
+          <a:p>
+            <a:r>
+              <a:rPr lang="en-US" dirty="0"/>
+              <a:t>P-value</a:t>
+            </a:r>
+          </a:p>
+        </p:txBody>
+      </p:sp>
+      <p:sp>
+        <p:nvSpPr>
+          <p:cNvPr id="3" name="Content Placeholder 2">
+            <a:extLst>
+              <a:ext uri="{FF2B5EF4-FFF2-40B4-BE49-F238E27FC236}">
+                <a16:creationId xmlns:a16="http://schemas.microsoft.com/office/drawing/2014/main" id="{1632B933-86DC-4067-AAF0-10FAF98B64B1}"/>
+              </a:ext>
+            </a:extLst>
+          </p:cNvPr>
+          <p:cNvSpPr>
+            <a:spLocks noGrp="1"/>
+          </p:cNvSpPr>
+          <p:nvPr>
+            <p:ph sz="half" idx="1"/>
+          </p:nvPr>
+        </p:nvSpPr>
+        <p:spPr>
+          <a:xfrm>
+            <a:off x="1066800" y="2103120"/>
+            <a:ext cx="4876800" cy="3749040"/>
+          </a:xfrm>
+        </p:spPr>
+        <p:txBody>
+          <a:bodyPr>
+            <a:normAutofit fontScale="92500"/>
+          </a:bodyPr>
+          <a:lstStyle/>
+          <a:p>
+            <a:r>
+              <a:rPr lang="en-US" sz="2000" dirty="0"/>
+              <a:t>The p-value is the probability of observing your data assuming the null hypothesis is true.</a:t>
+            </a:r>
+          </a:p>
+          <a:p>
+            <a:r>
+              <a:rPr lang="en-US" sz="2000" dirty="0"/>
+              <a:t>If p-value ≤α reject the null hypothesis (there is a significant effect)</a:t>
+            </a:r>
+          </a:p>
+          <a:p>
+            <a:r>
+              <a:rPr lang="en-US" sz="2000" dirty="0"/>
+              <a:t>If p-value&gt;α  fail to reject the null hypothesis (no significant effect).</a:t>
+            </a:r>
+          </a:p>
+          <a:p>
+            <a:r>
+              <a:rPr lang="en-US" sz="2000" dirty="0"/>
+              <a:t>P-value = P(F&gt;=F(Stat))  = 1- </a:t>
+            </a:r>
+            <a:r>
+              <a:rPr lang="el-GR" sz="2000" dirty="0">
+                <a:latin typeface="Times New Roman" panose="02020603050405020304" pitchFamily="18" charset="0"/>
+                <a:cs typeface="Times New Roman" panose="02020603050405020304" pitchFamily="18" charset="0"/>
+              </a:rPr>
+              <a:t>α</a:t>
+            </a:r>
+            <a:r>
+              <a:rPr lang="en-US" sz="2000" dirty="0">
+                <a:latin typeface="Times New Roman" panose="02020603050405020304" pitchFamily="18" charset="0"/>
+                <a:cs typeface="Times New Roman" panose="02020603050405020304" pitchFamily="18" charset="0"/>
+              </a:rPr>
+              <a:t>  = 1-CDF(F(stat), </a:t>
+            </a:r>
+            <a:r>
+              <a:rPr lang="en-US" sz="2000" dirty="0" err="1">
+                <a:latin typeface="Times New Roman" panose="02020603050405020304" pitchFamily="18" charset="0"/>
+                <a:cs typeface="Times New Roman" panose="02020603050405020304" pitchFamily="18" charset="0"/>
+              </a:rPr>
+              <a:t>numeratorDF</a:t>
+            </a:r>
+            <a:r>
+              <a:rPr lang="en-US" sz="2000" dirty="0">
+                <a:latin typeface="Times New Roman" panose="02020603050405020304" pitchFamily="18" charset="0"/>
+                <a:cs typeface="Times New Roman" panose="02020603050405020304" pitchFamily="18" charset="0"/>
+              </a:rPr>
+              <a:t>, </a:t>
+            </a:r>
+            <a:r>
+              <a:rPr lang="en-US" sz="2000" dirty="0" err="1">
+                <a:latin typeface="Times New Roman" panose="02020603050405020304" pitchFamily="18" charset="0"/>
+                <a:cs typeface="Times New Roman" panose="02020603050405020304" pitchFamily="18" charset="0"/>
+              </a:rPr>
+              <a:t>denominatorDF</a:t>
+            </a:r>
+            <a:r>
+              <a:rPr lang="en-US" sz="2000" dirty="0">
+                <a:latin typeface="Times New Roman" panose="02020603050405020304" pitchFamily="18" charset="0"/>
+                <a:cs typeface="Times New Roman" panose="02020603050405020304" pitchFamily="18" charset="0"/>
+              </a:rPr>
+              <a:t>))</a:t>
+            </a:r>
+            <a:endParaRPr lang="en-US" sz="2000" dirty="0"/>
+          </a:p>
+        </p:txBody>
+      </p:sp>
+      <p:sp>
+        <p:nvSpPr>
+          <p:cNvPr id="5" name="Content Placeholder 4">
+            <a:extLst>
+              <a:ext uri="{FF2B5EF4-FFF2-40B4-BE49-F238E27FC236}">
+                <a16:creationId xmlns:a16="http://schemas.microsoft.com/office/drawing/2014/main" id="{FDF6A01C-60C5-4625-96F7-C1D1093F69DC}"/>
               </a:ext>
             </a:extLst>
           </p:cNvPr>
@@ -7336,17 +12065,52 @@
         </p:nvSpPr>
         <p:spPr/>
         <p:txBody>
-          <a:bodyPr/>
+          <a:bodyPr>
+            <a:normAutofit fontScale="92500"/>
+          </a:bodyPr>
           <a:lstStyle/>
           <a:p>
-            <a:endParaRPr lang="en-US" dirty="0"/>
+            <a:r>
+              <a:rPr lang="en-US" dirty="0"/>
+              <a:t>Python code</a:t>
+            </a:r>
           </a:p>
         </p:txBody>
       </p:sp>
+      <p:pic>
+        <p:nvPicPr>
+          <p:cNvPr id="7" name="Picture 6">
+            <a:extLst>
+              <a:ext uri="{FF2B5EF4-FFF2-40B4-BE49-F238E27FC236}">
+                <a16:creationId xmlns:a16="http://schemas.microsoft.com/office/drawing/2014/main" id="{06D1BBB3-9EE3-41ED-87CB-E3904A6025E3}"/>
+              </a:ext>
+            </a:extLst>
+          </p:cNvPr>
+          <p:cNvPicPr>
+            <a:picLocks noChangeAspect="1"/>
+          </p:cNvPicPr>
+          <p:nvPr/>
+        </p:nvPicPr>
+        <p:blipFill>
+          <a:blip r:embed="rId2"/>
+          <a:stretch>
+            <a:fillRect/>
+          </a:stretch>
+        </p:blipFill>
+        <p:spPr>
+          <a:xfrm>
+            <a:off x="6461760" y="2596420"/>
+            <a:ext cx="5149518" cy="2982492"/>
+          </a:xfrm>
+          <a:prstGeom prst="rect">
+            <a:avLst/>
+          </a:prstGeom>
+        </p:spPr>
+      </p:pic>
     </p:spTree>
     <p:extLst>
       <p:ext uri="{BB962C8B-B14F-4D97-AF65-F5344CB8AC3E}">
-        <p14:creationId xmlns:p14="http://schemas.microsoft.com/office/powerpoint/2010/main" val="1785056246"/>
+        <p14:creationId xmlns:p14="http://schemas.microsoft.com/office/powerpoint/2010/main" val="4176736086"/>
       </p:ext>
     </p:extLst>
   </p:cSld>

--- a/Project.pptx
+++ b/Project.pptx
@@ -7206,7 +7206,7 @@
         <p:spPr/>
         <p:txBody>
           <a:bodyPr>
-            <a:normAutofit fontScale="92500" lnSpcReduction="20000"/>
+            <a:normAutofit fontScale="85000" lnSpcReduction="10000"/>
           </a:bodyPr>
           <a:lstStyle/>
           <a:p>
@@ -7246,7 +7246,7 @@
           <a:p>
             <a:r>
               <a:rPr lang="en-US" dirty="0"/>
-              <a:t>y-axis is these values.</a:t>
+              <a:t>Also there are difference between right and left and normal skewed</a:t>
             </a:r>
           </a:p>
           <a:p>
@@ -7256,10 +7256,10 @@
       </p:sp>
       <p:pic>
         <p:nvPicPr>
-          <p:cNvPr id="6" name="Content Placeholder 5">
+          <p:cNvPr id="8" name="Content Placeholder 7">
             <a:extLst>
               <a:ext uri="{FF2B5EF4-FFF2-40B4-BE49-F238E27FC236}">
-                <a16:creationId xmlns:a16="http://schemas.microsoft.com/office/drawing/2014/main" id="{AE635328-1FB0-4A91-8954-958A9EF4F4ED}"/>
+                <a16:creationId xmlns:a16="http://schemas.microsoft.com/office/drawing/2014/main" id="{8A913DC9-850B-4527-BE8B-7A0FA8D5664C}"/>
               </a:ext>
             </a:extLst>
           </p:cNvPr>
@@ -7278,8 +7278,8 @@
         </p:blipFill>
         <p:spPr>
           <a:xfrm>
-            <a:off x="6461125" y="2213505"/>
-            <a:ext cx="4664075" cy="3527953"/>
+            <a:off x="6461125" y="2204962"/>
+            <a:ext cx="4664075" cy="3545039"/>
           </a:xfrm>
         </p:spPr>
       </p:pic>
@@ -7771,8 +7771,8 @@
           </a:p>
         </p:txBody>
       </p:sp>
-      <mc:AlternateContent xmlns:mc="http://schemas.openxmlformats.org/markup-compatibility/2006">
-        <mc:Choice xmlns:a14="http://schemas.microsoft.com/office/drawing/2010/main" Requires="a14">
+      <mc:AlternateContent xmlns:mc="http://schemas.openxmlformats.org/markup-compatibility/2006" xmlns:a14="http://schemas.microsoft.com/office/drawing/2010/main">
+        <mc:Choice Requires="a14">
           <p:sp>
             <p:nvSpPr>
               <p:cNvPr id="3" name="Content Placeholder 2">
@@ -8392,7 +8392,7 @@
             </p:txBody>
           </p:sp>
         </mc:Choice>
-        <mc:Fallback>
+        <mc:Fallback xmlns="">
           <p:sp>
             <p:nvSpPr>
               <p:cNvPr id="3" name="Content Placeholder 2">
@@ -8490,8 +8490,8 @@
           </a:p>
         </p:txBody>
       </p:sp>
-      <mc:AlternateContent xmlns:mc="http://schemas.openxmlformats.org/markup-compatibility/2006">
-        <mc:Choice xmlns:a14="http://schemas.microsoft.com/office/drawing/2010/main" Requires="a14">
+      <mc:AlternateContent xmlns:mc="http://schemas.openxmlformats.org/markup-compatibility/2006" xmlns:a14="http://schemas.microsoft.com/office/drawing/2010/main">
+        <mc:Choice Requires="a14">
           <p:sp>
             <p:nvSpPr>
               <p:cNvPr id="3" name="Content Placeholder 2">
@@ -8753,13 +8753,7 @@
                       <a:rPr lang="en-US" sz="2000" b="0" i="1" smtClean="0">
                         <a:latin typeface="Cambria Math" panose="02040503050406030204" pitchFamily="18" charset="0"/>
                       </a:rPr>
-                      <m:t>−</m:t>
-                    </m:r>
-                    <m:r>
-                      <a:rPr lang="en-US" sz="2000" b="0" i="1" smtClean="0">
-                        <a:latin typeface="Cambria Math" panose="02040503050406030204" pitchFamily="18" charset="0"/>
-                      </a:rPr>
-                      <m:t>1</m:t>
+                      <m:t>−1</m:t>
                     </m:r>
                   </m:oMath>
                 </a14:m>
@@ -8839,7 +8833,7 @@
             </p:txBody>
           </p:sp>
         </mc:Choice>
-        <mc:Fallback>
+        <mc:Fallback xmlns="">
           <p:sp>
             <p:nvSpPr>
               <p:cNvPr id="3" name="Content Placeholder 2">
@@ -8879,8 +8873,8 @@
           </p:sp>
         </mc:Fallback>
       </mc:AlternateContent>
-      <mc:AlternateContent xmlns:mc="http://schemas.openxmlformats.org/markup-compatibility/2006">
-        <mc:Choice xmlns:a14="http://schemas.microsoft.com/office/drawing/2010/main" Requires="a14">
+      <mc:AlternateContent xmlns:mc="http://schemas.openxmlformats.org/markup-compatibility/2006" xmlns:a14="http://schemas.microsoft.com/office/drawing/2010/main">
+        <mc:Choice Requires="a14">
           <p:sp>
             <p:nvSpPr>
               <p:cNvPr id="4" name="Content Placeholder 3">
@@ -9008,19 +9002,7 @@
                           <a:rPr lang="en-US" b="0" i="1" smtClean="0">
                             <a:latin typeface="Cambria Math" panose="02040503050406030204" pitchFamily="18" charset="0"/>
                           </a:rPr>
-                          <m:t>−</m:t>
-                        </m:r>
-                        <m:r>
-                          <a:rPr lang="en-US" b="0" i="1" smtClean="0">
-                            <a:latin typeface="Cambria Math" panose="02040503050406030204" pitchFamily="18" charset="0"/>
-                          </a:rPr>
-                          <m:t>1</m:t>
-                        </m:r>
-                        <m:r>
-                          <a:rPr lang="en-US" b="0" i="1" smtClean="0">
-                            <a:latin typeface="Cambria Math" panose="02040503050406030204" pitchFamily="18" charset="0"/>
-                          </a:rPr>
-                          <m:t>)</m:t>
+                          <m:t>−1)</m:t>
                         </m:r>
                       </m:e>
                     </m:nary>
@@ -9034,7 +9016,7 @@
             </p:txBody>
           </p:sp>
         </mc:Choice>
-        <mc:Fallback>
+        <mc:Fallback xmlns="">
           <p:sp>
             <p:nvSpPr>
               <p:cNvPr id="4" name="Content Placeholder 3">
@@ -9162,8 +9144,8 @@
           </a:p>
         </p:txBody>
       </p:sp>
-      <mc:AlternateContent xmlns:mc="http://schemas.openxmlformats.org/markup-compatibility/2006">
-        <mc:Choice xmlns:a14="http://schemas.microsoft.com/office/drawing/2010/main" Requires="a14">
+      <mc:AlternateContent xmlns:mc="http://schemas.openxmlformats.org/markup-compatibility/2006" xmlns:a14="http://schemas.microsoft.com/office/drawing/2010/main">
+        <mc:Choice Requires="a14">
           <p:sp>
             <p:nvSpPr>
               <p:cNvPr id="5" name="Content Placeholder 4">
@@ -9385,7 +9367,7 @@
             </p:txBody>
           </p:sp>
         </mc:Choice>
-        <mc:Fallback>
+        <mc:Fallback xmlns="">
           <p:sp>
             <p:nvSpPr>
               <p:cNvPr id="5" name="Content Placeholder 4">
@@ -9483,8 +9465,8 @@
           </a:p>
         </p:txBody>
       </p:sp>
-      <mc:AlternateContent xmlns:mc="http://schemas.openxmlformats.org/markup-compatibility/2006">
-        <mc:Choice xmlns:a14="http://schemas.microsoft.com/office/drawing/2010/main" Requires="a14">
+      <mc:AlternateContent xmlns:mc="http://schemas.openxmlformats.org/markup-compatibility/2006" xmlns:a14="http://schemas.microsoft.com/office/drawing/2010/main">
+        <mc:Choice Requires="a14">
           <p:sp>
             <p:nvSpPr>
               <p:cNvPr id="4" name="Content Placeholder 3">
@@ -9668,31 +9650,7 @@
                             <a:rPr lang="en-US" b="0" i="1" smtClean="0">
                               <a:latin typeface="Cambria Math" panose="02040503050406030204" pitchFamily="18" charset="0"/>
                             </a:rPr>
-                            <m:t>805</m:t>
-                          </m:r>
-                          <m:r>
-                            <a:rPr lang="en-US" b="0" i="1" smtClean="0">
-                              <a:latin typeface="Cambria Math" panose="02040503050406030204" pitchFamily="18" charset="0"/>
-                            </a:rPr>
-                            <m:t>+</m:t>
-                          </m:r>
-                          <m:r>
-                            <a:rPr lang="en-US" b="0" i="1" smtClean="0">
-                              <a:latin typeface="Cambria Math" panose="02040503050406030204" pitchFamily="18" charset="0"/>
-                            </a:rPr>
-                            <m:t>785</m:t>
-                          </m:r>
-                          <m:r>
-                            <a:rPr lang="en-US" b="0" i="1" smtClean="0">
-                              <a:latin typeface="Cambria Math" panose="02040503050406030204" pitchFamily="18" charset="0"/>
-                            </a:rPr>
-                            <m:t>+</m:t>
-                          </m:r>
-                          <m:r>
-                            <a:rPr lang="en-US" b="0" i="1" smtClean="0">
-                              <a:latin typeface="Cambria Math" panose="02040503050406030204" pitchFamily="18" charset="0"/>
-                            </a:rPr>
-                            <m:t>905</m:t>
+                            <m:t>805+785+905</m:t>
                           </m:r>
                         </m:num>
                         <m:den>
@@ -9708,25 +9666,7 @@
                         <a:rPr lang="en-US" b="0" i="1" smtClean="0">
                           <a:latin typeface="Cambria Math" panose="02040503050406030204" pitchFamily="18" charset="0"/>
                         </a:rPr>
-                        <m:t>=</m:t>
-                      </m:r>
-                      <m:r>
-                        <a:rPr lang="en-US" b="0" i="1" smtClean="0">
-                          <a:latin typeface="Cambria Math" panose="02040503050406030204" pitchFamily="18" charset="0"/>
-                        </a:rPr>
-                        <m:t>84</m:t>
-                      </m:r>
-                      <m:r>
-                        <a:rPr lang="en-US" b="0" i="1" smtClean="0">
-                          <a:latin typeface="Cambria Math" panose="02040503050406030204" pitchFamily="18" charset="0"/>
-                        </a:rPr>
-                        <m:t>.</m:t>
-                      </m:r>
-                      <m:r>
-                        <a:rPr lang="en-US" b="0" i="1" smtClean="0">
-                          <a:latin typeface="Cambria Math" panose="02040503050406030204" pitchFamily="18" charset="0"/>
-                        </a:rPr>
-                        <m:t>67</m:t>
+                        <m:t>=84.67</m:t>
                       </m:r>
                     </m:oMath>
                   </m:oMathPara>
@@ -9754,14 +9694,7 @@
                             <m:nor/>
                           </m:rPr>
                           <a:rPr lang="en-US" dirty="0"/>
-                          <m:t>85-84.67</m:t>
-                        </m:r>
-                        <m:r>
-                          <m:rPr>
-                            <m:nor/>
-                          </m:rPr>
-                          <a:rPr lang="en-US" dirty="0"/>
-                          <m:t>)</m:t>
+                          <m:t>85−84.67)</m:t>
                         </m:r>
                       </m:e>
                       <m:sup>
@@ -9777,19 +9710,7 @@
                       <a:rPr lang="en-US" b="0" i="1" smtClean="0">
                         <a:latin typeface="Cambria Math" panose="02040503050406030204" pitchFamily="18" charset="0"/>
                       </a:rPr>
-                      <m:t>+</m:t>
-                    </m:r>
-                    <m:r>
-                      <a:rPr lang="en-US" b="0" i="1" smtClean="0">
-                        <a:latin typeface="Cambria Math" panose="02040503050406030204" pitchFamily="18" charset="0"/>
-                      </a:rPr>
-                      <m:t>10</m:t>
-                    </m:r>
-                    <m:r>
-                      <a:rPr lang="en-US" b="0" i="1" smtClean="0">
-                        <a:latin typeface="Cambria Math" panose="02040503050406030204" pitchFamily="18" charset="0"/>
-                      </a:rPr>
-                      <m:t>∗(</m:t>
+                      <m:t>+10∗(</m:t>
                     </m:r>
                     <m:sSup>
                       <m:sSupPr>
@@ -9814,21 +9735,7 @@
                             <m:nor/>
                           </m:rPr>
                           <a:rPr lang="en-US" dirty="0"/>
-                          <m:t>−</m:t>
-                        </m:r>
-                        <m:r>
-                          <m:rPr>
-                            <m:nor/>
-                          </m:rPr>
-                          <a:rPr lang="en-US" dirty="0"/>
-                          <m:t>84.67</m:t>
-                        </m:r>
-                        <m:r>
-                          <m:rPr>
-                            <m:nor/>
-                          </m:rPr>
-                          <a:rPr lang="en-US" dirty="0"/>
-                          <m:t>)</m:t>
+                          <m:t>−84.67)</m:t>
                         </m:r>
                       </m:e>
                       <m:sup>
@@ -9871,21 +9778,7 @@
                             <m:nor/>
                           </m:rPr>
                           <a:rPr lang="en-US" dirty="0"/>
-                          <m:t>−</m:t>
-                        </m:r>
-                        <m:r>
-                          <m:rPr>
-                            <m:nor/>
-                          </m:rPr>
-                          <a:rPr lang="en-US" dirty="0"/>
-                          <m:t>84.67</m:t>
-                        </m:r>
-                        <m:r>
-                          <m:rPr>
-                            <m:nor/>
-                          </m:rPr>
-                          <a:rPr lang="en-US" dirty="0"/>
-                          <m:t>)</m:t>
+                          <m:t>−84.67)</m:t>
                         </m:r>
                       </m:e>
                       <m:sup>
@@ -10016,7 +9909,7 @@
             </p:txBody>
           </p:sp>
         </mc:Choice>
-        <mc:Fallback>
+        <mc:Fallback xmlns="">
           <p:sp>
             <p:nvSpPr>
               <p:cNvPr id="4" name="Content Placeholder 3">
@@ -10056,8 +9949,8 @@
           </p:sp>
         </mc:Fallback>
       </mc:AlternateContent>
-      <mc:AlternateContent xmlns:mc="http://schemas.openxmlformats.org/markup-compatibility/2006">
-        <mc:Choice xmlns:a14="http://schemas.microsoft.com/office/drawing/2010/main" Requires="a14">
+      <mc:AlternateContent xmlns:mc="http://schemas.openxmlformats.org/markup-compatibility/2006" xmlns:a14="http://schemas.microsoft.com/office/drawing/2010/main">
+        <mc:Choice Requires="a14">
           <p:graphicFrame>
             <p:nvGraphicFramePr>
               <p:cNvPr id="6" name="Table 6">
@@ -10686,13 +10579,7 @@
                                   <a:rPr lang="en-US" b="0" i="1" smtClean="0">
                                     <a:latin typeface="Cambria Math" panose="02040503050406030204" pitchFamily="18" charset="0"/>
                                   </a:rPr>
-                                  <m:t>=</m:t>
-                                </m:r>
-                                <m:r>
-                                  <a:rPr lang="en-US" b="0" i="1" smtClean="0">
-                                    <a:latin typeface="Cambria Math" panose="02040503050406030204" pitchFamily="18" charset="0"/>
-                                  </a:rPr>
-                                  <m:t>85</m:t>
+                                  <m:t>=85</m:t>
                                 </m:r>
                               </m:oMath>
                             </m:oMathPara>
@@ -10736,25 +10623,7 @@
                                   <a:rPr lang="en-US" b="0" i="1" smtClean="0">
                                     <a:latin typeface="Cambria Math" panose="02040503050406030204" pitchFamily="18" charset="0"/>
                                   </a:rPr>
-                                  <m:t>=</m:t>
-                                </m:r>
-                                <m:r>
-                                  <a:rPr lang="en-US" b="0" i="1" smtClean="0">
-                                    <a:latin typeface="Cambria Math" panose="02040503050406030204" pitchFamily="18" charset="0"/>
-                                  </a:rPr>
-                                  <m:t>78</m:t>
-                                </m:r>
-                                <m:r>
-                                  <a:rPr lang="en-US" b="0" i="1" smtClean="0">
-                                    <a:latin typeface="Cambria Math" panose="02040503050406030204" pitchFamily="18" charset="0"/>
-                                  </a:rPr>
-                                  <m:t>.</m:t>
-                                </m:r>
-                                <m:r>
-                                  <a:rPr lang="en-US" b="0" i="1" smtClean="0">
-                                    <a:latin typeface="Cambria Math" panose="02040503050406030204" pitchFamily="18" charset="0"/>
-                                  </a:rPr>
-                                  <m:t>5</m:t>
+                                  <m:t>=78.5</m:t>
                                 </m:r>
                               </m:oMath>
                             </m:oMathPara>
@@ -10798,25 +10667,7 @@
                                   <a:rPr lang="en-US" b="0" i="1" smtClean="0">
                                     <a:latin typeface="Cambria Math" panose="02040503050406030204" pitchFamily="18" charset="0"/>
                                   </a:rPr>
-                                  <m:t>=</m:t>
-                                </m:r>
-                                <m:r>
-                                  <a:rPr lang="en-US" b="0" i="1" smtClean="0">
-                                    <a:latin typeface="Cambria Math" panose="02040503050406030204" pitchFamily="18" charset="0"/>
-                                  </a:rPr>
-                                  <m:t>90</m:t>
-                                </m:r>
-                                <m:r>
-                                  <a:rPr lang="en-US" b="0" i="1" smtClean="0">
-                                    <a:latin typeface="Cambria Math" panose="02040503050406030204" pitchFamily="18" charset="0"/>
-                                  </a:rPr>
-                                  <m:t>.</m:t>
-                                </m:r>
-                                <m:r>
-                                  <a:rPr lang="en-US" b="0" i="1" smtClean="0">
-                                    <a:latin typeface="Cambria Math" panose="02040503050406030204" pitchFamily="18" charset="0"/>
-                                  </a:rPr>
-                                  <m:t>5</m:t>
+                                  <m:t>=90.5</m:t>
                                 </m:r>
                               </m:oMath>
                             </m:oMathPara>
@@ -10837,7 +10688,7 @@
             </a:graphic>
           </p:graphicFrame>
         </mc:Choice>
-        <mc:Fallback>
+        <mc:Fallback xmlns="">
           <p:graphicFrame>
             <p:nvGraphicFramePr>
               <p:cNvPr id="6" name="Table 6">
@@ -11553,8 +11404,8 @@
           </a:p>
         </p:txBody>
       </p:sp>
-      <mc:AlternateContent xmlns:mc="http://schemas.openxmlformats.org/markup-compatibility/2006">
-        <mc:Choice xmlns:a14="http://schemas.microsoft.com/office/drawing/2010/main" Requires="a14">
+      <mc:AlternateContent xmlns:mc="http://schemas.openxmlformats.org/markup-compatibility/2006" xmlns:a14="http://schemas.microsoft.com/office/drawing/2010/main">
+        <mc:Choice Requires="a14">
           <p:sp>
             <p:nvSpPr>
               <p:cNvPr id="3" name="Content Placeholder 2">
@@ -11824,7 +11675,7 @@
             </p:txBody>
           </p:sp>
         </mc:Choice>
-        <mc:Fallback>
+        <mc:Fallback xmlns="">
           <p:sp>
             <p:nvSpPr>
               <p:cNvPr id="3" name="Content Placeholder 2">
